--- a/web/Perguntas_e_Respostas/Matemática/Aritmetica/Adicao/lista_001_exe/lista_001_exe.pptx
+++ b/web/Perguntas_e_Respostas/Matemática/Aritmetica/Adicao/lista_001_exe/lista_001_exe.pptx
@@ -2,10 +2,10 @@
 <file path=ppt/presentation.xml><?xml version="1.0" encoding="utf-8"?>
 <p:presentation xmlns:a="http://schemas.openxmlformats.org/drawingml/2006/main" xmlns:r="http://schemas.openxmlformats.org/officeDocument/2006/relationships" xmlns:p="http://schemas.openxmlformats.org/presentationml/2006/main" saveSubsetFonts="1">
   <p:sldMasterIdLst>
-    <p:sldMasterId id="2147483924" r:id="rId1"/>
+    <p:sldMasterId id="2147483948" r:id="rId1"/>
   </p:sldMasterIdLst>
   <p:notesMasterIdLst>
-    <p:notesMasterId r:id="rId33"/>
+    <p:notesMasterId r:id="rId35"/>
   </p:notesMasterIdLst>
   <p:sldIdLst>
     <p:sldId id="293" r:id="rId2"/>
@@ -39,8 +39,10 @@
     <p:sldId id="321" r:id="rId30"/>
     <p:sldId id="322" r:id="rId31"/>
     <p:sldId id="323" r:id="rId32"/>
+    <p:sldId id="324" r:id="rId33"/>
+    <p:sldId id="325" r:id="rId34"/>
   </p:sldIdLst>
-  <p:sldSz cx="6480175" cy="3600450"/>
+  <p:sldSz cx="6840538" cy="3779838"/>
   <p:notesSz cx="6858000" cy="9144000"/>
   <p:defaultTextStyle>
     <a:defPPr>
@@ -176,28 +178,30 @@
             <p14:sldId id="321"/>
             <p14:sldId id="322"/>
             <p14:sldId id="323"/>
+            <p14:sldId id="324"/>
+            <p14:sldId id="325"/>
           </p14:sldIdLst>
         </p14:section>
       </p14:sectionLst>
     </p:ext>
     <p:ext uri="{EFAFB233-063F-42B5-8137-9DF3F51BA10A}">
       <p15:sldGuideLst xmlns:p15="http://schemas.microsoft.com/office/powerpoint/2012/main">
-        <p15:guide id="1" orient="horz" pos="2649" userDrawn="1">
+        <p15:guide id="1" orient="horz" pos="2781" userDrawn="1">
           <p15:clr>
             <a:srgbClr val="A4A3A4"/>
           </p15:clr>
         </p15:guide>
-        <p15:guide id="2" pos="3513" userDrawn="1">
+        <p15:guide id="2" pos="3708" userDrawn="1">
           <p15:clr>
             <a:srgbClr val="A4A3A4"/>
           </p15:clr>
         </p15:guide>
-        <p15:guide id="3" orient="horz" pos="1135" userDrawn="1">
+        <p15:guide id="3" orient="horz" pos="1192" userDrawn="1">
           <p15:clr>
             <a:srgbClr val="A4A3A4"/>
           </p15:clr>
         </p15:guide>
-        <p15:guide id="4" pos="2043" userDrawn="1">
+        <p15:guide id="4" pos="2157" userDrawn="1">
           <p15:clr>
             <a:srgbClr val="A4A3A4"/>
           </p15:clr>
@@ -293,7 +297,7 @@
           <a:p>
             <a:fld id="{8E16BBD4-8911-4A0F-AA6A-6D6D8349903B}" type="datetimeFigureOut">
               <a:rPr lang="pt-BR" smtClean="0"/>
-              <a:t>12/11/2019</a:t>
+              <a:t>14/11/2019</a:t>
             </a:fld>
             <a:endParaRPr lang="pt-BR"/>
           </a:p>
@@ -311,8 +315,8 @@
         </p:nvSpPr>
         <p:spPr>
           <a:xfrm>
-            <a:off x="344488" y="685800"/>
-            <a:ext cx="6169025" cy="3429000"/>
+            <a:off x="327025" y="685800"/>
+            <a:ext cx="6203950" cy="3429000"/>
           </a:xfrm>
           <a:prstGeom prst="rect">
             <a:avLst/>
@@ -591,8 +595,8 @@
         </p:nvSpPr>
         <p:spPr>
           <a:xfrm>
-            <a:off x="344488" y="685800"/>
-            <a:ext cx="6169025" cy="3429000"/>
+            <a:off x="327025" y="685800"/>
+            <a:ext cx="6203950" cy="3429000"/>
           </a:xfrm>
         </p:spPr>
       </p:sp>
@@ -682,8 +686,8 @@
         </p:nvSpPr>
         <p:spPr>
           <a:xfrm>
-            <a:off x="344488" y="685800"/>
-            <a:ext cx="6169025" cy="3429000"/>
+            <a:off x="327025" y="685800"/>
+            <a:ext cx="6203950" cy="3429000"/>
           </a:xfrm>
         </p:spPr>
       </p:sp>
@@ -773,8 +777,8 @@
         </p:nvSpPr>
         <p:spPr>
           <a:xfrm>
-            <a:off x="344488" y="685800"/>
-            <a:ext cx="6169025" cy="3429000"/>
+            <a:off x="327025" y="685800"/>
+            <a:ext cx="6203950" cy="3429000"/>
           </a:xfrm>
         </p:spPr>
       </p:sp>
@@ -864,8 +868,8 @@
         </p:nvSpPr>
         <p:spPr>
           <a:xfrm>
-            <a:off x="344488" y="685800"/>
-            <a:ext cx="6169025" cy="3429000"/>
+            <a:off x="327025" y="685800"/>
+            <a:ext cx="6203950" cy="3429000"/>
           </a:xfrm>
         </p:spPr>
       </p:sp>
@@ -955,8 +959,8 @@
         </p:nvSpPr>
         <p:spPr>
           <a:xfrm>
-            <a:off x="344488" y="685800"/>
-            <a:ext cx="6169025" cy="3429000"/>
+            <a:off x="327025" y="685800"/>
+            <a:ext cx="6203950" cy="3429000"/>
           </a:xfrm>
         </p:spPr>
       </p:sp>
@@ -1046,8 +1050,8 @@
         </p:nvSpPr>
         <p:spPr>
           <a:xfrm>
-            <a:off x="344488" y="685800"/>
-            <a:ext cx="6169025" cy="3429000"/>
+            <a:off x="327025" y="685800"/>
+            <a:ext cx="6203950" cy="3429000"/>
           </a:xfrm>
         </p:spPr>
       </p:sp>
@@ -1137,8 +1141,8 @@
         </p:nvSpPr>
         <p:spPr>
           <a:xfrm>
-            <a:off x="344488" y="685800"/>
-            <a:ext cx="6169025" cy="3429000"/>
+            <a:off x="327025" y="685800"/>
+            <a:ext cx="6203950" cy="3429000"/>
           </a:xfrm>
         </p:spPr>
       </p:sp>
@@ -1228,8 +1232,8 @@
         </p:nvSpPr>
         <p:spPr>
           <a:xfrm>
-            <a:off x="344488" y="685800"/>
-            <a:ext cx="6169025" cy="3429000"/>
+            <a:off x="327025" y="685800"/>
+            <a:ext cx="6203950" cy="3429000"/>
           </a:xfrm>
         </p:spPr>
       </p:sp>
@@ -1319,8 +1323,8 @@
         </p:nvSpPr>
         <p:spPr>
           <a:xfrm>
-            <a:off x="344488" y="685800"/>
-            <a:ext cx="6169025" cy="3429000"/>
+            <a:off x="327025" y="685800"/>
+            <a:ext cx="6203950" cy="3429000"/>
           </a:xfrm>
         </p:spPr>
       </p:sp>
@@ -1410,8 +1414,8 @@
         </p:nvSpPr>
         <p:spPr>
           <a:xfrm>
-            <a:off x="344488" y="685800"/>
-            <a:ext cx="6169025" cy="3429000"/>
+            <a:off x="327025" y="685800"/>
+            <a:ext cx="6203950" cy="3429000"/>
           </a:xfrm>
         </p:spPr>
       </p:sp>
@@ -1501,8 +1505,8 @@
         </p:nvSpPr>
         <p:spPr>
           <a:xfrm>
-            <a:off x="344488" y="685800"/>
-            <a:ext cx="6169025" cy="3429000"/>
+            <a:off x="327025" y="685800"/>
+            <a:ext cx="6203950" cy="3429000"/>
           </a:xfrm>
         </p:spPr>
       </p:sp>
@@ -1592,8 +1596,8 @@
         </p:nvSpPr>
         <p:spPr>
           <a:xfrm>
-            <a:off x="344488" y="685800"/>
-            <a:ext cx="6169025" cy="3429000"/>
+            <a:off x="327025" y="685800"/>
+            <a:ext cx="6203950" cy="3429000"/>
           </a:xfrm>
         </p:spPr>
       </p:sp>
@@ -1683,8 +1687,8 @@
         </p:nvSpPr>
         <p:spPr>
           <a:xfrm>
-            <a:off x="344488" y="685800"/>
-            <a:ext cx="6169025" cy="3429000"/>
+            <a:off x="327025" y="685800"/>
+            <a:ext cx="6203950" cy="3429000"/>
           </a:xfrm>
         </p:spPr>
       </p:sp>
@@ -1774,8 +1778,8 @@
         </p:nvSpPr>
         <p:spPr>
           <a:xfrm>
-            <a:off x="344488" y="685800"/>
-            <a:ext cx="6169025" cy="3429000"/>
+            <a:off x="327025" y="685800"/>
+            <a:ext cx="6203950" cy="3429000"/>
           </a:xfrm>
         </p:spPr>
       </p:sp>
@@ -1865,8 +1869,8 @@
         </p:nvSpPr>
         <p:spPr>
           <a:xfrm>
-            <a:off x="344488" y="685800"/>
-            <a:ext cx="6169025" cy="3429000"/>
+            <a:off x="327025" y="685800"/>
+            <a:ext cx="6203950" cy="3429000"/>
           </a:xfrm>
         </p:spPr>
       </p:sp>
@@ -1956,8 +1960,8 @@
         </p:nvSpPr>
         <p:spPr>
           <a:xfrm>
-            <a:off x="344488" y="685800"/>
-            <a:ext cx="6169025" cy="3429000"/>
+            <a:off x="327025" y="685800"/>
+            <a:ext cx="6203950" cy="3429000"/>
           </a:xfrm>
         </p:spPr>
       </p:sp>
@@ -2047,8 +2051,8 @@
         </p:nvSpPr>
         <p:spPr>
           <a:xfrm>
-            <a:off x="344488" y="685800"/>
-            <a:ext cx="6169025" cy="3429000"/>
+            <a:off x="327025" y="685800"/>
+            <a:ext cx="6203950" cy="3429000"/>
           </a:xfrm>
         </p:spPr>
       </p:sp>
@@ -2138,8 +2142,8 @@
         </p:nvSpPr>
         <p:spPr>
           <a:xfrm>
-            <a:off x="344488" y="685800"/>
-            <a:ext cx="6169025" cy="3429000"/>
+            <a:off x="327025" y="685800"/>
+            <a:ext cx="6203950" cy="3429000"/>
           </a:xfrm>
         </p:spPr>
       </p:sp>
@@ -2229,8 +2233,8 @@
         </p:nvSpPr>
         <p:spPr>
           <a:xfrm>
-            <a:off x="344488" y="685800"/>
-            <a:ext cx="6169025" cy="3429000"/>
+            <a:off x="327025" y="685800"/>
+            <a:ext cx="6203950" cy="3429000"/>
           </a:xfrm>
         </p:spPr>
       </p:sp>
@@ -2320,8 +2324,8 @@
         </p:nvSpPr>
         <p:spPr>
           <a:xfrm>
-            <a:off x="344488" y="685800"/>
-            <a:ext cx="6169025" cy="3429000"/>
+            <a:off x="327025" y="685800"/>
+            <a:ext cx="6203950" cy="3429000"/>
           </a:xfrm>
         </p:spPr>
       </p:sp>
@@ -2411,8 +2415,8 @@
         </p:nvSpPr>
         <p:spPr>
           <a:xfrm>
-            <a:off x="344488" y="685800"/>
-            <a:ext cx="6169025" cy="3429000"/>
+            <a:off x="327025" y="685800"/>
+            <a:ext cx="6203950" cy="3429000"/>
           </a:xfrm>
         </p:spPr>
       </p:sp>
@@ -2502,8 +2506,8 @@
         </p:nvSpPr>
         <p:spPr>
           <a:xfrm>
-            <a:off x="344488" y="685800"/>
-            <a:ext cx="6169025" cy="3429000"/>
+            <a:off x="327025" y="685800"/>
+            <a:ext cx="6203950" cy="3429000"/>
           </a:xfrm>
         </p:spPr>
       </p:sp>
@@ -2593,8 +2597,8 @@
         </p:nvSpPr>
         <p:spPr>
           <a:xfrm>
-            <a:off x="344488" y="685800"/>
-            <a:ext cx="6169025" cy="3429000"/>
+            <a:off x="327025" y="685800"/>
+            <a:ext cx="6203950" cy="3429000"/>
           </a:xfrm>
         </p:spPr>
       </p:sp>
@@ -2684,8 +2688,8 @@
         </p:nvSpPr>
         <p:spPr>
           <a:xfrm>
-            <a:off x="344488" y="685800"/>
-            <a:ext cx="6169025" cy="3429000"/>
+            <a:off x="327025" y="685800"/>
+            <a:ext cx="6203950" cy="3429000"/>
           </a:xfrm>
         </p:spPr>
       </p:sp>
@@ -2775,8 +2779,8 @@
         </p:nvSpPr>
         <p:spPr>
           <a:xfrm>
-            <a:off x="344488" y="685800"/>
-            <a:ext cx="6169025" cy="3429000"/>
+            <a:off x="327025" y="685800"/>
+            <a:ext cx="6203950" cy="3429000"/>
           </a:xfrm>
         </p:spPr>
       </p:sp>
@@ -2828,6 +2832,188 @@
     <p:extLst>
       <p:ext uri="{BB962C8B-B14F-4D97-AF65-F5344CB8AC3E}">
         <p14:creationId xmlns:p14="http://schemas.microsoft.com/office/powerpoint/2010/main" val="2624043946"/>
+      </p:ext>
+    </p:extLst>
+  </p:cSld>
+  <p:clrMapOvr>
+    <a:masterClrMapping/>
+  </p:clrMapOvr>
+</p:notes>
+</file>
+
+<file path=ppt/notesSlides/notesSlide32.xml><?xml version="1.0" encoding="utf-8"?>
+<p:notes xmlns:a="http://schemas.openxmlformats.org/drawingml/2006/main" xmlns:r="http://schemas.openxmlformats.org/officeDocument/2006/relationships" xmlns:p="http://schemas.openxmlformats.org/presentationml/2006/main">
+  <p:cSld>
+    <p:spTree>
+      <p:nvGrpSpPr>
+        <p:cNvPr id="1" name=""/>
+        <p:cNvGrpSpPr/>
+        <p:nvPr/>
+      </p:nvGrpSpPr>
+      <p:grpSpPr>
+        <a:xfrm>
+          <a:off x="0" y="0"/>
+          <a:ext cx="0" cy="0"/>
+          <a:chOff x="0" y="0"/>
+          <a:chExt cx="0" cy="0"/>
+        </a:xfrm>
+      </p:grpSpPr>
+      <p:sp>
+        <p:nvSpPr>
+          <p:cNvPr id="2" name="Espaço Reservado para Imagem de Slide 1"/>
+          <p:cNvSpPr>
+            <a:spLocks noGrp="1" noRot="1" noChangeAspect="1"/>
+          </p:cNvSpPr>
+          <p:nvPr>
+            <p:ph type="sldImg"/>
+          </p:nvPr>
+        </p:nvSpPr>
+        <p:spPr>
+          <a:xfrm>
+            <a:off x="327025" y="685800"/>
+            <a:ext cx="6203950" cy="3429000"/>
+          </a:xfrm>
+        </p:spPr>
+      </p:sp>
+      <p:sp>
+        <p:nvSpPr>
+          <p:cNvPr id="3" name="Espaço Reservado para Anotações 2"/>
+          <p:cNvSpPr>
+            <a:spLocks noGrp="1"/>
+          </p:cNvSpPr>
+          <p:nvPr>
+            <p:ph type="body" idx="1"/>
+          </p:nvPr>
+        </p:nvSpPr>
+        <p:spPr/>
+        <p:txBody>
+          <a:bodyPr>
+            <a:normAutofit/>
+          </a:bodyPr>
+          <a:lstStyle/>
+          <a:p>
+            <a:endParaRPr lang="pt-BR"/>
+          </a:p>
+        </p:txBody>
+      </p:sp>
+      <p:sp>
+        <p:nvSpPr>
+          <p:cNvPr id="4" name="Espaço Reservado para Número de Slide 3"/>
+          <p:cNvSpPr>
+            <a:spLocks noGrp="1"/>
+          </p:cNvSpPr>
+          <p:nvPr>
+            <p:ph type="sldNum" sz="quarter" idx="10"/>
+          </p:nvPr>
+        </p:nvSpPr>
+        <p:spPr/>
+        <p:txBody>
+          <a:bodyPr/>
+          <a:lstStyle/>
+          <a:p>
+            <a:fld id="{AA3BDF02-B96A-49DA-B87B-E5BEC32AF444}" type="slidenum">
+              <a:rPr lang="pt-BR" smtClean="0"/>
+              <a:t>32</a:t>
+            </a:fld>
+            <a:endParaRPr lang="pt-BR"/>
+          </a:p>
+        </p:txBody>
+      </p:sp>
+    </p:spTree>
+    <p:extLst>
+      <p:ext uri="{BB962C8B-B14F-4D97-AF65-F5344CB8AC3E}">
+        <p14:creationId xmlns:p14="http://schemas.microsoft.com/office/powerpoint/2010/main" val="3385418458"/>
+      </p:ext>
+    </p:extLst>
+  </p:cSld>
+  <p:clrMapOvr>
+    <a:masterClrMapping/>
+  </p:clrMapOvr>
+</p:notes>
+</file>
+
+<file path=ppt/notesSlides/notesSlide33.xml><?xml version="1.0" encoding="utf-8"?>
+<p:notes xmlns:a="http://schemas.openxmlformats.org/drawingml/2006/main" xmlns:r="http://schemas.openxmlformats.org/officeDocument/2006/relationships" xmlns:p="http://schemas.openxmlformats.org/presentationml/2006/main">
+  <p:cSld>
+    <p:spTree>
+      <p:nvGrpSpPr>
+        <p:cNvPr id="1" name=""/>
+        <p:cNvGrpSpPr/>
+        <p:nvPr/>
+      </p:nvGrpSpPr>
+      <p:grpSpPr>
+        <a:xfrm>
+          <a:off x="0" y="0"/>
+          <a:ext cx="0" cy="0"/>
+          <a:chOff x="0" y="0"/>
+          <a:chExt cx="0" cy="0"/>
+        </a:xfrm>
+      </p:grpSpPr>
+      <p:sp>
+        <p:nvSpPr>
+          <p:cNvPr id="2" name="Espaço Reservado para Imagem de Slide 1"/>
+          <p:cNvSpPr>
+            <a:spLocks noGrp="1" noRot="1" noChangeAspect="1"/>
+          </p:cNvSpPr>
+          <p:nvPr>
+            <p:ph type="sldImg"/>
+          </p:nvPr>
+        </p:nvSpPr>
+        <p:spPr>
+          <a:xfrm>
+            <a:off x="327025" y="685800"/>
+            <a:ext cx="6203950" cy="3429000"/>
+          </a:xfrm>
+        </p:spPr>
+      </p:sp>
+      <p:sp>
+        <p:nvSpPr>
+          <p:cNvPr id="3" name="Espaço Reservado para Anotações 2"/>
+          <p:cNvSpPr>
+            <a:spLocks noGrp="1"/>
+          </p:cNvSpPr>
+          <p:nvPr>
+            <p:ph type="body" idx="1"/>
+          </p:nvPr>
+        </p:nvSpPr>
+        <p:spPr/>
+        <p:txBody>
+          <a:bodyPr>
+            <a:normAutofit/>
+          </a:bodyPr>
+          <a:lstStyle/>
+          <a:p>
+            <a:endParaRPr lang="pt-BR"/>
+          </a:p>
+        </p:txBody>
+      </p:sp>
+      <p:sp>
+        <p:nvSpPr>
+          <p:cNvPr id="4" name="Espaço Reservado para Número de Slide 3"/>
+          <p:cNvSpPr>
+            <a:spLocks noGrp="1"/>
+          </p:cNvSpPr>
+          <p:nvPr>
+            <p:ph type="sldNum" sz="quarter" idx="10"/>
+          </p:nvPr>
+        </p:nvSpPr>
+        <p:spPr/>
+        <p:txBody>
+          <a:bodyPr/>
+          <a:lstStyle/>
+          <a:p>
+            <a:fld id="{AA3BDF02-B96A-49DA-B87B-E5BEC32AF444}" type="slidenum">
+              <a:rPr lang="pt-BR" smtClean="0"/>
+              <a:t>33</a:t>
+            </a:fld>
+            <a:endParaRPr lang="pt-BR"/>
+          </a:p>
+        </p:txBody>
+      </p:sp>
+    </p:spTree>
+    <p:extLst>
+      <p:ext uri="{BB962C8B-B14F-4D97-AF65-F5344CB8AC3E}">
+        <p14:creationId xmlns:p14="http://schemas.microsoft.com/office/powerpoint/2010/main" val="2045909523"/>
       </p:ext>
     </p:extLst>
   </p:cSld>
@@ -2866,8 +3052,8 @@
         </p:nvSpPr>
         <p:spPr>
           <a:xfrm>
-            <a:off x="344488" y="685800"/>
-            <a:ext cx="6169025" cy="3429000"/>
+            <a:off x="327025" y="685800"/>
+            <a:ext cx="6203950" cy="3429000"/>
           </a:xfrm>
         </p:spPr>
       </p:sp>
@@ -2957,8 +3143,8 @@
         </p:nvSpPr>
         <p:spPr>
           <a:xfrm>
-            <a:off x="344488" y="685800"/>
-            <a:ext cx="6169025" cy="3429000"/>
+            <a:off x="327025" y="685800"/>
+            <a:ext cx="6203950" cy="3429000"/>
           </a:xfrm>
         </p:spPr>
       </p:sp>
@@ -3048,8 +3234,8 @@
         </p:nvSpPr>
         <p:spPr>
           <a:xfrm>
-            <a:off x="344488" y="685800"/>
-            <a:ext cx="6169025" cy="3429000"/>
+            <a:off x="327025" y="685800"/>
+            <a:ext cx="6203950" cy="3429000"/>
           </a:xfrm>
         </p:spPr>
       </p:sp>
@@ -3139,8 +3325,8 @@
         </p:nvSpPr>
         <p:spPr>
           <a:xfrm>
-            <a:off x="344488" y="685800"/>
-            <a:ext cx="6169025" cy="3429000"/>
+            <a:off x="327025" y="685800"/>
+            <a:ext cx="6203950" cy="3429000"/>
           </a:xfrm>
         </p:spPr>
       </p:sp>
@@ -3230,8 +3416,8 @@
         </p:nvSpPr>
         <p:spPr>
           <a:xfrm>
-            <a:off x="344488" y="685800"/>
-            <a:ext cx="6169025" cy="3429000"/>
+            <a:off x="327025" y="685800"/>
+            <a:ext cx="6203950" cy="3429000"/>
           </a:xfrm>
         </p:spPr>
       </p:sp>
@@ -3321,8 +3507,8 @@
         </p:nvSpPr>
         <p:spPr>
           <a:xfrm>
-            <a:off x="344488" y="685800"/>
-            <a:ext cx="6169025" cy="3429000"/>
+            <a:off x="327025" y="685800"/>
+            <a:ext cx="6203950" cy="3429000"/>
           </a:xfrm>
         </p:spPr>
       </p:sp>
@@ -3412,15 +3598,15 @@
         </p:nvSpPr>
         <p:spPr>
           <a:xfrm>
-            <a:off x="810022" y="589241"/>
-            <a:ext cx="4860131" cy="1253490"/>
+            <a:off x="855067" y="618599"/>
+            <a:ext cx="5130404" cy="1315944"/>
           </a:xfrm>
         </p:spPr>
         <p:txBody>
           <a:bodyPr anchor="b"/>
           <a:lstStyle>
             <a:lvl1pPr algn="ctr">
-              <a:defRPr sz="3150"/>
+              <a:defRPr sz="3307"/>
             </a:lvl1pPr>
           </a:lstStyle>
           <a:p>
@@ -3444,8 +3630,8 @@
         </p:nvSpPr>
         <p:spPr>
           <a:xfrm>
-            <a:off x="810022" y="1891070"/>
-            <a:ext cx="4860131" cy="869275"/>
+            <a:off x="855067" y="1985290"/>
+            <a:ext cx="5130404" cy="912586"/>
           </a:xfrm>
         </p:spPr>
         <p:txBody>
@@ -3453,39 +3639,39 @@
           <a:lstStyle>
             <a:lvl1pPr marL="0" indent="0" algn="ctr">
               <a:buNone/>
-              <a:defRPr sz="1260"/>
+              <a:defRPr sz="1323"/>
             </a:lvl1pPr>
-            <a:lvl2pPr marL="240030" indent="0" algn="ctr">
+            <a:lvl2pPr marL="252009" indent="0" algn="ctr">
               <a:buNone/>
-              <a:defRPr sz="1050"/>
+              <a:defRPr sz="1102"/>
             </a:lvl2pPr>
-            <a:lvl3pPr marL="480060" indent="0" algn="ctr">
+            <a:lvl3pPr marL="504017" indent="0" algn="ctr">
               <a:buNone/>
-              <a:defRPr sz="945"/>
+              <a:defRPr sz="992"/>
             </a:lvl3pPr>
-            <a:lvl4pPr marL="720090" indent="0" algn="ctr">
+            <a:lvl4pPr marL="756026" indent="0" algn="ctr">
               <a:buNone/>
-              <a:defRPr sz="840"/>
+              <a:defRPr sz="882"/>
             </a:lvl4pPr>
-            <a:lvl5pPr marL="960120" indent="0" algn="ctr">
+            <a:lvl5pPr marL="1008035" indent="0" algn="ctr">
               <a:buNone/>
-              <a:defRPr sz="840"/>
+              <a:defRPr sz="882"/>
             </a:lvl5pPr>
-            <a:lvl6pPr marL="1200150" indent="0" algn="ctr">
+            <a:lvl6pPr marL="1260043" indent="0" algn="ctr">
               <a:buNone/>
-              <a:defRPr sz="840"/>
+              <a:defRPr sz="882"/>
             </a:lvl6pPr>
-            <a:lvl7pPr marL="1440180" indent="0" algn="ctr">
+            <a:lvl7pPr marL="1512052" indent="0" algn="ctr">
               <a:buNone/>
-              <a:defRPr sz="840"/>
+              <a:defRPr sz="882"/>
             </a:lvl7pPr>
-            <a:lvl8pPr marL="1680210" indent="0" algn="ctr">
+            <a:lvl8pPr marL="1764060" indent="0" algn="ctr">
               <a:buNone/>
-              <a:defRPr sz="840"/>
+              <a:defRPr sz="882"/>
             </a:lvl8pPr>
-            <a:lvl9pPr marL="1920240" indent="0" algn="ctr">
+            <a:lvl9pPr marL="2016069" indent="0" algn="ctr">
               <a:buNone/>
-              <a:defRPr sz="840"/>
+              <a:defRPr sz="882"/>
             </a:lvl9pPr>
           </a:lstStyle>
           <a:p>
@@ -3515,7 +3701,7 @@
             <a:fld id="{F8BDB6AA-63F8-4F31-8EA3-CB6FE8D9515C}" type="datetimeFigureOut">
               <a:rPr lang="pt-BR" smtClean="0"/>
               <a:pPr/>
-              <a:t>12/11/2019</a:t>
+              <a:t>14/11/2019</a:t>
             </a:fld>
             <a:endParaRPr lang="pt-BR"/>
           </a:p>
@@ -3567,7 +3753,7 @@
     </p:spTree>
     <p:extLst>
       <p:ext uri="{BB962C8B-B14F-4D97-AF65-F5344CB8AC3E}">
-        <p14:creationId xmlns:p14="http://schemas.microsoft.com/office/powerpoint/2010/main" val="2324134831"/>
+        <p14:creationId xmlns:p14="http://schemas.microsoft.com/office/powerpoint/2010/main" val="2772627748"/>
       </p:ext>
     </p:extLst>
   </p:cSld>
@@ -3694,7 +3880,7 @@
             <a:fld id="{F8BDB6AA-63F8-4F31-8EA3-CB6FE8D9515C}" type="datetimeFigureOut">
               <a:rPr lang="pt-BR" smtClean="0"/>
               <a:pPr/>
-              <a:t>12/11/2019</a:t>
+              <a:t>14/11/2019</a:t>
             </a:fld>
             <a:endParaRPr lang="pt-BR"/>
           </a:p>
@@ -3746,7 +3932,7 @@
     </p:spTree>
     <p:extLst>
       <p:ext uri="{BB962C8B-B14F-4D97-AF65-F5344CB8AC3E}">
-        <p14:creationId xmlns:p14="http://schemas.microsoft.com/office/powerpoint/2010/main" val="2221440810"/>
+        <p14:creationId xmlns:p14="http://schemas.microsoft.com/office/powerpoint/2010/main" val="635008609"/>
       </p:ext>
     </p:extLst>
   </p:cSld>
@@ -3792,8 +3978,8 @@
         </p:nvSpPr>
         <p:spPr>
           <a:xfrm>
-            <a:off x="4637375" y="191691"/>
-            <a:ext cx="1397288" cy="3051215"/>
+            <a:off x="4895260" y="201241"/>
+            <a:ext cx="1474991" cy="3203238"/>
           </a:xfrm>
         </p:spPr>
         <p:txBody>
@@ -3820,8 +4006,8 @@
         </p:nvSpPr>
         <p:spPr>
           <a:xfrm>
-            <a:off x="445512" y="191691"/>
-            <a:ext cx="4110861" cy="3051215"/>
+            <a:off x="470287" y="201241"/>
+            <a:ext cx="4339466" cy="3203238"/>
           </a:xfrm>
         </p:spPr>
         <p:txBody>
@@ -3883,7 +4069,7 @@
             <a:fld id="{F8BDB6AA-63F8-4F31-8EA3-CB6FE8D9515C}" type="datetimeFigureOut">
               <a:rPr lang="pt-BR" smtClean="0"/>
               <a:pPr/>
-              <a:t>12/11/2019</a:t>
+              <a:t>14/11/2019</a:t>
             </a:fld>
             <a:endParaRPr lang="pt-BR"/>
           </a:p>
@@ -3935,7 +4121,7 @@
     </p:spTree>
     <p:extLst>
       <p:ext uri="{BB962C8B-B14F-4D97-AF65-F5344CB8AC3E}">
-        <p14:creationId xmlns:p14="http://schemas.microsoft.com/office/powerpoint/2010/main" val="1261011337"/>
+        <p14:creationId xmlns:p14="http://schemas.microsoft.com/office/powerpoint/2010/main" val="2960225958"/>
       </p:ext>
     </p:extLst>
   </p:cSld>
@@ -4062,7 +4248,7 @@
             <a:fld id="{F8BDB6AA-63F8-4F31-8EA3-CB6FE8D9515C}" type="datetimeFigureOut">
               <a:rPr lang="pt-BR" smtClean="0"/>
               <a:pPr/>
-              <a:t>12/11/2019</a:t>
+              <a:t>14/11/2019</a:t>
             </a:fld>
             <a:endParaRPr lang="pt-BR"/>
           </a:p>
@@ -4114,7 +4300,7 @@
     </p:spTree>
     <p:extLst>
       <p:ext uri="{BB962C8B-B14F-4D97-AF65-F5344CB8AC3E}">
-        <p14:creationId xmlns:p14="http://schemas.microsoft.com/office/powerpoint/2010/main" val="2122018902"/>
+        <p14:creationId xmlns:p14="http://schemas.microsoft.com/office/powerpoint/2010/main" val="3054846747"/>
       </p:ext>
     </p:extLst>
   </p:cSld>
@@ -4160,15 +4346,15 @@
         </p:nvSpPr>
         <p:spPr>
           <a:xfrm>
-            <a:off x="442137" y="897613"/>
-            <a:ext cx="5589151" cy="1497687"/>
+            <a:off x="466724" y="942335"/>
+            <a:ext cx="5899964" cy="1572307"/>
           </a:xfrm>
         </p:spPr>
         <p:txBody>
           <a:bodyPr anchor="b"/>
           <a:lstStyle>
             <a:lvl1pPr>
-              <a:defRPr sz="3150"/>
+              <a:defRPr sz="3307"/>
             </a:lvl1pPr>
           </a:lstStyle>
           <a:p>
@@ -4192,8 +4378,8 @@
         </p:nvSpPr>
         <p:spPr>
           <a:xfrm>
-            <a:off x="442137" y="2409468"/>
-            <a:ext cx="5589151" cy="787598"/>
+            <a:off x="466724" y="2529517"/>
+            <a:ext cx="5899964" cy="826839"/>
           </a:xfrm>
         </p:spPr>
         <p:txBody>
@@ -4201,7 +4387,7 @@
           <a:lstStyle>
             <a:lvl1pPr marL="0" indent="0">
               <a:buNone/>
-              <a:defRPr sz="1260">
+              <a:defRPr sz="1323">
                 <a:solidFill>
                   <a:schemeClr val="tx1">
                     <a:tint val="75000"/>
@@ -4209,9 +4395,9 @@
                 </a:solidFill>
               </a:defRPr>
             </a:lvl1pPr>
-            <a:lvl2pPr marL="240030" indent="0">
+            <a:lvl2pPr marL="252009" indent="0">
               <a:buNone/>
-              <a:defRPr sz="1050">
+              <a:defRPr sz="1102">
                 <a:solidFill>
                   <a:schemeClr val="tx1">
                     <a:tint val="75000"/>
@@ -4219,9 +4405,9 @@
                 </a:solidFill>
               </a:defRPr>
             </a:lvl2pPr>
-            <a:lvl3pPr marL="480060" indent="0">
+            <a:lvl3pPr marL="504017" indent="0">
               <a:buNone/>
-              <a:defRPr sz="945">
+              <a:defRPr sz="992">
                 <a:solidFill>
                   <a:schemeClr val="tx1">
                     <a:tint val="75000"/>
@@ -4229,9 +4415,9 @@
                 </a:solidFill>
               </a:defRPr>
             </a:lvl3pPr>
-            <a:lvl4pPr marL="720090" indent="0">
+            <a:lvl4pPr marL="756026" indent="0">
               <a:buNone/>
-              <a:defRPr sz="840">
+              <a:defRPr sz="882">
                 <a:solidFill>
                   <a:schemeClr val="tx1">
                     <a:tint val="75000"/>
@@ -4239,9 +4425,9 @@
                 </a:solidFill>
               </a:defRPr>
             </a:lvl4pPr>
-            <a:lvl5pPr marL="960120" indent="0">
+            <a:lvl5pPr marL="1008035" indent="0">
               <a:buNone/>
-              <a:defRPr sz="840">
+              <a:defRPr sz="882">
                 <a:solidFill>
                   <a:schemeClr val="tx1">
                     <a:tint val="75000"/>
@@ -4249,9 +4435,9 @@
                 </a:solidFill>
               </a:defRPr>
             </a:lvl5pPr>
-            <a:lvl6pPr marL="1200150" indent="0">
+            <a:lvl6pPr marL="1260043" indent="0">
               <a:buNone/>
-              <a:defRPr sz="840">
+              <a:defRPr sz="882">
                 <a:solidFill>
                   <a:schemeClr val="tx1">
                     <a:tint val="75000"/>
@@ -4259,9 +4445,9 @@
                 </a:solidFill>
               </a:defRPr>
             </a:lvl6pPr>
-            <a:lvl7pPr marL="1440180" indent="0">
+            <a:lvl7pPr marL="1512052" indent="0">
               <a:buNone/>
-              <a:defRPr sz="840">
+              <a:defRPr sz="882">
                 <a:solidFill>
                   <a:schemeClr val="tx1">
                     <a:tint val="75000"/>
@@ -4269,9 +4455,9 @@
                 </a:solidFill>
               </a:defRPr>
             </a:lvl7pPr>
-            <a:lvl8pPr marL="1680210" indent="0">
+            <a:lvl8pPr marL="1764060" indent="0">
               <a:buNone/>
-              <a:defRPr sz="840">
+              <a:defRPr sz="882">
                 <a:solidFill>
                   <a:schemeClr val="tx1">
                     <a:tint val="75000"/>
@@ -4279,9 +4465,9 @@
                 </a:solidFill>
               </a:defRPr>
             </a:lvl8pPr>
-            <a:lvl9pPr marL="1920240" indent="0">
+            <a:lvl9pPr marL="2016069" indent="0">
               <a:buNone/>
-              <a:defRPr sz="840">
+              <a:defRPr sz="882">
                 <a:solidFill>
                   <a:schemeClr val="tx1">
                     <a:tint val="75000"/>
@@ -4317,7 +4503,7 @@
             <a:fld id="{F8BDB6AA-63F8-4F31-8EA3-CB6FE8D9515C}" type="datetimeFigureOut">
               <a:rPr lang="pt-BR" smtClean="0"/>
               <a:pPr/>
-              <a:t>12/11/2019</a:t>
+              <a:t>14/11/2019</a:t>
             </a:fld>
             <a:endParaRPr lang="pt-BR"/>
           </a:p>
@@ -4369,7 +4555,7 @@
     </p:spTree>
     <p:extLst>
       <p:ext uri="{BB962C8B-B14F-4D97-AF65-F5344CB8AC3E}">
-        <p14:creationId xmlns:p14="http://schemas.microsoft.com/office/powerpoint/2010/main" val="3844919931"/>
+        <p14:creationId xmlns:p14="http://schemas.microsoft.com/office/powerpoint/2010/main" val="2642481754"/>
       </p:ext>
     </p:extLst>
   </p:cSld>
@@ -4438,8 +4624,8 @@
         </p:nvSpPr>
         <p:spPr>
           <a:xfrm>
-            <a:off x="445512" y="958453"/>
-            <a:ext cx="2754074" cy="2284452"/>
+            <a:off x="470287" y="1006207"/>
+            <a:ext cx="2907229" cy="2398272"/>
           </a:xfrm>
         </p:spPr>
         <p:txBody>
@@ -4495,8 +4681,8 @@
         </p:nvSpPr>
         <p:spPr>
           <a:xfrm>
-            <a:off x="3280589" y="958453"/>
-            <a:ext cx="2754074" cy="2284452"/>
+            <a:off x="3463022" y="1006207"/>
+            <a:ext cx="2907229" cy="2398272"/>
           </a:xfrm>
         </p:spPr>
         <p:txBody>
@@ -4558,7 +4744,7 @@
             <a:fld id="{F8BDB6AA-63F8-4F31-8EA3-CB6FE8D9515C}" type="datetimeFigureOut">
               <a:rPr lang="pt-BR" smtClean="0"/>
               <a:pPr/>
-              <a:t>12/11/2019</a:t>
+              <a:t>14/11/2019</a:t>
             </a:fld>
             <a:endParaRPr lang="pt-BR"/>
           </a:p>
@@ -4610,7 +4796,7 @@
     </p:spTree>
     <p:extLst>
       <p:ext uri="{BB962C8B-B14F-4D97-AF65-F5344CB8AC3E}">
-        <p14:creationId xmlns:p14="http://schemas.microsoft.com/office/powerpoint/2010/main" val="378442497"/>
+        <p14:creationId xmlns:p14="http://schemas.microsoft.com/office/powerpoint/2010/main" val="1217722243"/>
       </p:ext>
     </p:extLst>
   </p:cSld>
@@ -4656,8 +4842,8 @@
         </p:nvSpPr>
         <p:spPr>
           <a:xfrm>
-            <a:off x="446356" y="191691"/>
-            <a:ext cx="5589151" cy="695921"/>
+            <a:off x="471178" y="201242"/>
+            <a:ext cx="5899964" cy="730594"/>
           </a:xfrm>
         </p:spPr>
         <p:txBody>
@@ -4684,8 +4870,8 @@
         </p:nvSpPr>
         <p:spPr>
           <a:xfrm>
-            <a:off x="446356" y="882610"/>
-            <a:ext cx="2741418" cy="432554"/>
+            <a:off x="471178" y="926586"/>
+            <a:ext cx="2893868" cy="454105"/>
           </a:xfrm>
         </p:spPr>
         <p:txBody>
@@ -4693,39 +4879,39 @@
           <a:lstStyle>
             <a:lvl1pPr marL="0" indent="0">
               <a:buNone/>
-              <a:defRPr sz="1260" b="1"/>
+              <a:defRPr sz="1323" b="1"/>
             </a:lvl1pPr>
-            <a:lvl2pPr marL="240030" indent="0">
+            <a:lvl2pPr marL="252009" indent="0">
               <a:buNone/>
-              <a:defRPr sz="1050" b="1"/>
+              <a:defRPr sz="1102" b="1"/>
             </a:lvl2pPr>
-            <a:lvl3pPr marL="480060" indent="0">
+            <a:lvl3pPr marL="504017" indent="0">
               <a:buNone/>
-              <a:defRPr sz="945" b="1"/>
+              <a:defRPr sz="992" b="1"/>
             </a:lvl3pPr>
-            <a:lvl4pPr marL="720090" indent="0">
+            <a:lvl4pPr marL="756026" indent="0">
               <a:buNone/>
-              <a:defRPr sz="840" b="1"/>
+              <a:defRPr sz="882" b="1"/>
             </a:lvl4pPr>
-            <a:lvl5pPr marL="960120" indent="0">
+            <a:lvl5pPr marL="1008035" indent="0">
               <a:buNone/>
-              <a:defRPr sz="840" b="1"/>
+              <a:defRPr sz="882" b="1"/>
             </a:lvl5pPr>
-            <a:lvl6pPr marL="1200150" indent="0">
+            <a:lvl6pPr marL="1260043" indent="0">
               <a:buNone/>
-              <a:defRPr sz="840" b="1"/>
+              <a:defRPr sz="882" b="1"/>
             </a:lvl6pPr>
-            <a:lvl7pPr marL="1440180" indent="0">
+            <a:lvl7pPr marL="1512052" indent="0">
               <a:buNone/>
-              <a:defRPr sz="840" b="1"/>
+              <a:defRPr sz="882" b="1"/>
             </a:lvl7pPr>
-            <a:lvl8pPr marL="1680210" indent="0">
+            <a:lvl8pPr marL="1764060" indent="0">
               <a:buNone/>
-              <a:defRPr sz="840" b="1"/>
+              <a:defRPr sz="882" b="1"/>
             </a:lvl8pPr>
-            <a:lvl9pPr marL="1920240" indent="0">
+            <a:lvl9pPr marL="2016069" indent="0">
               <a:buNone/>
-              <a:defRPr sz="840" b="1"/>
+              <a:defRPr sz="882" b="1"/>
             </a:lvl9pPr>
           </a:lstStyle>
           <a:p>
@@ -4749,8 +4935,8 @@
         </p:nvSpPr>
         <p:spPr>
           <a:xfrm>
-            <a:off x="446356" y="1315164"/>
-            <a:ext cx="2741418" cy="1934409"/>
+            <a:off x="471178" y="1380691"/>
+            <a:ext cx="2893868" cy="2030788"/>
           </a:xfrm>
         </p:spPr>
         <p:txBody>
@@ -4806,8 +4992,8 @@
         </p:nvSpPr>
         <p:spPr>
           <a:xfrm>
-            <a:off x="3280589" y="882610"/>
-            <a:ext cx="2754918" cy="432554"/>
+            <a:off x="3463022" y="926586"/>
+            <a:ext cx="2908120" cy="454105"/>
           </a:xfrm>
         </p:spPr>
         <p:txBody>
@@ -4815,39 +5001,39 @@
           <a:lstStyle>
             <a:lvl1pPr marL="0" indent="0">
               <a:buNone/>
-              <a:defRPr sz="1260" b="1"/>
+              <a:defRPr sz="1323" b="1"/>
             </a:lvl1pPr>
-            <a:lvl2pPr marL="240030" indent="0">
+            <a:lvl2pPr marL="252009" indent="0">
               <a:buNone/>
-              <a:defRPr sz="1050" b="1"/>
+              <a:defRPr sz="1102" b="1"/>
             </a:lvl2pPr>
-            <a:lvl3pPr marL="480060" indent="0">
+            <a:lvl3pPr marL="504017" indent="0">
               <a:buNone/>
-              <a:defRPr sz="945" b="1"/>
+              <a:defRPr sz="992" b="1"/>
             </a:lvl3pPr>
-            <a:lvl4pPr marL="720090" indent="0">
+            <a:lvl4pPr marL="756026" indent="0">
               <a:buNone/>
-              <a:defRPr sz="840" b="1"/>
+              <a:defRPr sz="882" b="1"/>
             </a:lvl4pPr>
-            <a:lvl5pPr marL="960120" indent="0">
+            <a:lvl5pPr marL="1008035" indent="0">
               <a:buNone/>
-              <a:defRPr sz="840" b="1"/>
+              <a:defRPr sz="882" b="1"/>
             </a:lvl5pPr>
-            <a:lvl6pPr marL="1200150" indent="0">
+            <a:lvl6pPr marL="1260043" indent="0">
               <a:buNone/>
-              <a:defRPr sz="840" b="1"/>
+              <a:defRPr sz="882" b="1"/>
             </a:lvl6pPr>
-            <a:lvl7pPr marL="1440180" indent="0">
+            <a:lvl7pPr marL="1512052" indent="0">
               <a:buNone/>
-              <a:defRPr sz="840" b="1"/>
+              <a:defRPr sz="882" b="1"/>
             </a:lvl7pPr>
-            <a:lvl8pPr marL="1680210" indent="0">
+            <a:lvl8pPr marL="1764060" indent="0">
               <a:buNone/>
-              <a:defRPr sz="840" b="1"/>
+              <a:defRPr sz="882" b="1"/>
             </a:lvl8pPr>
-            <a:lvl9pPr marL="1920240" indent="0">
+            <a:lvl9pPr marL="2016069" indent="0">
               <a:buNone/>
-              <a:defRPr sz="840" b="1"/>
+              <a:defRPr sz="882" b="1"/>
             </a:lvl9pPr>
           </a:lstStyle>
           <a:p>
@@ -4871,8 +5057,8 @@
         </p:nvSpPr>
         <p:spPr>
           <a:xfrm>
-            <a:off x="3280589" y="1315164"/>
-            <a:ext cx="2754918" cy="1934409"/>
+            <a:off x="3463022" y="1380691"/>
+            <a:ext cx="2908120" cy="2030788"/>
           </a:xfrm>
         </p:spPr>
         <p:txBody>
@@ -4934,7 +5120,7 @@
             <a:fld id="{F8BDB6AA-63F8-4F31-8EA3-CB6FE8D9515C}" type="datetimeFigureOut">
               <a:rPr lang="pt-BR" smtClean="0"/>
               <a:pPr/>
-              <a:t>12/11/2019</a:t>
+              <a:t>14/11/2019</a:t>
             </a:fld>
             <a:endParaRPr lang="pt-BR"/>
           </a:p>
@@ -4986,7 +5172,7 @@
     </p:spTree>
     <p:extLst>
       <p:ext uri="{BB962C8B-B14F-4D97-AF65-F5344CB8AC3E}">
-        <p14:creationId xmlns:p14="http://schemas.microsoft.com/office/powerpoint/2010/main" val="2319807088"/>
+        <p14:creationId xmlns:p14="http://schemas.microsoft.com/office/powerpoint/2010/main" val="2894292634"/>
       </p:ext>
     </p:extLst>
   </p:cSld>
@@ -5061,7 +5247,7 @@
             <a:fld id="{F8BDB6AA-63F8-4F31-8EA3-CB6FE8D9515C}" type="datetimeFigureOut">
               <a:rPr lang="pt-BR" smtClean="0"/>
               <a:pPr/>
-              <a:t>12/11/2019</a:t>
+              <a:t>14/11/2019</a:t>
             </a:fld>
             <a:endParaRPr lang="pt-BR"/>
           </a:p>
@@ -5113,7 +5299,7 @@
     </p:spTree>
     <p:extLst>
       <p:ext uri="{BB962C8B-B14F-4D97-AF65-F5344CB8AC3E}">
-        <p14:creationId xmlns:p14="http://schemas.microsoft.com/office/powerpoint/2010/main" val="477092695"/>
+        <p14:creationId xmlns:p14="http://schemas.microsoft.com/office/powerpoint/2010/main" val="2044204857"/>
       </p:ext>
     </p:extLst>
   </p:cSld>
@@ -5165,7 +5351,7 @@
             <a:fld id="{F8BDB6AA-63F8-4F31-8EA3-CB6FE8D9515C}" type="datetimeFigureOut">
               <a:rPr lang="pt-BR" smtClean="0"/>
               <a:pPr/>
-              <a:t>12/11/2019</a:t>
+              <a:t>14/11/2019</a:t>
             </a:fld>
             <a:endParaRPr lang="pt-BR"/>
           </a:p>
@@ -5217,7 +5403,7 @@
     </p:spTree>
     <p:extLst>
       <p:ext uri="{BB962C8B-B14F-4D97-AF65-F5344CB8AC3E}">
-        <p14:creationId xmlns:p14="http://schemas.microsoft.com/office/powerpoint/2010/main" val="1241997985"/>
+        <p14:creationId xmlns:p14="http://schemas.microsoft.com/office/powerpoint/2010/main" val="1250909941"/>
       </p:ext>
     </p:extLst>
   </p:cSld>
@@ -5263,15 +5449,15 @@
         </p:nvSpPr>
         <p:spPr>
           <a:xfrm>
-            <a:off x="446356" y="240030"/>
-            <a:ext cx="2090025" cy="840105"/>
+            <a:off x="471178" y="251989"/>
+            <a:ext cx="2206251" cy="881962"/>
           </a:xfrm>
         </p:spPr>
         <p:txBody>
           <a:bodyPr anchor="b"/>
           <a:lstStyle>
             <a:lvl1pPr>
-              <a:defRPr sz="1680"/>
+              <a:defRPr sz="1764"/>
             </a:lvl1pPr>
           </a:lstStyle>
           <a:p>
@@ -5295,39 +5481,39 @@
         </p:nvSpPr>
         <p:spPr>
           <a:xfrm>
-            <a:off x="2754918" y="518398"/>
-            <a:ext cx="3280589" cy="2558653"/>
+            <a:off x="2908120" y="544227"/>
+            <a:ext cx="3463022" cy="2686135"/>
           </a:xfrm>
         </p:spPr>
         <p:txBody>
           <a:bodyPr/>
           <a:lstStyle>
             <a:lvl1pPr>
-              <a:defRPr sz="1680"/>
+              <a:defRPr sz="1764"/>
             </a:lvl1pPr>
             <a:lvl2pPr>
-              <a:defRPr sz="1470"/>
+              <a:defRPr sz="1543"/>
             </a:lvl2pPr>
             <a:lvl3pPr>
-              <a:defRPr sz="1260"/>
+              <a:defRPr sz="1323"/>
             </a:lvl3pPr>
             <a:lvl4pPr>
-              <a:defRPr sz="1050"/>
+              <a:defRPr sz="1102"/>
             </a:lvl4pPr>
             <a:lvl5pPr>
-              <a:defRPr sz="1050"/>
+              <a:defRPr sz="1102"/>
             </a:lvl5pPr>
             <a:lvl6pPr>
-              <a:defRPr sz="1050"/>
+              <a:defRPr sz="1102"/>
             </a:lvl6pPr>
             <a:lvl7pPr>
-              <a:defRPr sz="1050"/>
+              <a:defRPr sz="1102"/>
             </a:lvl7pPr>
             <a:lvl8pPr>
-              <a:defRPr sz="1050"/>
+              <a:defRPr sz="1102"/>
             </a:lvl8pPr>
             <a:lvl9pPr>
-              <a:defRPr sz="1050"/>
+              <a:defRPr sz="1102"/>
             </a:lvl9pPr>
           </a:lstStyle>
           <a:p>
@@ -5380,8 +5566,8 @@
         </p:nvSpPr>
         <p:spPr>
           <a:xfrm>
-            <a:off x="446356" y="1080135"/>
-            <a:ext cx="2090025" cy="2001084"/>
+            <a:off x="471178" y="1133952"/>
+            <a:ext cx="2206251" cy="2100785"/>
           </a:xfrm>
         </p:spPr>
         <p:txBody>
@@ -5389,39 +5575,39 @@
           <a:lstStyle>
             <a:lvl1pPr marL="0" indent="0">
               <a:buNone/>
-              <a:defRPr sz="840"/>
+              <a:defRPr sz="882"/>
             </a:lvl1pPr>
-            <a:lvl2pPr marL="240030" indent="0">
+            <a:lvl2pPr marL="252009" indent="0">
               <a:buNone/>
-              <a:defRPr sz="735"/>
+              <a:defRPr sz="772"/>
             </a:lvl2pPr>
-            <a:lvl3pPr marL="480060" indent="0">
+            <a:lvl3pPr marL="504017" indent="0">
               <a:buNone/>
-              <a:defRPr sz="630"/>
+              <a:defRPr sz="661"/>
             </a:lvl3pPr>
-            <a:lvl4pPr marL="720090" indent="0">
+            <a:lvl4pPr marL="756026" indent="0">
               <a:buNone/>
-              <a:defRPr sz="525"/>
+              <a:defRPr sz="551"/>
             </a:lvl4pPr>
-            <a:lvl5pPr marL="960120" indent="0">
+            <a:lvl5pPr marL="1008035" indent="0">
               <a:buNone/>
-              <a:defRPr sz="525"/>
+              <a:defRPr sz="551"/>
             </a:lvl5pPr>
-            <a:lvl6pPr marL="1200150" indent="0">
+            <a:lvl6pPr marL="1260043" indent="0">
               <a:buNone/>
-              <a:defRPr sz="525"/>
+              <a:defRPr sz="551"/>
             </a:lvl6pPr>
-            <a:lvl7pPr marL="1440180" indent="0">
+            <a:lvl7pPr marL="1512052" indent="0">
               <a:buNone/>
-              <a:defRPr sz="525"/>
+              <a:defRPr sz="551"/>
             </a:lvl7pPr>
-            <a:lvl8pPr marL="1680210" indent="0">
+            <a:lvl8pPr marL="1764060" indent="0">
               <a:buNone/>
-              <a:defRPr sz="525"/>
+              <a:defRPr sz="551"/>
             </a:lvl8pPr>
-            <a:lvl9pPr marL="1920240" indent="0">
+            <a:lvl9pPr marL="2016069" indent="0">
               <a:buNone/>
-              <a:defRPr sz="525"/>
+              <a:defRPr sz="551"/>
             </a:lvl9pPr>
           </a:lstStyle>
           <a:p>
@@ -5451,7 +5637,7 @@
             <a:fld id="{F8BDB6AA-63F8-4F31-8EA3-CB6FE8D9515C}" type="datetimeFigureOut">
               <a:rPr lang="pt-BR" smtClean="0"/>
               <a:pPr/>
-              <a:t>12/11/2019</a:t>
+              <a:t>14/11/2019</a:t>
             </a:fld>
             <a:endParaRPr lang="pt-BR"/>
           </a:p>
@@ -5503,7 +5689,7 @@
     </p:spTree>
     <p:extLst>
       <p:ext uri="{BB962C8B-B14F-4D97-AF65-F5344CB8AC3E}">
-        <p14:creationId xmlns:p14="http://schemas.microsoft.com/office/powerpoint/2010/main" val="1807257190"/>
+        <p14:creationId xmlns:p14="http://schemas.microsoft.com/office/powerpoint/2010/main" val="818840007"/>
       </p:ext>
     </p:extLst>
   </p:cSld>
@@ -5549,15 +5735,15 @@
         </p:nvSpPr>
         <p:spPr>
           <a:xfrm>
-            <a:off x="446356" y="240030"/>
-            <a:ext cx="2090025" cy="840105"/>
+            <a:off x="471178" y="251989"/>
+            <a:ext cx="2206251" cy="881962"/>
           </a:xfrm>
         </p:spPr>
         <p:txBody>
           <a:bodyPr anchor="b"/>
           <a:lstStyle>
             <a:lvl1pPr>
-              <a:defRPr sz="1680"/>
+              <a:defRPr sz="1764"/>
             </a:lvl1pPr>
           </a:lstStyle>
           <a:p>
@@ -5581,8 +5767,8 @@
         </p:nvSpPr>
         <p:spPr>
           <a:xfrm>
-            <a:off x="2754918" y="518398"/>
-            <a:ext cx="3280589" cy="2558653"/>
+            <a:off x="2908120" y="544227"/>
+            <a:ext cx="3463022" cy="2686135"/>
           </a:xfrm>
         </p:spPr>
         <p:txBody>
@@ -5590,39 +5776,39 @@
           <a:lstStyle>
             <a:lvl1pPr marL="0" indent="0">
               <a:buNone/>
-              <a:defRPr sz="1680"/>
+              <a:defRPr sz="1764"/>
             </a:lvl1pPr>
-            <a:lvl2pPr marL="240030" indent="0">
+            <a:lvl2pPr marL="252009" indent="0">
               <a:buNone/>
-              <a:defRPr sz="1470"/>
+              <a:defRPr sz="1543"/>
             </a:lvl2pPr>
-            <a:lvl3pPr marL="480060" indent="0">
+            <a:lvl3pPr marL="504017" indent="0">
               <a:buNone/>
-              <a:defRPr sz="1260"/>
+              <a:defRPr sz="1323"/>
             </a:lvl3pPr>
-            <a:lvl4pPr marL="720090" indent="0">
+            <a:lvl4pPr marL="756026" indent="0">
               <a:buNone/>
-              <a:defRPr sz="1050"/>
+              <a:defRPr sz="1102"/>
             </a:lvl4pPr>
-            <a:lvl5pPr marL="960120" indent="0">
+            <a:lvl5pPr marL="1008035" indent="0">
               <a:buNone/>
-              <a:defRPr sz="1050"/>
+              <a:defRPr sz="1102"/>
             </a:lvl5pPr>
-            <a:lvl6pPr marL="1200150" indent="0">
+            <a:lvl6pPr marL="1260043" indent="0">
               <a:buNone/>
-              <a:defRPr sz="1050"/>
+              <a:defRPr sz="1102"/>
             </a:lvl6pPr>
-            <a:lvl7pPr marL="1440180" indent="0">
+            <a:lvl7pPr marL="1512052" indent="0">
               <a:buNone/>
-              <a:defRPr sz="1050"/>
+              <a:defRPr sz="1102"/>
             </a:lvl7pPr>
-            <a:lvl8pPr marL="1680210" indent="0">
+            <a:lvl8pPr marL="1764060" indent="0">
               <a:buNone/>
-              <a:defRPr sz="1050"/>
+              <a:defRPr sz="1102"/>
             </a:lvl8pPr>
-            <a:lvl9pPr marL="1920240" indent="0">
+            <a:lvl9pPr marL="2016069" indent="0">
               <a:buNone/>
-              <a:defRPr sz="1050"/>
+              <a:defRPr sz="1102"/>
             </a:lvl9pPr>
           </a:lstStyle>
           <a:p>
@@ -5646,8 +5832,8 @@
         </p:nvSpPr>
         <p:spPr>
           <a:xfrm>
-            <a:off x="446356" y="1080135"/>
-            <a:ext cx="2090025" cy="2001084"/>
+            <a:off x="471178" y="1133952"/>
+            <a:ext cx="2206251" cy="2100785"/>
           </a:xfrm>
         </p:spPr>
         <p:txBody>
@@ -5655,39 +5841,39 @@
           <a:lstStyle>
             <a:lvl1pPr marL="0" indent="0">
               <a:buNone/>
-              <a:defRPr sz="840"/>
+              <a:defRPr sz="882"/>
             </a:lvl1pPr>
-            <a:lvl2pPr marL="240030" indent="0">
+            <a:lvl2pPr marL="252009" indent="0">
               <a:buNone/>
-              <a:defRPr sz="735"/>
+              <a:defRPr sz="772"/>
             </a:lvl2pPr>
-            <a:lvl3pPr marL="480060" indent="0">
+            <a:lvl3pPr marL="504017" indent="0">
               <a:buNone/>
-              <a:defRPr sz="630"/>
+              <a:defRPr sz="661"/>
             </a:lvl3pPr>
-            <a:lvl4pPr marL="720090" indent="0">
+            <a:lvl4pPr marL="756026" indent="0">
               <a:buNone/>
-              <a:defRPr sz="525"/>
+              <a:defRPr sz="551"/>
             </a:lvl4pPr>
-            <a:lvl5pPr marL="960120" indent="0">
+            <a:lvl5pPr marL="1008035" indent="0">
               <a:buNone/>
-              <a:defRPr sz="525"/>
+              <a:defRPr sz="551"/>
             </a:lvl5pPr>
-            <a:lvl6pPr marL="1200150" indent="0">
+            <a:lvl6pPr marL="1260043" indent="0">
               <a:buNone/>
-              <a:defRPr sz="525"/>
+              <a:defRPr sz="551"/>
             </a:lvl6pPr>
-            <a:lvl7pPr marL="1440180" indent="0">
+            <a:lvl7pPr marL="1512052" indent="0">
               <a:buNone/>
-              <a:defRPr sz="525"/>
+              <a:defRPr sz="551"/>
             </a:lvl7pPr>
-            <a:lvl8pPr marL="1680210" indent="0">
+            <a:lvl8pPr marL="1764060" indent="0">
               <a:buNone/>
-              <a:defRPr sz="525"/>
+              <a:defRPr sz="551"/>
             </a:lvl8pPr>
-            <a:lvl9pPr marL="1920240" indent="0">
+            <a:lvl9pPr marL="2016069" indent="0">
               <a:buNone/>
-              <a:defRPr sz="525"/>
+              <a:defRPr sz="551"/>
             </a:lvl9pPr>
           </a:lstStyle>
           <a:p>
@@ -5717,7 +5903,7 @@
             <a:fld id="{F8BDB6AA-63F8-4F31-8EA3-CB6FE8D9515C}" type="datetimeFigureOut">
               <a:rPr lang="pt-BR" smtClean="0"/>
               <a:pPr/>
-              <a:t>12/11/2019</a:t>
+              <a:t>14/11/2019</a:t>
             </a:fld>
             <a:endParaRPr lang="pt-BR"/>
           </a:p>
@@ -5769,7 +5955,7 @@
     </p:spTree>
     <p:extLst>
       <p:ext uri="{BB962C8B-B14F-4D97-AF65-F5344CB8AC3E}">
-        <p14:creationId xmlns:p14="http://schemas.microsoft.com/office/powerpoint/2010/main" val="1507036350"/>
+        <p14:creationId xmlns:p14="http://schemas.microsoft.com/office/powerpoint/2010/main" val="1126305513"/>
       </p:ext>
     </p:extLst>
   </p:cSld>
@@ -5820,8 +6006,8 @@
         </p:nvSpPr>
         <p:spPr>
           <a:xfrm>
-            <a:off x="445512" y="191691"/>
-            <a:ext cx="5589151" cy="695921"/>
+            <a:off x="470287" y="201242"/>
+            <a:ext cx="5899964" cy="730594"/>
           </a:xfrm>
           <a:prstGeom prst="rect">
             <a:avLst/>
@@ -5853,8 +6039,8 @@
         </p:nvSpPr>
         <p:spPr>
           <a:xfrm>
-            <a:off x="445512" y="958453"/>
-            <a:ext cx="5589151" cy="2284452"/>
+            <a:off x="470287" y="1006207"/>
+            <a:ext cx="5899964" cy="2398272"/>
           </a:xfrm>
           <a:prstGeom prst="rect">
             <a:avLst/>
@@ -5915,8 +6101,8 @@
         </p:nvSpPr>
         <p:spPr>
           <a:xfrm>
-            <a:off x="445512" y="3337084"/>
-            <a:ext cx="1458039" cy="191691"/>
+            <a:off x="470287" y="3503350"/>
+            <a:ext cx="1539121" cy="201241"/>
           </a:xfrm>
           <a:prstGeom prst="rect">
             <a:avLst/>
@@ -5926,7 +6112,7 @@
           <a:bodyPr vert="horz" lIns="91440" tIns="45720" rIns="91440" bIns="45720" rtlCol="0" anchor="ctr"/>
           <a:lstStyle>
             <a:lvl1pPr algn="l">
-              <a:defRPr sz="630">
+              <a:defRPr sz="661">
                 <a:solidFill>
                   <a:schemeClr val="tx1">
                     <a:tint val="75000"/>
@@ -5939,7 +6125,7 @@
             <a:fld id="{F8BDB6AA-63F8-4F31-8EA3-CB6FE8D9515C}" type="datetimeFigureOut">
               <a:rPr lang="pt-BR" smtClean="0"/>
               <a:pPr/>
-              <a:t>12/11/2019</a:t>
+              <a:t>14/11/2019</a:t>
             </a:fld>
             <a:endParaRPr lang="pt-BR"/>
           </a:p>
@@ -5957,8 +6143,8 @@
         </p:nvSpPr>
         <p:spPr>
           <a:xfrm>
-            <a:off x="2146558" y="3337084"/>
-            <a:ext cx="2187059" cy="191691"/>
+            <a:off x="2265928" y="3503350"/>
+            <a:ext cx="2308682" cy="201241"/>
           </a:xfrm>
           <a:prstGeom prst="rect">
             <a:avLst/>
@@ -5968,7 +6154,7 @@
           <a:bodyPr vert="horz" lIns="91440" tIns="45720" rIns="91440" bIns="45720" rtlCol="0" anchor="ctr"/>
           <a:lstStyle>
             <a:lvl1pPr algn="ctr">
-              <a:defRPr sz="630">
+              <a:defRPr sz="661">
                 <a:solidFill>
                   <a:schemeClr val="tx1">
                     <a:tint val="75000"/>
@@ -5994,8 +6180,8 @@
         </p:nvSpPr>
         <p:spPr>
           <a:xfrm>
-            <a:off x="4576624" y="3337084"/>
-            <a:ext cx="1458039" cy="191691"/>
+            <a:off x="4831130" y="3503350"/>
+            <a:ext cx="1539121" cy="201241"/>
           </a:xfrm>
           <a:prstGeom prst="rect">
             <a:avLst/>
@@ -6005,7 +6191,7 @@
           <a:bodyPr vert="horz" lIns="91440" tIns="45720" rIns="91440" bIns="45720" rtlCol="0" anchor="ctr"/>
           <a:lstStyle>
             <a:lvl1pPr algn="r">
-              <a:defRPr sz="630">
+              <a:defRPr sz="661">
                 <a:solidFill>
                   <a:schemeClr val="tx1">
                     <a:tint val="75000"/>
@@ -6027,23 +6213,23 @@
     </p:spTree>
     <p:extLst>
       <p:ext uri="{BB962C8B-B14F-4D97-AF65-F5344CB8AC3E}">
-        <p14:creationId xmlns:p14="http://schemas.microsoft.com/office/powerpoint/2010/main" val="604293387"/>
+        <p14:creationId xmlns:p14="http://schemas.microsoft.com/office/powerpoint/2010/main" val="1663531107"/>
       </p:ext>
     </p:extLst>
   </p:cSld>
   <p:clrMap bg1="lt1" tx1="dk1" bg2="lt2" tx2="dk2" accent1="accent1" accent2="accent2" accent3="accent3" accent4="accent4" accent5="accent5" accent6="accent6" hlink="hlink" folHlink="folHlink"/>
   <p:sldLayoutIdLst>
-    <p:sldLayoutId id="2147483925" r:id="rId1"/>
-    <p:sldLayoutId id="2147483926" r:id="rId2"/>
-    <p:sldLayoutId id="2147483927" r:id="rId3"/>
-    <p:sldLayoutId id="2147483928" r:id="rId4"/>
-    <p:sldLayoutId id="2147483929" r:id="rId5"/>
-    <p:sldLayoutId id="2147483930" r:id="rId6"/>
-    <p:sldLayoutId id="2147483931" r:id="rId7"/>
-    <p:sldLayoutId id="2147483932" r:id="rId8"/>
-    <p:sldLayoutId id="2147483933" r:id="rId9"/>
-    <p:sldLayoutId id="2147483934" r:id="rId10"/>
-    <p:sldLayoutId id="2147483935" r:id="rId11"/>
+    <p:sldLayoutId id="2147483949" r:id="rId1"/>
+    <p:sldLayoutId id="2147483950" r:id="rId2"/>
+    <p:sldLayoutId id="2147483951" r:id="rId3"/>
+    <p:sldLayoutId id="2147483952" r:id="rId4"/>
+    <p:sldLayoutId id="2147483953" r:id="rId5"/>
+    <p:sldLayoutId id="2147483954" r:id="rId6"/>
+    <p:sldLayoutId id="2147483955" r:id="rId7"/>
+    <p:sldLayoutId id="2147483956" r:id="rId8"/>
+    <p:sldLayoutId id="2147483957" r:id="rId9"/>
+    <p:sldLayoutId id="2147483958" r:id="rId10"/>
+    <p:sldLayoutId id="2147483959" r:id="rId11"/>
   </p:sldLayoutIdLst>
   <p:transition spd="slow">
     <p:wipe/>
@@ -6057,7 +6243,7 @@
   </p:timing>
   <p:txStyles>
     <p:titleStyle>
-      <a:lvl1pPr algn="l" defTabSz="480060" rtl="0" eaLnBrk="1" latinLnBrk="0" hangingPunct="1">
+      <a:lvl1pPr algn="l" defTabSz="504017" rtl="0" eaLnBrk="1" latinLnBrk="0" hangingPunct="1">
         <a:lnSpc>
           <a:spcPct val="90000"/>
         </a:lnSpc>
@@ -6065,7 +6251,7 @@
           <a:spcPct val="0"/>
         </a:spcBef>
         <a:buNone/>
-        <a:defRPr sz="2310" kern="1200">
+        <a:defRPr sz="2425" kern="1200">
           <a:solidFill>
             <a:schemeClr val="tx1"/>
           </a:solidFill>
@@ -6076,16 +6262,16 @@
       </a:lvl1pPr>
     </p:titleStyle>
     <p:bodyStyle>
-      <a:lvl1pPr marL="120015" indent="-120015" algn="l" defTabSz="480060" rtl="0" eaLnBrk="1" latinLnBrk="0" hangingPunct="1">
+      <a:lvl1pPr marL="126004" indent="-126004" algn="l" defTabSz="504017" rtl="0" eaLnBrk="1" latinLnBrk="0" hangingPunct="1">
         <a:lnSpc>
           <a:spcPct val="90000"/>
         </a:lnSpc>
         <a:spcBef>
-          <a:spcPts val="525"/>
+          <a:spcPts val="551"/>
         </a:spcBef>
         <a:buFont typeface="Arial" panose="020B0604020202020204" pitchFamily="34" charset="0"/>
         <a:buChar char="•"/>
-        <a:defRPr sz="1470" kern="1200">
+        <a:defRPr sz="1543" kern="1200">
           <a:solidFill>
             <a:schemeClr val="tx1"/>
           </a:solidFill>
@@ -6094,16 +6280,16 @@
           <a:cs typeface="+mn-cs"/>
         </a:defRPr>
       </a:lvl1pPr>
-      <a:lvl2pPr marL="360045" indent="-120015" algn="l" defTabSz="480060" rtl="0" eaLnBrk="1" latinLnBrk="0" hangingPunct="1">
+      <a:lvl2pPr marL="378013" indent="-126004" algn="l" defTabSz="504017" rtl="0" eaLnBrk="1" latinLnBrk="0" hangingPunct="1">
         <a:lnSpc>
           <a:spcPct val="90000"/>
         </a:lnSpc>
         <a:spcBef>
-          <a:spcPts val="263"/>
+          <a:spcPts val="276"/>
         </a:spcBef>
         <a:buFont typeface="Arial" panose="020B0604020202020204" pitchFamily="34" charset="0"/>
         <a:buChar char="•"/>
-        <a:defRPr sz="1260" kern="1200">
+        <a:defRPr sz="1323" kern="1200">
           <a:solidFill>
             <a:schemeClr val="tx1"/>
           </a:solidFill>
@@ -6112,16 +6298,16 @@
           <a:cs typeface="+mn-cs"/>
         </a:defRPr>
       </a:lvl2pPr>
-      <a:lvl3pPr marL="600075" indent="-120015" algn="l" defTabSz="480060" rtl="0" eaLnBrk="1" latinLnBrk="0" hangingPunct="1">
+      <a:lvl3pPr marL="630022" indent="-126004" algn="l" defTabSz="504017" rtl="0" eaLnBrk="1" latinLnBrk="0" hangingPunct="1">
         <a:lnSpc>
           <a:spcPct val="90000"/>
         </a:lnSpc>
         <a:spcBef>
-          <a:spcPts val="263"/>
+          <a:spcPts val="276"/>
         </a:spcBef>
         <a:buFont typeface="Arial" panose="020B0604020202020204" pitchFamily="34" charset="0"/>
         <a:buChar char="•"/>
-        <a:defRPr sz="1050" kern="1200">
+        <a:defRPr sz="1102" kern="1200">
           <a:solidFill>
             <a:schemeClr val="tx1"/>
           </a:solidFill>
@@ -6130,16 +6316,16 @@
           <a:cs typeface="+mn-cs"/>
         </a:defRPr>
       </a:lvl3pPr>
-      <a:lvl4pPr marL="840105" indent="-120015" algn="l" defTabSz="480060" rtl="0" eaLnBrk="1" latinLnBrk="0" hangingPunct="1">
+      <a:lvl4pPr marL="882030" indent="-126004" algn="l" defTabSz="504017" rtl="0" eaLnBrk="1" latinLnBrk="0" hangingPunct="1">
         <a:lnSpc>
           <a:spcPct val="90000"/>
         </a:lnSpc>
         <a:spcBef>
-          <a:spcPts val="263"/>
+          <a:spcPts val="276"/>
         </a:spcBef>
         <a:buFont typeface="Arial" panose="020B0604020202020204" pitchFamily="34" charset="0"/>
         <a:buChar char="•"/>
-        <a:defRPr sz="945" kern="1200">
+        <a:defRPr sz="992" kern="1200">
           <a:solidFill>
             <a:schemeClr val="tx1"/>
           </a:solidFill>
@@ -6148,16 +6334,16 @@
           <a:cs typeface="+mn-cs"/>
         </a:defRPr>
       </a:lvl4pPr>
-      <a:lvl5pPr marL="1080135" indent="-120015" algn="l" defTabSz="480060" rtl="0" eaLnBrk="1" latinLnBrk="0" hangingPunct="1">
+      <a:lvl5pPr marL="1134039" indent="-126004" algn="l" defTabSz="504017" rtl="0" eaLnBrk="1" latinLnBrk="0" hangingPunct="1">
         <a:lnSpc>
           <a:spcPct val="90000"/>
         </a:lnSpc>
         <a:spcBef>
-          <a:spcPts val="263"/>
+          <a:spcPts val="276"/>
         </a:spcBef>
         <a:buFont typeface="Arial" panose="020B0604020202020204" pitchFamily="34" charset="0"/>
         <a:buChar char="•"/>
-        <a:defRPr sz="945" kern="1200">
+        <a:defRPr sz="992" kern="1200">
           <a:solidFill>
             <a:schemeClr val="tx1"/>
           </a:solidFill>
@@ -6166,16 +6352,16 @@
           <a:cs typeface="+mn-cs"/>
         </a:defRPr>
       </a:lvl5pPr>
-      <a:lvl6pPr marL="1320165" indent="-120015" algn="l" defTabSz="480060" rtl="0" eaLnBrk="1" latinLnBrk="0" hangingPunct="1">
+      <a:lvl6pPr marL="1386048" indent="-126004" algn="l" defTabSz="504017" rtl="0" eaLnBrk="1" latinLnBrk="0" hangingPunct="1">
         <a:lnSpc>
           <a:spcPct val="90000"/>
         </a:lnSpc>
         <a:spcBef>
-          <a:spcPts val="263"/>
+          <a:spcPts val="276"/>
         </a:spcBef>
         <a:buFont typeface="Arial" panose="020B0604020202020204" pitchFamily="34" charset="0"/>
         <a:buChar char="•"/>
-        <a:defRPr sz="945" kern="1200">
+        <a:defRPr sz="992" kern="1200">
           <a:solidFill>
             <a:schemeClr val="tx1"/>
           </a:solidFill>
@@ -6184,16 +6370,16 @@
           <a:cs typeface="+mn-cs"/>
         </a:defRPr>
       </a:lvl6pPr>
-      <a:lvl7pPr marL="1560195" indent="-120015" algn="l" defTabSz="480060" rtl="0" eaLnBrk="1" latinLnBrk="0" hangingPunct="1">
+      <a:lvl7pPr marL="1638056" indent="-126004" algn="l" defTabSz="504017" rtl="0" eaLnBrk="1" latinLnBrk="0" hangingPunct="1">
         <a:lnSpc>
           <a:spcPct val="90000"/>
         </a:lnSpc>
         <a:spcBef>
-          <a:spcPts val="263"/>
+          <a:spcPts val="276"/>
         </a:spcBef>
         <a:buFont typeface="Arial" panose="020B0604020202020204" pitchFamily="34" charset="0"/>
         <a:buChar char="•"/>
-        <a:defRPr sz="945" kern="1200">
+        <a:defRPr sz="992" kern="1200">
           <a:solidFill>
             <a:schemeClr val="tx1"/>
           </a:solidFill>
@@ -6202,16 +6388,16 @@
           <a:cs typeface="+mn-cs"/>
         </a:defRPr>
       </a:lvl7pPr>
-      <a:lvl8pPr marL="1800225" indent="-120015" algn="l" defTabSz="480060" rtl="0" eaLnBrk="1" latinLnBrk="0" hangingPunct="1">
+      <a:lvl8pPr marL="1890065" indent="-126004" algn="l" defTabSz="504017" rtl="0" eaLnBrk="1" latinLnBrk="0" hangingPunct="1">
         <a:lnSpc>
           <a:spcPct val="90000"/>
         </a:lnSpc>
         <a:spcBef>
-          <a:spcPts val="263"/>
+          <a:spcPts val="276"/>
         </a:spcBef>
         <a:buFont typeface="Arial" panose="020B0604020202020204" pitchFamily="34" charset="0"/>
         <a:buChar char="•"/>
-        <a:defRPr sz="945" kern="1200">
+        <a:defRPr sz="992" kern="1200">
           <a:solidFill>
             <a:schemeClr val="tx1"/>
           </a:solidFill>
@@ -6220,16 +6406,16 @@
           <a:cs typeface="+mn-cs"/>
         </a:defRPr>
       </a:lvl8pPr>
-      <a:lvl9pPr marL="2040255" indent="-120015" algn="l" defTabSz="480060" rtl="0" eaLnBrk="1" latinLnBrk="0" hangingPunct="1">
+      <a:lvl9pPr marL="2142073" indent="-126004" algn="l" defTabSz="504017" rtl="0" eaLnBrk="1" latinLnBrk="0" hangingPunct="1">
         <a:lnSpc>
           <a:spcPct val="90000"/>
         </a:lnSpc>
         <a:spcBef>
-          <a:spcPts val="263"/>
+          <a:spcPts val="276"/>
         </a:spcBef>
         <a:buFont typeface="Arial" panose="020B0604020202020204" pitchFamily="34" charset="0"/>
         <a:buChar char="•"/>
-        <a:defRPr sz="945" kern="1200">
+        <a:defRPr sz="992" kern="1200">
           <a:solidFill>
             <a:schemeClr val="tx1"/>
           </a:solidFill>
@@ -6243,8 +6429,8 @@
       <a:defPPr>
         <a:defRPr lang="en-US"/>
       </a:defPPr>
-      <a:lvl1pPr marL="0" algn="l" defTabSz="480060" rtl="0" eaLnBrk="1" latinLnBrk="0" hangingPunct="1">
-        <a:defRPr sz="945" kern="1200">
+      <a:lvl1pPr marL="0" algn="l" defTabSz="504017" rtl="0" eaLnBrk="1" latinLnBrk="0" hangingPunct="1">
+        <a:defRPr sz="992" kern="1200">
           <a:solidFill>
             <a:schemeClr val="tx1"/>
           </a:solidFill>
@@ -6253,8 +6439,8 @@
           <a:cs typeface="+mn-cs"/>
         </a:defRPr>
       </a:lvl1pPr>
-      <a:lvl2pPr marL="240030" algn="l" defTabSz="480060" rtl="0" eaLnBrk="1" latinLnBrk="0" hangingPunct="1">
-        <a:defRPr sz="945" kern="1200">
+      <a:lvl2pPr marL="252009" algn="l" defTabSz="504017" rtl="0" eaLnBrk="1" latinLnBrk="0" hangingPunct="1">
+        <a:defRPr sz="992" kern="1200">
           <a:solidFill>
             <a:schemeClr val="tx1"/>
           </a:solidFill>
@@ -6263,8 +6449,8 @@
           <a:cs typeface="+mn-cs"/>
         </a:defRPr>
       </a:lvl2pPr>
-      <a:lvl3pPr marL="480060" algn="l" defTabSz="480060" rtl="0" eaLnBrk="1" latinLnBrk="0" hangingPunct="1">
-        <a:defRPr sz="945" kern="1200">
+      <a:lvl3pPr marL="504017" algn="l" defTabSz="504017" rtl="0" eaLnBrk="1" latinLnBrk="0" hangingPunct="1">
+        <a:defRPr sz="992" kern="1200">
           <a:solidFill>
             <a:schemeClr val="tx1"/>
           </a:solidFill>
@@ -6273,8 +6459,8 @@
           <a:cs typeface="+mn-cs"/>
         </a:defRPr>
       </a:lvl3pPr>
-      <a:lvl4pPr marL="720090" algn="l" defTabSz="480060" rtl="0" eaLnBrk="1" latinLnBrk="0" hangingPunct="1">
-        <a:defRPr sz="945" kern="1200">
+      <a:lvl4pPr marL="756026" algn="l" defTabSz="504017" rtl="0" eaLnBrk="1" latinLnBrk="0" hangingPunct="1">
+        <a:defRPr sz="992" kern="1200">
           <a:solidFill>
             <a:schemeClr val="tx1"/>
           </a:solidFill>
@@ -6283,8 +6469,8 @@
           <a:cs typeface="+mn-cs"/>
         </a:defRPr>
       </a:lvl4pPr>
-      <a:lvl5pPr marL="960120" algn="l" defTabSz="480060" rtl="0" eaLnBrk="1" latinLnBrk="0" hangingPunct="1">
-        <a:defRPr sz="945" kern="1200">
+      <a:lvl5pPr marL="1008035" algn="l" defTabSz="504017" rtl="0" eaLnBrk="1" latinLnBrk="0" hangingPunct="1">
+        <a:defRPr sz="992" kern="1200">
           <a:solidFill>
             <a:schemeClr val="tx1"/>
           </a:solidFill>
@@ -6293,8 +6479,8 @@
           <a:cs typeface="+mn-cs"/>
         </a:defRPr>
       </a:lvl5pPr>
-      <a:lvl6pPr marL="1200150" algn="l" defTabSz="480060" rtl="0" eaLnBrk="1" latinLnBrk="0" hangingPunct="1">
-        <a:defRPr sz="945" kern="1200">
+      <a:lvl6pPr marL="1260043" algn="l" defTabSz="504017" rtl="0" eaLnBrk="1" latinLnBrk="0" hangingPunct="1">
+        <a:defRPr sz="992" kern="1200">
           <a:solidFill>
             <a:schemeClr val="tx1"/>
           </a:solidFill>
@@ -6303,8 +6489,8 @@
           <a:cs typeface="+mn-cs"/>
         </a:defRPr>
       </a:lvl6pPr>
-      <a:lvl7pPr marL="1440180" algn="l" defTabSz="480060" rtl="0" eaLnBrk="1" latinLnBrk="0" hangingPunct="1">
-        <a:defRPr sz="945" kern="1200">
+      <a:lvl7pPr marL="1512052" algn="l" defTabSz="504017" rtl="0" eaLnBrk="1" latinLnBrk="0" hangingPunct="1">
+        <a:defRPr sz="992" kern="1200">
           <a:solidFill>
             <a:schemeClr val="tx1"/>
           </a:solidFill>
@@ -6313,8 +6499,8 @@
           <a:cs typeface="+mn-cs"/>
         </a:defRPr>
       </a:lvl7pPr>
-      <a:lvl8pPr marL="1680210" algn="l" defTabSz="480060" rtl="0" eaLnBrk="1" latinLnBrk="0" hangingPunct="1">
-        <a:defRPr sz="945" kern="1200">
+      <a:lvl8pPr marL="1764060" algn="l" defTabSz="504017" rtl="0" eaLnBrk="1" latinLnBrk="0" hangingPunct="1">
+        <a:defRPr sz="992" kern="1200">
           <a:solidFill>
             <a:schemeClr val="tx1"/>
           </a:solidFill>
@@ -6323,8 +6509,8 @@
           <a:cs typeface="+mn-cs"/>
         </a:defRPr>
       </a:lvl8pPr>
-      <a:lvl9pPr marL="1920240" algn="l" defTabSz="480060" rtl="0" eaLnBrk="1" latinLnBrk="0" hangingPunct="1">
-        <a:defRPr sz="945" kern="1200">
+      <a:lvl9pPr marL="2016069" algn="l" defTabSz="504017" rtl="0" eaLnBrk="1" latinLnBrk="0" hangingPunct="1">
+        <a:defRPr sz="992" kern="1200">
           <a:solidFill>
             <a:schemeClr val="tx1"/>
           </a:solidFill>
@@ -6371,7 +6557,7 @@
           <p:cNvPr id="2" name="Rectangle 1">
             <a:extLst>
               <a:ext uri="{FF2B5EF4-FFF2-40B4-BE49-F238E27FC236}">
-                <a16:creationId xmlns="" xmlns:a16="http://schemas.microsoft.com/office/drawing/2014/main" id="{4F38584F-66B2-464F-9BA7-6F9A856D602F}"/>
+                <a16:creationId xmlns:a16="http://schemas.microsoft.com/office/drawing/2014/main" xmlns="" id="{4F38584F-66B2-464F-9BA7-6F9A856D602F}"/>
               </a:ext>
             </a:extLst>
           </p:cNvPr>
@@ -6380,7 +6566,7 @@
         </p:nvSpPr>
         <p:spPr>
           <a:xfrm>
-            <a:off x="405686" y="502895"/>
+            <a:off x="596341" y="267469"/>
             <a:ext cx="5705958" cy="693582"/>
           </a:xfrm>
           <a:prstGeom prst="rect">
@@ -6450,8 +6636,8 @@
         </p:blipFill>
         <p:spPr bwMode="auto">
           <a:xfrm>
-            <a:off x="1703266" y="1277397"/>
-            <a:ext cx="2981325" cy="1533526"/>
+            <a:off x="1148080" y="1107440"/>
+            <a:ext cx="4683760" cy="2229972"/>
           </a:xfrm>
           <a:prstGeom prst="rect">
             <a:avLst/>
@@ -6517,7 +6703,7 @@
           <p:cNvPr id="2" name="Rectangle 1">
             <a:extLst>
               <a:ext uri="{FF2B5EF4-FFF2-40B4-BE49-F238E27FC236}">
-                <a16:creationId xmlns="" xmlns:a16="http://schemas.microsoft.com/office/drawing/2014/main" id="{4F38584F-66B2-464F-9BA7-6F9A856D602F}"/>
+                <a16:creationId xmlns:a16="http://schemas.microsoft.com/office/drawing/2014/main" xmlns="" id="{4F38584F-66B2-464F-9BA7-6F9A856D602F}"/>
               </a:ext>
             </a:extLst>
           </p:cNvPr>
@@ -6526,7 +6712,7 @@
         </p:nvSpPr>
         <p:spPr>
           <a:xfrm>
-            <a:off x="405685" y="219674"/>
+            <a:off x="342027" y="268728"/>
             <a:ext cx="5705958" cy="478138"/>
           </a:xfrm>
           <a:prstGeom prst="rect">
@@ -6577,7 +6763,7 @@
           <p:cNvPr id="15" name="Rectangle 14">
             <a:extLst>
               <a:ext uri="{FF2B5EF4-FFF2-40B4-BE49-F238E27FC236}">
-                <a16:creationId xmlns="" xmlns:a16="http://schemas.microsoft.com/office/drawing/2014/main" id="{88C45C25-BF1B-4018-8A33-8F627F02D4A4}"/>
+                <a16:creationId xmlns:a16="http://schemas.microsoft.com/office/drawing/2014/main" xmlns="" id="{88C45C25-BF1B-4018-8A33-8F627F02D4A4}"/>
               </a:ext>
             </a:extLst>
           </p:cNvPr>
@@ -6586,7 +6772,7 @@
         </p:nvSpPr>
         <p:spPr>
           <a:xfrm>
-            <a:off x="478514" y="1478666"/>
+            <a:off x="414856" y="1527722"/>
             <a:ext cx="5705958" cy="416583"/>
           </a:xfrm>
           <a:prstGeom prst="rect">
@@ -6669,7 +6855,7 @@
           <p:cNvPr id="9" name="Rectangle 14">
             <a:extLst>
               <a:ext uri="{FF2B5EF4-FFF2-40B4-BE49-F238E27FC236}">
-                <a16:creationId xmlns="" xmlns:a16="http://schemas.microsoft.com/office/drawing/2014/main" id="{88C45C25-BF1B-4018-8A33-8F627F02D4A4}"/>
+                <a16:creationId xmlns:a16="http://schemas.microsoft.com/office/drawing/2014/main" xmlns="" id="{88C45C25-BF1B-4018-8A33-8F627F02D4A4}"/>
               </a:ext>
             </a:extLst>
           </p:cNvPr>
@@ -6678,7 +6864,7 @@
         </p:nvSpPr>
         <p:spPr>
           <a:xfrm>
-            <a:off x="478514" y="1895249"/>
+            <a:off x="414856" y="1944305"/>
             <a:ext cx="5705958" cy="416583"/>
           </a:xfrm>
           <a:prstGeom prst="rect">
@@ -6761,7 +6947,7 @@
           <p:cNvPr id="10" name="Rectangle 14">
             <a:extLst>
               <a:ext uri="{FF2B5EF4-FFF2-40B4-BE49-F238E27FC236}">
-                <a16:creationId xmlns="" xmlns:a16="http://schemas.microsoft.com/office/drawing/2014/main" id="{88C45C25-BF1B-4018-8A33-8F627F02D4A4}"/>
+                <a16:creationId xmlns:a16="http://schemas.microsoft.com/office/drawing/2014/main" xmlns="" id="{88C45C25-BF1B-4018-8A33-8F627F02D4A4}"/>
               </a:ext>
             </a:extLst>
           </p:cNvPr>
@@ -6770,7 +6956,7 @@
         </p:nvSpPr>
         <p:spPr>
           <a:xfrm>
-            <a:off x="478514" y="2311832"/>
+            <a:off x="414856" y="2360888"/>
             <a:ext cx="5705958" cy="416583"/>
           </a:xfrm>
           <a:prstGeom prst="rect">
@@ -6853,7 +7039,7 @@
           <p:cNvPr id="11" name="Rectangle 14">
             <a:extLst>
               <a:ext uri="{FF2B5EF4-FFF2-40B4-BE49-F238E27FC236}">
-                <a16:creationId xmlns="" xmlns:a16="http://schemas.microsoft.com/office/drawing/2014/main" id="{88C45C25-BF1B-4018-8A33-8F627F02D4A4}"/>
+                <a16:creationId xmlns:a16="http://schemas.microsoft.com/office/drawing/2014/main" xmlns="" id="{88C45C25-BF1B-4018-8A33-8F627F02D4A4}"/>
               </a:ext>
             </a:extLst>
           </p:cNvPr>
@@ -6862,7 +7048,7 @@
         </p:nvSpPr>
         <p:spPr>
           <a:xfrm>
-            <a:off x="478514" y="2728415"/>
+            <a:off x="414856" y="2777471"/>
             <a:ext cx="5705958" cy="416583"/>
           </a:xfrm>
           <a:prstGeom prst="rect">
@@ -6945,7 +7131,7 @@
           <p:cNvPr id="8" name="Table 12">
             <a:extLst>
               <a:ext uri="{FF2B5EF4-FFF2-40B4-BE49-F238E27FC236}">
-                <a16:creationId xmlns="" xmlns:a16="http://schemas.microsoft.com/office/drawing/2014/main" id="{9B0F7DF4-72A9-4AA6-A24C-EB98E6574144}"/>
+                <a16:creationId xmlns:a16="http://schemas.microsoft.com/office/drawing/2014/main" xmlns="" id="{9B0F7DF4-72A9-4AA6-A24C-EB98E6574144}"/>
               </a:ext>
             </a:extLst>
           </p:cNvPr>
@@ -6955,13 +7141,13 @@
           <p:nvPr>
             <p:extLst>
               <p:ext uri="{D42A27DB-BD31-4B8C-83A1-F6EECF244321}">
-                <p14:modId xmlns:p14="http://schemas.microsoft.com/office/powerpoint/2010/main" val="2440817179"/>
+                <p14:modId xmlns:p14="http://schemas.microsoft.com/office/powerpoint/2010/main" val="3204116377"/>
               </p:ext>
             </p:extLst>
           </p:nvPr>
         </p:nvGraphicFramePr>
         <p:xfrm>
-          <a:off x="2775323" y="697812"/>
+          <a:off x="2711665" y="746866"/>
           <a:ext cx="3336320" cy="2238280"/>
         </p:xfrm>
         <a:graphic>
@@ -6974,28 +7160,28 @@
                 <a:gridCol w="834080">
                   <a:extLst>
                     <a:ext uri="{9D8B030D-6E8A-4147-A177-3AD203B41FA5}">
-                      <a16:colId xmlns="" xmlns:a16="http://schemas.microsoft.com/office/drawing/2014/main" val="2514592082"/>
+                      <a16:colId xmlns:a16="http://schemas.microsoft.com/office/drawing/2014/main" xmlns="" val="2514592082"/>
                     </a:ext>
                   </a:extLst>
                 </a:gridCol>
                 <a:gridCol w="834080">
                   <a:extLst>
                     <a:ext uri="{9D8B030D-6E8A-4147-A177-3AD203B41FA5}">
-                      <a16:colId xmlns="" xmlns:a16="http://schemas.microsoft.com/office/drawing/2014/main" val="1972351707"/>
+                      <a16:colId xmlns:a16="http://schemas.microsoft.com/office/drawing/2014/main" xmlns="" val="1972351707"/>
                     </a:ext>
                   </a:extLst>
                 </a:gridCol>
                 <a:gridCol w="834080">
                   <a:extLst>
                     <a:ext uri="{9D8B030D-6E8A-4147-A177-3AD203B41FA5}">
-                      <a16:colId xmlns="" xmlns:a16="http://schemas.microsoft.com/office/drawing/2014/main" val="130078612"/>
+                      <a16:colId xmlns:a16="http://schemas.microsoft.com/office/drawing/2014/main" xmlns="" val="130078612"/>
                     </a:ext>
                   </a:extLst>
                 </a:gridCol>
                 <a:gridCol w="834080">
                   <a:extLst>
                     <a:ext uri="{9D8B030D-6E8A-4147-A177-3AD203B41FA5}">
-                      <a16:colId xmlns="" xmlns:a16="http://schemas.microsoft.com/office/drawing/2014/main" val="3594532491"/>
+                      <a16:colId xmlns:a16="http://schemas.microsoft.com/office/drawing/2014/main" xmlns="" val="3594532491"/>
                     </a:ext>
                   </a:extLst>
                 </a:gridCol>
@@ -7165,7 +7351,7 @@
                 </a:tc>
                 <a:extLst>
                   <a:ext uri="{0D108BD9-81ED-4DB2-BD59-A6C34878D82A}">
-                    <a16:rowId xmlns="" xmlns:a16="http://schemas.microsoft.com/office/drawing/2014/main" val="1648878484"/>
+                    <a16:rowId xmlns:a16="http://schemas.microsoft.com/office/drawing/2014/main" xmlns="" val="1648878484"/>
                   </a:ext>
                 </a:extLst>
               </a:tr>
@@ -7342,7 +7528,7 @@
                 </a:tc>
                 <a:extLst>
                   <a:ext uri="{0D108BD9-81ED-4DB2-BD59-A6C34878D82A}">
-                    <a16:rowId xmlns="" xmlns:a16="http://schemas.microsoft.com/office/drawing/2014/main" val="3110016024"/>
+                    <a16:rowId xmlns:a16="http://schemas.microsoft.com/office/drawing/2014/main" xmlns="" val="3110016024"/>
                   </a:ext>
                 </a:extLst>
               </a:tr>
@@ -7535,7 +7721,7 @@
                 </a:tc>
                 <a:extLst>
                   <a:ext uri="{0D108BD9-81ED-4DB2-BD59-A6C34878D82A}">
-                    <a16:rowId xmlns="" xmlns:a16="http://schemas.microsoft.com/office/drawing/2014/main" val="2530068117"/>
+                    <a16:rowId xmlns:a16="http://schemas.microsoft.com/office/drawing/2014/main" xmlns="" val="2530068117"/>
                   </a:ext>
                 </a:extLst>
               </a:tr>
@@ -7725,7 +7911,7 @@
                 </a:tc>
                 <a:extLst>
                   <a:ext uri="{0D108BD9-81ED-4DB2-BD59-A6C34878D82A}">
-                    <a16:rowId xmlns="" xmlns:a16="http://schemas.microsoft.com/office/drawing/2014/main" val="1712611614"/>
+                    <a16:rowId xmlns:a16="http://schemas.microsoft.com/office/drawing/2014/main" xmlns="" val="1712611614"/>
                   </a:ext>
                 </a:extLst>
               </a:tr>
@@ -7741,7 +7927,7 @@
         </p:nvSpPr>
         <p:spPr>
           <a:xfrm>
-            <a:off x="4249673" y="1895249"/>
+            <a:off x="4186015" y="1944305"/>
             <a:ext cx="230658" cy="254699"/>
           </a:xfrm>
           <a:prstGeom prst="mathPlus">
@@ -7825,7 +8011,7 @@
           <p:cNvPr id="2" name="Rectangle 1">
             <a:extLst>
               <a:ext uri="{FF2B5EF4-FFF2-40B4-BE49-F238E27FC236}">
-                <a16:creationId xmlns="" xmlns:a16="http://schemas.microsoft.com/office/drawing/2014/main" id="{4F38584F-66B2-464F-9BA7-6F9A856D602F}"/>
+                <a16:creationId xmlns:a16="http://schemas.microsoft.com/office/drawing/2014/main" xmlns="" id="{4F38584F-66B2-464F-9BA7-6F9A856D602F}"/>
               </a:ext>
             </a:extLst>
           </p:cNvPr>
@@ -7834,7 +8020,7 @@
         </p:nvSpPr>
         <p:spPr>
           <a:xfrm>
-            <a:off x="405685" y="219674"/>
+            <a:off x="372507" y="268728"/>
             <a:ext cx="5705958" cy="478138"/>
           </a:xfrm>
           <a:prstGeom prst="rect">
@@ -7885,7 +8071,7 @@
           <p:cNvPr id="15" name="Rectangle 14">
             <a:extLst>
               <a:ext uri="{FF2B5EF4-FFF2-40B4-BE49-F238E27FC236}">
-                <a16:creationId xmlns="" xmlns:a16="http://schemas.microsoft.com/office/drawing/2014/main" id="{88C45C25-BF1B-4018-8A33-8F627F02D4A4}"/>
+                <a16:creationId xmlns:a16="http://schemas.microsoft.com/office/drawing/2014/main" xmlns="" id="{88C45C25-BF1B-4018-8A33-8F627F02D4A4}"/>
               </a:ext>
             </a:extLst>
           </p:cNvPr>
@@ -7894,7 +8080,7 @@
         </p:nvSpPr>
         <p:spPr>
           <a:xfrm>
-            <a:off x="478514" y="1478666"/>
+            <a:off x="445336" y="1527722"/>
             <a:ext cx="5705958" cy="416583"/>
           </a:xfrm>
           <a:prstGeom prst="rect">
@@ -7945,7 +8131,7 @@
           <p:cNvPr id="9" name="Rectangle 14">
             <a:extLst>
               <a:ext uri="{FF2B5EF4-FFF2-40B4-BE49-F238E27FC236}">
-                <a16:creationId xmlns="" xmlns:a16="http://schemas.microsoft.com/office/drawing/2014/main" id="{88C45C25-BF1B-4018-8A33-8F627F02D4A4}"/>
+                <a16:creationId xmlns:a16="http://schemas.microsoft.com/office/drawing/2014/main" xmlns="" id="{88C45C25-BF1B-4018-8A33-8F627F02D4A4}"/>
               </a:ext>
             </a:extLst>
           </p:cNvPr>
@@ -7954,7 +8140,7 @@
         </p:nvSpPr>
         <p:spPr>
           <a:xfrm>
-            <a:off x="478514" y="1895249"/>
+            <a:off x="445336" y="1944305"/>
             <a:ext cx="5705958" cy="416583"/>
           </a:xfrm>
           <a:prstGeom prst="rect">
@@ -8037,7 +8223,7 @@
           <p:cNvPr id="10" name="Rectangle 14">
             <a:extLst>
               <a:ext uri="{FF2B5EF4-FFF2-40B4-BE49-F238E27FC236}">
-                <a16:creationId xmlns="" xmlns:a16="http://schemas.microsoft.com/office/drawing/2014/main" id="{88C45C25-BF1B-4018-8A33-8F627F02D4A4}"/>
+                <a16:creationId xmlns:a16="http://schemas.microsoft.com/office/drawing/2014/main" xmlns="" id="{88C45C25-BF1B-4018-8A33-8F627F02D4A4}"/>
               </a:ext>
             </a:extLst>
           </p:cNvPr>
@@ -8046,7 +8232,7 @@
         </p:nvSpPr>
         <p:spPr>
           <a:xfrm>
-            <a:off x="478514" y="2311832"/>
+            <a:off x="445336" y="2360888"/>
             <a:ext cx="5705958" cy="416583"/>
           </a:xfrm>
           <a:prstGeom prst="rect">
@@ -8097,7 +8283,7 @@
           <p:cNvPr id="11" name="Rectangle 14">
             <a:extLst>
               <a:ext uri="{FF2B5EF4-FFF2-40B4-BE49-F238E27FC236}">
-                <a16:creationId xmlns="" xmlns:a16="http://schemas.microsoft.com/office/drawing/2014/main" id="{88C45C25-BF1B-4018-8A33-8F627F02D4A4}"/>
+                <a16:creationId xmlns:a16="http://schemas.microsoft.com/office/drawing/2014/main" xmlns="" id="{88C45C25-BF1B-4018-8A33-8F627F02D4A4}"/>
               </a:ext>
             </a:extLst>
           </p:cNvPr>
@@ -8106,7 +8292,7 @@
         </p:nvSpPr>
         <p:spPr>
           <a:xfrm>
-            <a:off x="478514" y="2728415"/>
+            <a:off x="445336" y="2777471"/>
             <a:ext cx="5705958" cy="416583"/>
           </a:xfrm>
           <a:prstGeom prst="rect">
@@ -8157,7 +8343,7 @@
           <p:cNvPr id="8" name="Table 12">
             <a:extLst>
               <a:ext uri="{FF2B5EF4-FFF2-40B4-BE49-F238E27FC236}">
-                <a16:creationId xmlns="" xmlns:a16="http://schemas.microsoft.com/office/drawing/2014/main" id="{9B0F7DF4-72A9-4AA6-A24C-EB98E6574144}"/>
+                <a16:creationId xmlns:a16="http://schemas.microsoft.com/office/drawing/2014/main" xmlns="" id="{9B0F7DF4-72A9-4AA6-A24C-EB98E6574144}"/>
               </a:ext>
             </a:extLst>
           </p:cNvPr>
@@ -8167,13 +8353,13 @@
           <p:nvPr>
             <p:extLst>
               <p:ext uri="{D42A27DB-BD31-4B8C-83A1-F6EECF244321}">
-                <p14:modId xmlns:p14="http://schemas.microsoft.com/office/powerpoint/2010/main" val="3108483132"/>
+                <p14:modId xmlns:p14="http://schemas.microsoft.com/office/powerpoint/2010/main" val="354429549"/>
               </p:ext>
             </p:extLst>
           </p:nvPr>
         </p:nvGraphicFramePr>
         <p:xfrm>
-          <a:off x="2775323" y="697812"/>
+          <a:off x="2742145" y="746866"/>
           <a:ext cx="3336320" cy="2238280"/>
         </p:xfrm>
         <a:graphic>
@@ -8186,28 +8372,28 @@
                 <a:gridCol w="834080">
                   <a:extLst>
                     <a:ext uri="{9D8B030D-6E8A-4147-A177-3AD203B41FA5}">
-                      <a16:colId xmlns="" xmlns:a16="http://schemas.microsoft.com/office/drawing/2014/main" val="2514592082"/>
+                      <a16:colId xmlns:a16="http://schemas.microsoft.com/office/drawing/2014/main" xmlns="" val="2514592082"/>
                     </a:ext>
                   </a:extLst>
                 </a:gridCol>
                 <a:gridCol w="834080">
                   <a:extLst>
                     <a:ext uri="{9D8B030D-6E8A-4147-A177-3AD203B41FA5}">
-                      <a16:colId xmlns="" xmlns:a16="http://schemas.microsoft.com/office/drawing/2014/main" val="1972351707"/>
+                      <a16:colId xmlns:a16="http://schemas.microsoft.com/office/drawing/2014/main" xmlns="" val="1972351707"/>
                     </a:ext>
                   </a:extLst>
                 </a:gridCol>
                 <a:gridCol w="834080">
                   <a:extLst>
                     <a:ext uri="{9D8B030D-6E8A-4147-A177-3AD203B41FA5}">
-                      <a16:colId xmlns="" xmlns:a16="http://schemas.microsoft.com/office/drawing/2014/main" val="130078612"/>
+                      <a16:colId xmlns:a16="http://schemas.microsoft.com/office/drawing/2014/main" xmlns="" val="130078612"/>
                     </a:ext>
                   </a:extLst>
                 </a:gridCol>
                 <a:gridCol w="834080">
                   <a:extLst>
                     <a:ext uri="{9D8B030D-6E8A-4147-A177-3AD203B41FA5}">
-                      <a16:colId xmlns="" xmlns:a16="http://schemas.microsoft.com/office/drawing/2014/main" val="3594532491"/>
+                      <a16:colId xmlns:a16="http://schemas.microsoft.com/office/drawing/2014/main" xmlns="" val="3594532491"/>
                     </a:ext>
                   </a:extLst>
                 </a:gridCol>
@@ -8377,7 +8563,7 @@
                 </a:tc>
                 <a:extLst>
                   <a:ext uri="{0D108BD9-81ED-4DB2-BD59-A6C34878D82A}">
-                    <a16:rowId xmlns="" xmlns:a16="http://schemas.microsoft.com/office/drawing/2014/main" val="1648878484"/>
+                    <a16:rowId xmlns:a16="http://schemas.microsoft.com/office/drawing/2014/main" xmlns="" val="1648878484"/>
                   </a:ext>
                 </a:extLst>
               </a:tr>
@@ -8554,7 +8740,7 @@
                 </a:tc>
                 <a:extLst>
                   <a:ext uri="{0D108BD9-81ED-4DB2-BD59-A6C34878D82A}">
-                    <a16:rowId xmlns="" xmlns:a16="http://schemas.microsoft.com/office/drawing/2014/main" val="3110016024"/>
+                    <a16:rowId xmlns:a16="http://schemas.microsoft.com/office/drawing/2014/main" xmlns="" val="3110016024"/>
                   </a:ext>
                 </a:extLst>
               </a:tr>
@@ -8747,7 +8933,7 @@
                 </a:tc>
                 <a:extLst>
                   <a:ext uri="{0D108BD9-81ED-4DB2-BD59-A6C34878D82A}">
-                    <a16:rowId xmlns="" xmlns:a16="http://schemas.microsoft.com/office/drawing/2014/main" val="2530068117"/>
+                    <a16:rowId xmlns:a16="http://schemas.microsoft.com/office/drawing/2014/main" xmlns="" val="2530068117"/>
                   </a:ext>
                 </a:extLst>
               </a:tr>
@@ -8966,7 +9152,7 @@
                 </a:tc>
                 <a:extLst>
                   <a:ext uri="{0D108BD9-81ED-4DB2-BD59-A6C34878D82A}">
-                    <a16:rowId xmlns="" xmlns:a16="http://schemas.microsoft.com/office/drawing/2014/main" val="1712611614"/>
+                    <a16:rowId xmlns:a16="http://schemas.microsoft.com/office/drawing/2014/main" xmlns="" val="1712611614"/>
                   </a:ext>
                 </a:extLst>
               </a:tr>
@@ -8982,7 +9168,7 @@
         </p:nvSpPr>
         <p:spPr>
           <a:xfrm>
-            <a:off x="4249673" y="1895249"/>
+            <a:off x="4216495" y="1944305"/>
             <a:ext cx="230658" cy="254699"/>
           </a:xfrm>
           <a:prstGeom prst="mathPlus">
@@ -9066,7 +9252,7 @@
           <p:cNvPr id="2" name="Rectangle 1">
             <a:extLst>
               <a:ext uri="{FF2B5EF4-FFF2-40B4-BE49-F238E27FC236}">
-                <a16:creationId xmlns="" xmlns:a16="http://schemas.microsoft.com/office/drawing/2014/main" id="{4F38584F-66B2-464F-9BA7-6F9A856D602F}"/>
+                <a16:creationId xmlns:a16="http://schemas.microsoft.com/office/drawing/2014/main" xmlns="" id="{4F38584F-66B2-464F-9BA7-6F9A856D602F}"/>
               </a:ext>
             </a:extLst>
           </p:cNvPr>
@@ -9075,7 +9261,7 @@
         </p:nvSpPr>
         <p:spPr>
           <a:xfrm>
-            <a:off x="405685" y="219674"/>
+            <a:off x="585867" y="309368"/>
             <a:ext cx="5705958" cy="478138"/>
           </a:xfrm>
           <a:prstGeom prst="rect">
@@ -9126,7 +9312,7 @@
           <p:cNvPr id="15" name="Rectangle 14">
             <a:extLst>
               <a:ext uri="{FF2B5EF4-FFF2-40B4-BE49-F238E27FC236}">
-                <a16:creationId xmlns="" xmlns:a16="http://schemas.microsoft.com/office/drawing/2014/main" id="{88C45C25-BF1B-4018-8A33-8F627F02D4A4}"/>
+                <a16:creationId xmlns:a16="http://schemas.microsoft.com/office/drawing/2014/main" xmlns="" id="{88C45C25-BF1B-4018-8A33-8F627F02D4A4}"/>
               </a:ext>
             </a:extLst>
           </p:cNvPr>
@@ -9135,7 +9321,7 @@
         </p:nvSpPr>
         <p:spPr>
           <a:xfrm>
-            <a:off x="478514" y="1478666"/>
+            <a:off x="658696" y="1568362"/>
             <a:ext cx="5705958" cy="416583"/>
           </a:xfrm>
           <a:prstGeom prst="rect">
@@ -9218,7 +9404,7 @@
           <p:cNvPr id="9" name="Rectangle 14">
             <a:extLst>
               <a:ext uri="{FF2B5EF4-FFF2-40B4-BE49-F238E27FC236}">
-                <a16:creationId xmlns="" xmlns:a16="http://schemas.microsoft.com/office/drawing/2014/main" id="{88C45C25-BF1B-4018-8A33-8F627F02D4A4}"/>
+                <a16:creationId xmlns:a16="http://schemas.microsoft.com/office/drawing/2014/main" xmlns="" id="{88C45C25-BF1B-4018-8A33-8F627F02D4A4}"/>
               </a:ext>
             </a:extLst>
           </p:cNvPr>
@@ -9227,7 +9413,7 @@
         </p:nvSpPr>
         <p:spPr>
           <a:xfrm>
-            <a:off x="478514" y="1895249"/>
+            <a:off x="658696" y="1984945"/>
             <a:ext cx="5705958" cy="416583"/>
           </a:xfrm>
           <a:prstGeom prst="rect">
@@ -9310,7 +9496,7 @@
           <p:cNvPr id="10" name="Rectangle 14">
             <a:extLst>
               <a:ext uri="{FF2B5EF4-FFF2-40B4-BE49-F238E27FC236}">
-                <a16:creationId xmlns="" xmlns:a16="http://schemas.microsoft.com/office/drawing/2014/main" id="{88C45C25-BF1B-4018-8A33-8F627F02D4A4}"/>
+                <a16:creationId xmlns:a16="http://schemas.microsoft.com/office/drawing/2014/main" xmlns="" id="{88C45C25-BF1B-4018-8A33-8F627F02D4A4}"/>
               </a:ext>
             </a:extLst>
           </p:cNvPr>
@@ -9319,7 +9505,7 @@
         </p:nvSpPr>
         <p:spPr>
           <a:xfrm>
-            <a:off x="478514" y="2311832"/>
+            <a:off x="658696" y="2401528"/>
             <a:ext cx="5705958" cy="416583"/>
           </a:xfrm>
           <a:prstGeom prst="rect">
@@ -9402,7 +9588,7 @@
           <p:cNvPr id="11" name="Rectangle 14">
             <a:extLst>
               <a:ext uri="{FF2B5EF4-FFF2-40B4-BE49-F238E27FC236}">
-                <a16:creationId xmlns="" xmlns:a16="http://schemas.microsoft.com/office/drawing/2014/main" id="{88C45C25-BF1B-4018-8A33-8F627F02D4A4}"/>
+                <a16:creationId xmlns:a16="http://schemas.microsoft.com/office/drawing/2014/main" xmlns="" id="{88C45C25-BF1B-4018-8A33-8F627F02D4A4}"/>
               </a:ext>
             </a:extLst>
           </p:cNvPr>
@@ -9411,7 +9597,7 @@
         </p:nvSpPr>
         <p:spPr>
           <a:xfrm>
-            <a:off x="478514" y="2728415"/>
+            <a:off x="658696" y="2818111"/>
             <a:ext cx="5705958" cy="416583"/>
           </a:xfrm>
           <a:prstGeom prst="rect">
@@ -9494,7 +9680,7 @@
           <p:cNvPr id="8" name="Table 12">
             <a:extLst>
               <a:ext uri="{FF2B5EF4-FFF2-40B4-BE49-F238E27FC236}">
-                <a16:creationId xmlns="" xmlns:a16="http://schemas.microsoft.com/office/drawing/2014/main" id="{9B0F7DF4-72A9-4AA6-A24C-EB98E6574144}"/>
+                <a16:creationId xmlns:a16="http://schemas.microsoft.com/office/drawing/2014/main" xmlns="" id="{9B0F7DF4-72A9-4AA6-A24C-EB98E6574144}"/>
               </a:ext>
             </a:extLst>
           </p:cNvPr>
@@ -9510,7 +9696,7 @@
           </p:nvPr>
         </p:nvGraphicFramePr>
         <p:xfrm>
-          <a:off x="2775323" y="697812"/>
+          <a:off x="2955505" y="787506"/>
           <a:ext cx="3336320" cy="2238280"/>
         </p:xfrm>
         <a:graphic>
@@ -9523,28 +9709,28 @@
                 <a:gridCol w="834080">
                   <a:extLst>
                     <a:ext uri="{9D8B030D-6E8A-4147-A177-3AD203B41FA5}">
-                      <a16:colId xmlns="" xmlns:a16="http://schemas.microsoft.com/office/drawing/2014/main" val="2514592082"/>
+                      <a16:colId xmlns:a16="http://schemas.microsoft.com/office/drawing/2014/main" xmlns="" val="2514592082"/>
                     </a:ext>
                   </a:extLst>
                 </a:gridCol>
                 <a:gridCol w="834080">
                   <a:extLst>
                     <a:ext uri="{9D8B030D-6E8A-4147-A177-3AD203B41FA5}">
-                      <a16:colId xmlns="" xmlns:a16="http://schemas.microsoft.com/office/drawing/2014/main" val="1972351707"/>
+                      <a16:colId xmlns:a16="http://schemas.microsoft.com/office/drawing/2014/main" xmlns="" val="1972351707"/>
                     </a:ext>
                   </a:extLst>
                 </a:gridCol>
                 <a:gridCol w="834080">
                   <a:extLst>
                     <a:ext uri="{9D8B030D-6E8A-4147-A177-3AD203B41FA5}">
-                      <a16:colId xmlns="" xmlns:a16="http://schemas.microsoft.com/office/drawing/2014/main" val="130078612"/>
+                      <a16:colId xmlns:a16="http://schemas.microsoft.com/office/drawing/2014/main" xmlns="" val="130078612"/>
                     </a:ext>
                   </a:extLst>
                 </a:gridCol>
                 <a:gridCol w="834080">
                   <a:extLst>
                     <a:ext uri="{9D8B030D-6E8A-4147-A177-3AD203B41FA5}">
-                      <a16:colId xmlns="" xmlns:a16="http://schemas.microsoft.com/office/drawing/2014/main" val="3594532491"/>
+                      <a16:colId xmlns:a16="http://schemas.microsoft.com/office/drawing/2014/main" xmlns="" val="3594532491"/>
                     </a:ext>
                   </a:extLst>
                 </a:gridCol>
@@ -9714,7 +9900,7 @@
                 </a:tc>
                 <a:extLst>
                   <a:ext uri="{0D108BD9-81ED-4DB2-BD59-A6C34878D82A}">
-                    <a16:rowId xmlns="" xmlns:a16="http://schemas.microsoft.com/office/drawing/2014/main" val="1648878484"/>
+                    <a16:rowId xmlns:a16="http://schemas.microsoft.com/office/drawing/2014/main" xmlns="" val="1648878484"/>
                   </a:ext>
                 </a:extLst>
               </a:tr>
@@ -9901,7 +10087,7 @@
                 </a:tc>
                 <a:extLst>
                   <a:ext uri="{0D108BD9-81ED-4DB2-BD59-A6C34878D82A}">
-                    <a16:rowId xmlns="" xmlns:a16="http://schemas.microsoft.com/office/drawing/2014/main" val="3110016024"/>
+                    <a16:rowId xmlns:a16="http://schemas.microsoft.com/office/drawing/2014/main" xmlns="" val="3110016024"/>
                   </a:ext>
                 </a:extLst>
               </a:tr>
@@ -10104,7 +10290,7 @@
                 </a:tc>
                 <a:extLst>
                   <a:ext uri="{0D108BD9-81ED-4DB2-BD59-A6C34878D82A}">
-                    <a16:rowId xmlns="" xmlns:a16="http://schemas.microsoft.com/office/drawing/2014/main" val="2530068117"/>
+                    <a16:rowId xmlns:a16="http://schemas.microsoft.com/office/drawing/2014/main" xmlns="" val="2530068117"/>
                   </a:ext>
                 </a:extLst>
               </a:tr>
@@ -10294,7 +10480,7 @@
                 </a:tc>
                 <a:extLst>
                   <a:ext uri="{0D108BD9-81ED-4DB2-BD59-A6C34878D82A}">
-                    <a16:rowId xmlns="" xmlns:a16="http://schemas.microsoft.com/office/drawing/2014/main" val="1712611614"/>
+                    <a16:rowId xmlns:a16="http://schemas.microsoft.com/office/drawing/2014/main" xmlns="" val="1712611614"/>
                   </a:ext>
                 </a:extLst>
               </a:tr>
@@ -10310,7 +10496,7 @@
         </p:nvSpPr>
         <p:spPr>
           <a:xfrm>
-            <a:off x="4249673" y="1895249"/>
+            <a:off x="4429855" y="1984945"/>
             <a:ext cx="230658" cy="254699"/>
           </a:xfrm>
           <a:prstGeom prst="mathPlus">
@@ -10394,7 +10580,7 @@
           <p:cNvPr id="2" name="Rectangle 1">
             <a:extLst>
               <a:ext uri="{FF2B5EF4-FFF2-40B4-BE49-F238E27FC236}">
-                <a16:creationId xmlns="" xmlns:a16="http://schemas.microsoft.com/office/drawing/2014/main" id="{4F38584F-66B2-464F-9BA7-6F9A856D602F}"/>
+                <a16:creationId xmlns:a16="http://schemas.microsoft.com/office/drawing/2014/main" xmlns="" id="{4F38584F-66B2-464F-9BA7-6F9A856D602F}"/>
               </a:ext>
             </a:extLst>
           </p:cNvPr>
@@ -10403,7 +10589,7 @@
         </p:nvSpPr>
         <p:spPr>
           <a:xfrm>
-            <a:off x="405685" y="219674"/>
+            <a:off x="585867" y="309368"/>
             <a:ext cx="5705958" cy="478138"/>
           </a:xfrm>
           <a:prstGeom prst="rect">
@@ -10454,7 +10640,7 @@
           <p:cNvPr id="15" name="Rectangle 14">
             <a:extLst>
               <a:ext uri="{FF2B5EF4-FFF2-40B4-BE49-F238E27FC236}">
-                <a16:creationId xmlns="" xmlns:a16="http://schemas.microsoft.com/office/drawing/2014/main" id="{88C45C25-BF1B-4018-8A33-8F627F02D4A4}"/>
+                <a16:creationId xmlns:a16="http://schemas.microsoft.com/office/drawing/2014/main" xmlns="" id="{88C45C25-BF1B-4018-8A33-8F627F02D4A4}"/>
               </a:ext>
             </a:extLst>
           </p:cNvPr>
@@ -10463,7 +10649,7 @@
         </p:nvSpPr>
         <p:spPr>
           <a:xfrm>
-            <a:off x="478514" y="1478666"/>
+            <a:off x="658696" y="1568362"/>
             <a:ext cx="5705958" cy="416583"/>
           </a:xfrm>
           <a:prstGeom prst="rect">
@@ -10514,7 +10700,7 @@
           <p:cNvPr id="9" name="Rectangle 14">
             <a:extLst>
               <a:ext uri="{FF2B5EF4-FFF2-40B4-BE49-F238E27FC236}">
-                <a16:creationId xmlns="" xmlns:a16="http://schemas.microsoft.com/office/drawing/2014/main" id="{88C45C25-BF1B-4018-8A33-8F627F02D4A4}"/>
+                <a16:creationId xmlns:a16="http://schemas.microsoft.com/office/drawing/2014/main" xmlns="" id="{88C45C25-BF1B-4018-8A33-8F627F02D4A4}"/>
               </a:ext>
             </a:extLst>
           </p:cNvPr>
@@ -10523,7 +10709,7 @@
         </p:nvSpPr>
         <p:spPr>
           <a:xfrm>
-            <a:off x="478514" y="1895249"/>
+            <a:off x="658696" y="1984945"/>
             <a:ext cx="5705958" cy="416583"/>
           </a:xfrm>
           <a:prstGeom prst="rect">
@@ -10574,7 +10760,7 @@
           <p:cNvPr id="10" name="Rectangle 14">
             <a:extLst>
               <a:ext uri="{FF2B5EF4-FFF2-40B4-BE49-F238E27FC236}">
-                <a16:creationId xmlns="" xmlns:a16="http://schemas.microsoft.com/office/drawing/2014/main" id="{88C45C25-BF1B-4018-8A33-8F627F02D4A4}"/>
+                <a16:creationId xmlns:a16="http://schemas.microsoft.com/office/drawing/2014/main" xmlns="" id="{88C45C25-BF1B-4018-8A33-8F627F02D4A4}"/>
               </a:ext>
             </a:extLst>
           </p:cNvPr>
@@ -10583,7 +10769,7 @@
         </p:nvSpPr>
         <p:spPr>
           <a:xfrm>
-            <a:off x="478514" y="2311832"/>
+            <a:off x="658696" y="2401528"/>
             <a:ext cx="5705958" cy="416583"/>
           </a:xfrm>
           <a:prstGeom prst="rect">
@@ -10666,7 +10852,7 @@
           <p:cNvPr id="11" name="Rectangle 14">
             <a:extLst>
               <a:ext uri="{FF2B5EF4-FFF2-40B4-BE49-F238E27FC236}">
-                <a16:creationId xmlns="" xmlns:a16="http://schemas.microsoft.com/office/drawing/2014/main" id="{88C45C25-BF1B-4018-8A33-8F627F02D4A4}"/>
+                <a16:creationId xmlns:a16="http://schemas.microsoft.com/office/drawing/2014/main" xmlns="" id="{88C45C25-BF1B-4018-8A33-8F627F02D4A4}"/>
               </a:ext>
             </a:extLst>
           </p:cNvPr>
@@ -10675,7 +10861,7 @@
         </p:nvSpPr>
         <p:spPr>
           <a:xfrm>
-            <a:off x="478514" y="2728415"/>
+            <a:off x="658696" y="2818111"/>
             <a:ext cx="5705958" cy="416583"/>
           </a:xfrm>
           <a:prstGeom prst="rect">
@@ -10726,7 +10912,7 @@
           <p:cNvPr id="8" name="Table 12">
             <a:extLst>
               <a:ext uri="{FF2B5EF4-FFF2-40B4-BE49-F238E27FC236}">
-                <a16:creationId xmlns="" xmlns:a16="http://schemas.microsoft.com/office/drawing/2014/main" id="{9B0F7DF4-72A9-4AA6-A24C-EB98E6574144}"/>
+                <a16:creationId xmlns:a16="http://schemas.microsoft.com/office/drawing/2014/main" xmlns="" id="{9B0F7DF4-72A9-4AA6-A24C-EB98E6574144}"/>
               </a:ext>
             </a:extLst>
           </p:cNvPr>
@@ -10742,7 +10928,7 @@
           </p:nvPr>
         </p:nvGraphicFramePr>
         <p:xfrm>
-          <a:off x="2775323" y="697812"/>
+          <a:off x="2955505" y="787506"/>
           <a:ext cx="3336320" cy="2238280"/>
         </p:xfrm>
         <a:graphic>
@@ -10755,28 +10941,28 @@
                 <a:gridCol w="834080">
                   <a:extLst>
                     <a:ext uri="{9D8B030D-6E8A-4147-A177-3AD203B41FA5}">
-                      <a16:colId xmlns="" xmlns:a16="http://schemas.microsoft.com/office/drawing/2014/main" val="2514592082"/>
+                      <a16:colId xmlns:a16="http://schemas.microsoft.com/office/drawing/2014/main" xmlns="" val="2514592082"/>
                     </a:ext>
                   </a:extLst>
                 </a:gridCol>
                 <a:gridCol w="834080">
                   <a:extLst>
                     <a:ext uri="{9D8B030D-6E8A-4147-A177-3AD203B41FA5}">
-                      <a16:colId xmlns="" xmlns:a16="http://schemas.microsoft.com/office/drawing/2014/main" val="1972351707"/>
+                      <a16:colId xmlns:a16="http://schemas.microsoft.com/office/drawing/2014/main" xmlns="" val="1972351707"/>
                     </a:ext>
                   </a:extLst>
                 </a:gridCol>
                 <a:gridCol w="834080">
                   <a:extLst>
                     <a:ext uri="{9D8B030D-6E8A-4147-A177-3AD203B41FA5}">
-                      <a16:colId xmlns="" xmlns:a16="http://schemas.microsoft.com/office/drawing/2014/main" val="130078612"/>
+                      <a16:colId xmlns:a16="http://schemas.microsoft.com/office/drawing/2014/main" xmlns="" val="130078612"/>
                     </a:ext>
                   </a:extLst>
                 </a:gridCol>
                 <a:gridCol w="834080">
                   <a:extLst>
                     <a:ext uri="{9D8B030D-6E8A-4147-A177-3AD203B41FA5}">
-                      <a16:colId xmlns="" xmlns:a16="http://schemas.microsoft.com/office/drawing/2014/main" val="3594532491"/>
+                      <a16:colId xmlns:a16="http://schemas.microsoft.com/office/drawing/2014/main" xmlns="" val="3594532491"/>
                     </a:ext>
                   </a:extLst>
                 </a:gridCol>
@@ -10946,7 +11132,7 @@
                 </a:tc>
                 <a:extLst>
                   <a:ext uri="{0D108BD9-81ED-4DB2-BD59-A6C34878D82A}">
-                    <a16:rowId xmlns="" xmlns:a16="http://schemas.microsoft.com/office/drawing/2014/main" val="1648878484"/>
+                    <a16:rowId xmlns:a16="http://schemas.microsoft.com/office/drawing/2014/main" xmlns="" val="1648878484"/>
                   </a:ext>
                 </a:extLst>
               </a:tr>
@@ -11133,7 +11319,7 @@
                 </a:tc>
                 <a:extLst>
                   <a:ext uri="{0D108BD9-81ED-4DB2-BD59-A6C34878D82A}">
-                    <a16:rowId xmlns="" xmlns:a16="http://schemas.microsoft.com/office/drawing/2014/main" val="3110016024"/>
+                    <a16:rowId xmlns:a16="http://schemas.microsoft.com/office/drawing/2014/main" xmlns="" val="3110016024"/>
                   </a:ext>
                 </a:extLst>
               </a:tr>
@@ -11336,7 +11522,7 @@
                 </a:tc>
                 <a:extLst>
                   <a:ext uri="{0D108BD9-81ED-4DB2-BD59-A6C34878D82A}">
-                    <a16:rowId xmlns="" xmlns:a16="http://schemas.microsoft.com/office/drawing/2014/main" val="2530068117"/>
+                    <a16:rowId xmlns:a16="http://schemas.microsoft.com/office/drawing/2014/main" xmlns="" val="2530068117"/>
                   </a:ext>
                 </a:extLst>
               </a:tr>
@@ -11547,7 +11733,7 @@
                 </a:tc>
                 <a:extLst>
                   <a:ext uri="{0D108BD9-81ED-4DB2-BD59-A6C34878D82A}">
-                    <a16:rowId xmlns="" xmlns:a16="http://schemas.microsoft.com/office/drawing/2014/main" val="1712611614"/>
+                    <a16:rowId xmlns:a16="http://schemas.microsoft.com/office/drawing/2014/main" xmlns="" val="1712611614"/>
                   </a:ext>
                 </a:extLst>
               </a:tr>
@@ -11563,7 +11749,7 @@
         </p:nvSpPr>
         <p:spPr>
           <a:xfrm>
-            <a:off x="4249673" y="1895249"/>
+            <a:off x="4429855" y="1984945"/>
             <a:ext cx="230658" cy="254699"/>
           </a:xfrm>
           <a:prstGeom prst="mathPlus">
@@ -11647,7 +11833,7 @@
           <p:cNvPr id="2" name="Rectangle 1">
             <a:extLst>
               <a:ext uri="{FF2B5EF4-FFF2-40B4-BE49-F238E27FC236}">
-                <a16:creationId xmlns="" xmlns:a16="http://schemas.microsoft.com/office/drawing/2014/main" id="{4F38584F-66B2-464F-9BA7-6F9A856D602F}"/>
+                <a16:creationId xmlns:a16="http://schemas.microsoft.com/office/drawing/2014/main" xmlns="" id="{4F38584F-66B2-464F-9BA7-6F9A856D602F}"/>
               </a:ext>
             </a:extLst>
           </p:cNvPr>
@@ -11656,7 +11842,7 @@
         </p:nvSpPr>
         <p:spPr>
           <a:xfrm>
-            <a:off x="405685" y="219674"/>
+            <a:off x="585867" y="309368"/>
             <a:ext cx="5705958" cy="478138"/>
           </a:xfrm>
           <a:prstGeom prst="rect">
@@ -11707,7 +11893,7 @@
           <p:cNvPr id="15" name="Rectangle 14">
             <a:extLst>
               <a:ext uri="{FF2B5EF4-FFF2-40B4-BE49-F238E27FC236}">
-                <a16:creationId xmlns="" xmlns:a16="http://schemas.microsoft.com/office/drawing/2014/main" id="{88C45C25-BF1B-4018-8A33-8F627F02D4A4}"/>
+                <a16:creationId xmlns:a16="http://schemas.microsoft.com/office/drawing/2014/main" xmlns="" id="{88C45C25-BF1B-4018-8A33-8F627F02D4A4}"/>
               </a:ext>
             </a:extLst>
           </p:cNvPr>
@@ -11716,7 +11902,7 @@
         </p:nvSpPr>
         <p:spPr>
           <a:xfrm>
-            <a:off x="478514" y="1478666"/>
+            <a:off x="658696" y="1568362"/>
             <a:ext cx="5705958" cy="416583"/>
           </a:xfrm>
           <a:prstGeom prst="rect">
@@ -11799,7 +11985,7 @@
           <p:cNvPr id="9" name="Rectangle 14">
             <a:extLst>
               <a:ext uri="{FF2B5EF4-FFF2-40B4-BE49-F238E27FC236}">
-                <a16:creationId xmlns="" xmlns:a16="http://schemas.microsoft.com/office/drawing/2014/main" id="{88C45C25-BF1B-4018-8A33-8F627F02D4A4}"/>
+                <a16:creationId xmlns:a16="http://schemas.microsoft.com/office/drawing/2014/main" xmlns="" id="{88C45C25-BF1B-4018-8A33-8F627F02D4A4}"/>
               </a:ext>
             </a:extLst>
           </p:cNvPr>
@@ -11808,7 +11994,7 @@
         </p:nvSpPr>
         <p:spPr>
           <a:xfrm>
-            <a:off x="478514" y="1895249"/>
+            <a:off x="658696" y="1984945"/>
             <a:ext cx="5705958" cy="416583"/>
           </a:xfrm>
           <a:prstGeom prst="rect">
@@ -11891,7 +12077,7 @@
           <p:cNvPr id="10" name="Rectangle 14">
             <a:extLst>
               <a:ext uri="{FF2B5EF4-FFF2-40B4-BE49-F238E27FC236}">
-                <a16:creationId xmlns="" xmlns:a16="http://schemas.microsoft.com/office/drawing/2014/main" id="{88C45C25-BF1B-4018-8A33-8F627F02D4A4}"/>
+                <a16:creationId xmlns:a16="http://schemas.microsoft.com/office/drawing/2014/main" xmlns="" id="{88C45C25-BF1B-4018-8A33-8F627F02D4A4}"/>
               </a:ext>
             </a:extLst>
           </p:cNvPr>
@@ -11900,7 +12086,7 @@
         </p:nvSpPr>
         <p:spPr>
           <a:xfrm>
-            <a:off x="478514" y="2311832"/>
+            <a:off x="658696" y="2401528"/>
             <a:ext cx="5705958" cy="416583"/>
           </a:xfrm>
           <a:prstGeom prst="rect">
@@ -11983,7 +12169,7 @@
           <p:cNvPr id="11" name="Rectangle 14">
             <a:extLst>
               <a:ext uri="{FF2B5EF4-FFF2-40B4-BE49-F238E27FC236}">
-                <a16:creationId xmlns="" xmlns:a16="http://schemas.microsoft.com/office/drawing/2014/main" id="{88C45C25-BF1B-4018-8A33-8F627F02D4A4}"/>
+                <a16:creationId xmlns:a16="http://schemas.microsoft.com/office/drawing/2014/main" xmlns="" id="{88C45C25-BF1B-4018-8A33-8F627F02D4A4}"/>
               </a:ext>
             </a:extLst>
           </p:cNvPr>
@@ -11992,7 +12178,7 @@
         </p:nvSpPr>
         <p:spPr>
           <a:xfrm>
-            <a:off x="478514" y="2728415"/>
+            <a:off x="658696" y="2818111"/>
             <a:ext cx="5705958" cy="416583"/>
           </a:xfrm>
           <a:prstGeom prst="rect">
@@ -12075,7 +12261,7 @@
           <p:cNvPr id="8" name="Table 12">
             <a:extLst>
               <a:ext uri="{FF2B5EF4-FFF2-40B4-BE49-F238E27FC236}">
-                <a16:creationId xmlns="" xmlns:a16="http://schemas.microsoft.com/office/drawing/2014/main" id="{9B0F7DF4-72A9-4AA6-A24C-EB98E6574144}"/>
+                <a16:creationId xmlns:a16="http://schemas.microsoft.com/office/drawing/2014/main" xmlns="" id="{9B0F7DF4-72A9-4AA6-A24C-EB98E6574144}"/>
               </a:ext>
             </a:extLst>
           </p:cNvPr>
@@ -12091,7 +12277,7 @@
           </p:nvPr>
         </p:nvGraphicFramePr>
         <p:xfrm>
-          <a:off x="2775323" y="697812"/>
+          <a:off x="2955505" y="787506"/>
           <a:ext cx="3336320" cy="2238280"/>
         </p:xfrm>
         <a:graphic>
@@ -12104,28 +12290,28 @@
                 <a:gridCol w="834080">
                   <a:extLst>
                     <a:ext uri="{9D8B030D-6E8A-4147-A177-3AD203B41FA5}">
-                      <a16:colId xmlns="" xmlns:a16="http://schemas.microsoft.com/office/drawing/2014/main" val="2514592082"/>
+                      <a16:colId xmlns:a16="http://schemas.microsoft.com/office/drawing/2014/main" xmlns="" val="2514592082"/>
                     </a:ext>
                   </a:extLst>
                 </a:gridCol>
                 <a:gridCol w="834080">
                   <a:extLst>
                     <a:ext uri="{9D8B030D-6E8A-4147-A177-3AD203B41FA5}">
-                      <a16:colId xmlns="" xmlns:a16="http://schemas.microsoft.com/office/drawing/2014/main" val="1972351707"/>
+                      <a16:colId xmlns:a16="http://schemas.microsoft.com/office/drawing/2014/main" xmlns="" val="1972351707"/>
                     </a:ext>
                   </a:extLst>
                 </a:gridCol>
                 <a:gridCol w="834080">
                   <a:extLst>
                     <a:ext uri="{9D8B030D-6E8A-4147-A177-3AD203B41FA5}">
-                      <a16:colId xmlns="" xmlns:a16="http://schemas.microsoft.com/office/drawing/2014/main" val="130078612"/>
+                      <a16:colId xmlns:a16="http://schemas.microsoft.com/office/drawing/2014/main" xmlns="" val="130078612"/>
                     </a:ext>
                   </a:extLst>
                 </a:gridCol>
                 <a:gridCol w="834080">
                   <a:extLst>
                     <a:ext uri="{9D8B030D-6E8A-4147-A177-3AD203B41FA5}">
-                      <a16:colId xmlns="" xmlns:a16="http://schemas.microsoft.com/office/drawing/2014/main" val="3594532491"/>
+                      <a16:colId xmlns:a16="http://schemas.microsoft.com/office/drawing/2014/main" xmlns="" val="3594532491"/>
                     </a:ext>
                   </a:extLst>
                 </a:gridCol>
@@ -12295,7 +12481,7 @@
                 </a:tc>
                 <a:extLst>
                   <a:ext uri="{0D108BD9-81ED-4DB2-BD59-A6C34878D82A}">
-                    <a16:rowId xmlns="" xmlns:a16="http://schemas.microsoft.com/office/drawing/2014/main" val="1648878484"/>
+                    <a16:rowId xmlns:a16="http://schemas.microsoft.com/office/drawing/2014/main" xmlns="" val="1648878484"/>
                   </a:ext>
                 </a:extLst>
               </a:tr>
@@ -12482,7 +12668,7 @@
                 </a:tc>
                 <a:extLst>
                   <a:ext uri="{0D108BD9-81ED-4DB2-BD59-A6C34878D82A}">
-                    <a16:rowId xmlns="" xmlns:a16="http://schemas.microsoft.com/office/drawing/2014/main" val="3110016024"/>
+                    <a16:rowId xmlns:a16="http://schemas.microsoft.com/office/drawing/2014/main" xmlns="" val="3110016024"/>
                   </a:ext>
                 </a:extLst>
               </a:tr>
@@ -12685,7 +12871,7 @@
                 </a:tc>
                 <a:extLst>
                   <a:ext uri="{0D108BD9-81ED-4DB2-BD59-A6C34878D82A}">
-                    <a16:rowId xmlns="" xmlns:a16="http://schemas.microsoft.com/office/drawing/2014/main" val="2530068117"/>
+                    <a16:rowId xmlns:a16="http://schemas.microsoft.com/office/drawing/2014/main" xmlns="" val="2530068117"/>
                   </a:ext>
                 </a:extLst>
               </a:tr>
@@ -12875,7 +13061,7 @@
                 </a:tc>
                 <a:extLst>
                   <a:ext uri="{0D108BD9-81ED-4DB2-BD59-A6C34878D82A}">
-                    <a16:rowId xmlns="" xmlns:a16="http://schemas.microsoft.com/office/drawing/2014/main" val="1712611614"/>
+                    <a16:rowId xmlns:a16="http://schemas.microsoft.com/office/drawing/2014/main" xmlns="" val="1712611614"/>
                   </a:ext>
                 </a:extLst>
               </a:tr>
@@ -12891,7 +13077,7 @@
         </p:nvSpPr>
         <p:spPr>
           <a:xfrm>
-            <a:off x="4249673" y="1895249"/>
+            <a:off x="4429855" y="1984945"/>
             <a:ext cx="230658" cy="254699"/>
           </a:xfrm>
           <a:prstGeom prst="mathPlus">
@@ -12975,7 +13161,7 @@
           <p:cNvPr id="2" name="Rectangle 1">
             <a:extLst>
               <a:ext uri="{FF2B5EF4-FFF2-40B4-BE49-F238E27FC236}">
-                <a16:creationId xmlns="" xmlns:a16="http://schemas.microsoft.com/office/drawing/2014/main" id="{4F38584F-66B2-464F-9BA7-6F9A856D602F}"/>
+                <a16:creationId xmlns:a16="http://schemas.microsoft.com/office/drawing/2014/main" xmlns="" id="{4F38584F-66B2-464F-9BA7-6F9A856D602F}"/>
               </a:ext>
             </a:extLst>
           </p:cNvPr>
@@ -12984,7 +13170,7 @@
         </p:nvSpPr>
         <p:spPr>
           <a:xfrm>
-            <a:off x="405685" y="219674"/>
+            <a:off x="585867" y="309368"/>
             <a:ext cx="5705958" cy="478138"/>
           </a:xfrm>
           <a:prstGeom prst="rect">
@@ -13035,7 +13221,7 @@
           <p:cNvPr id="15" name="Rectangle 14">
             <a:extLst>
               <a:ext uri="{FF2B5EF4-FFF2-40B4-BE49-F238E27FC236}">
-                <a16:creationId xmlns="" xmlns:a16="http://schemas.microsoft.com/office/drawing/2014/main" id="{88C45C25-BF1B-4018-8A33-8F627F02D4A4}"/>
+                <a16:creationId xmlns:a16="http://schemas.microsoft.com/office/drawing/2014/main" xmlns="" id="{88C45C25-BF1B-4018-8A33-8F627F02D4A4}"/>
               </a:ext>
             </a:extLst>
           </p:cNvPr>
@@ -13044,7 +13230,7 @@
         </p:nvSpPr>
         <p:spPr>
           <a:xfrm>
-            <a:off x="478514" y="1478666"/>
+            <a:off x="658696" y="1568362"/>
             <a:ext cx="5705958" cy="416583"/>
           </a:xfrm>
           <a:prstGeom prst="rect">
@@ -13095,7 +13281,7 @@
           <p:cNvPr id="9" name="Rectangle 14">
             <a:extLst>
               <a:ext uri="{FF2B5EF4-FFF2-40B4-BE49-F238E27FC236}">
-                <a16:creationId xmlns="" xmlns:a16="http://schemas.microsoft.com/office/drawing/2014/main" id="{88C45C25-BF1B-4018-8A33-8F627F02D4A4}"/>
+                <a16:creationId xmlns:a16="http://schemas.microsoft.com/office/drawing/2014/main" xmlns="" id="{88C45C25-BF1B-4018-8A33-8F627F02D4A4}"/>
               </a:ext>
             </a:extLst>
           </p:cNvPr>
@@ -13104,7 +13290,7 @@
         </p:nvSpPr>
         <p:spPr>
           <a:xfrm>
-            <a:off x="478514" y="1895249"/>
+            <a:off x="658696" y="1984945"/>
             <a:ext cx="5705958" cy="416583"/>
           </a:xfrm>
           <a:prstGeom prst="rect">
@@ -13155,7 +13341,7 @@
           <p:cNvPr id="10" name="Rectangle 14">
             <a:extLst>
               <a:ext uri="{FF2B5EF4-FFF2-40B4-BE49-F238E27FC236}">
-                <a16:creationId xmlns="" xmlns:a16="http://schemas.microsoft.com/office/drawing/2014/main" id="{88C45C25-BF1B-4018-8A33-8F627F02D4A4}"/>
+                <a16:creationId xmlns:a16="http://schemas.microsoft.com/office/drawing/2014/main" xmlns="" id="{88C45C25-BF1B-4018-8A33-8F627F02D4A4}"/>
               </a:ext>
             </a:extLst>
           </p:cNvPr>
@@ -13164,7 +13350,7 @@
         </p:nvSpPr>
         <p:spPr>
           <a:xfrm>
-            <a:off x="478514" y="2311832"/>
+            <a:off x="658696" y="2401528"/>
             <a:ext cx="5705958" cy="416583"/>
           </a:xfrm>
           <a:prstGeom prst="rect">
@@ -13215,7 +13401,7 @@
           <p:cNvPr id="11" name="Rectangle 14">
             <a:extLst>
               <a:ext uri="{FF2B5EF4-FFF2-40B4-BE49-F238E27FC236}">
-                <a16:creationId xmlns="" xmlns:a16="http://schemas.microsoft.com/office/drawing/2014/main" id="{88C45C25-BF1B-4018-8A33-8F627F02D4A4}"/>
+                <a16:creationId xmlns:a16="http://schemas.microsoft.com/office/drawing/2014/main" xmlns="" id="{88C45C25-BF1B-4018-8A33-8F627F02D4A4}"/>
               </a:ext>
             </a:extLst>
           </p:cNvPr>
@@ -13224,7 +13410,7 @@
         </p:nvSpPr>
         <p:spPr>
           <a:xfrm>
-            <a:off x="478514" y="2728415"/>
+            <a:off x="658696" y="2818111"/>
             <a:ext cx="5705958" cy="416583"/>
           </a:xfrm>
           <a:prstGeom prst="rect">
@@ -13307,7 +13493,7 @@
           <p:cNvPr id="8" name="Table 12">
             <a:extLst>
               <a:ext uri="{FF2B5EF4-FFF2-40B4-BE49-F238E27FC236}">
-                <a16:creationId xmlns="" xmlns:a16="http://schemas.microsoft.com/office/drawing/2014/main" id="{9B0F7DF4-72A9-4AA6-A24C-EB98E6574144}"/>
+                <a16:creationId xmlns:a16="http://schemas.microsoft.com/office/drawing/2014/main" xmlns="" id="{9B0F7DF4-72A9-4AA6-A24C-EB98E6574144}"/>
               </a:ext>
             </a:extLst>
           </p:cNvPr>
@@ -13323,7 +13509,7 @@
           </p:nvPr>
         </p:nvGraphicFramePr>
         <p:xfrm>
-          <a:off x="2775323" y="697812"/>
+          <a:off x="2955505" y="787506"/>
           <a:ext cx="3336320" cy="2238280"/>
         </p:xfrm>
         <a:graphic>
@@ -13336,28 +13522,28 @@
                 <a:gridCol w="834080">
                   <a:extLst>
                     <a:ext uri="{9D8B030D-6E8A-4147-A177-3AD203B41FA5}">
-                      <a16:colId xmlns="" xmlns:a16="http://schemas.microsoft.com/office/drawing/2014/main" val="2514592082"/>
+                      <a16:colId xmlns:a16="http://schemas.microsoft.com/office/drawing/2014/main" xmlns="" val="2514592082"/>
                     </a:ext>
                   </a:extLst>
                 </a:gridCol>
                 <a:gridCol w="834080">
                   <a:extLst>
                     <a:ext uri="{9D8B030D-6E8A-4147-A177-3AD203B41FA5}">
-                      <a16:colId xmlns="" xmlns:a16="http://schemas.microsoft.com/office/drawing/2014/main" val="1972351707"/>
+                      <a16:colId xmlns:a16="http://schemas.microsoft.com/office/drawing/2014/main" xmlns="" val="1972351707"/>
                     </a:ext>
                   </a:extLst>
                 </a:gridCol>
                 <a:gridCol w="834080">
                   <a:extLst>
                     <a:ext uri="{9D8B030D-6E8A-4147-A177-3AD203B41FA5}">
-                      <a16:colId xmlns="" xmlns:a16="http://schemas.microsoft.com/office/drawing/2014/main" val="130078612"/>
+                      <a16:colId xmlns:a16="http://schemas.microsoft.com/office/drawing/2014/main" xmlns="" val="130078612"/>
                     </a:ext>
                   </a:extLst>
                 </a:gridCol>
                 <a:gridCol w="834080">
                   <a:extLst>
                     <a:ext uri="{9D8B030D-6E8A-4147-A177-3AD203B41FA5}">
-                      <a16:colId xmlns="" xmlns:a16="http://schemas.microsoft.com/office/drawing/2014/main" val="3594532491"/>
+                      <a16:colId xmlns:a16="http://schemas.microsoft.com/office/drawing/2014/main" xmlns="" val="3594532491"/>
                     </a:ext>
                   </a:extLst>
                 </a:gridCol>
@@ -13527,7 +13713,7 @@
                 </a:tc>
                 <a:extLst>
                   <a:ext uri="{0D108BD9-81ED-4DB2-BD59-A6C34878D82A}">
-                    <a16:rowId xmlns="" xmlns:a16="http://schemas.microsoft.com/office/drawing/2014/main" val="1648878484"/>
+                    <a16:rowId xmlns:a16="http://schemas.microsoft.com/office/drawing/2014/main" xmlns="" val="1648878484"/>
                   </a:ext>
                 </a:extLst>
               </a:tr>
@@ -13714,7 +13900,7 @@
                 </a:tc>
                 <a:extLst>
                   <a:ext uri="{0D108BD9-81ED-4DB2-BD59-A6C34878D82A}">
-                    <a16:rowId xmlns="" xmlns:a16="http://schemas.microsoft.com/office/drawing/2014/main" val="3110016024"/>
+                    <a16:rowId xmlns:a16="http://schemas.microsoft.com/office/drawing/2014/main" xmlns="" val="3110016024"/>
                   </a:ext>
                 </a:extLst>
               </a:tr>
@@ -13917,7 +14103,7 @@
                 </a:tc>
                 <a:extLst>
                   <a:ext uri="{0D108BD9-81ED-4DB2-BD59-A6C34878D82A}">
-                    <a16:rowId xmlns="" xmlns:a16="http://schemas.microsoft.com/office/drawing/2014/main" val="2530068117"/>
+                    <a16:rowId xmlns:a16="http://schemas.microsoft.com/office/drawing/2014/main" xmlns="" val="2530068117"/>
                   </a:ext>
                 </a:extLst>
               </a:tr>
@@ -14128,7 +14314,7 @@
                 </a:tc>
                 <a:extLst>
                   <a:ext uri="{0D108BD9-81ED-4DB2-BD59-A6C34878D82A}">
-                    <a16:rowId xmlns="" xmlns:a16="http://schemas.microsoft.com/office/drawing/2014/main" val="1712611614"/>
+                    <a16:rowId xmlns:a16="http://schemas.microsoft.com/office/drawing/2014/main" xmlns="" val="1712611614"/>
                   </a:ext>
                 </a:extLst>
               </a:tr>
@@ -14144,7 +14330,7 @@
         </p:nvSpPr>
         <p:spPr>
           <a:xfrm>
-            <a:off x="4249673" y="1895249"/>
+            <a:off x="4429855" y="1984945"/>
             <a:ext cx="230658" cy="254699"/>
           </a:xfrm>
           <a:prstGeom prst="mathPlus">
@@ -14228,7 +14414,7 @@
           <p:cNvPr id="2" name="Rectangle 1">
             <a:extLst>
               <a:ext uri="{FF2B5EF4-FFF2-40B4-BE49-F238E27FC236}">
-                <a16:creationId xmlns="" xmlns:a16="http://schemas.microsoft.com/office/drawing/2014/main" id="{4F38584F-66B2-464F-9BA7-6F9A856D602F}"/>
+                <a16:creationId xmlns:a16="http://schemas.microsoft.com/office/drawing/2014/main" xmlns="" id="{4F38584F-66B2-464F-9BA7-6F9A856D602F}"/>
               </a:ext>
             </a:extLst>
           </p:cNvPr>
@@ -14237,7 +14423,7 @@
         </p:nvSpPr>
         <p:spPr>
           <a:xfrm>
-            <a:off x="405685" y="219674"/>
+            <a:off x="585867" y="309368"/>
             <a:ext cx="5705958" cy="478138"/>
           </a:xfrm>
           <a:prstGeom prst="rect">
@@ -14288,7 +14474,7 @@
           <p:cNvPr id="15" name="Rectangle 14">
             <a:extLst>
               <a:ext uri="{FF2B5EF4-FFF2-40B4-BE49-F238E27FC236}">
-                <a16:creationId xmlns="" xmlns:a16="http://schemas.microsoft.com/office/drawing/2014/main" id="{88C45C25-BF1B-4018-8A33-8F627F02D4A4}"/>
+                <a16:creationId xmlns:a16="http://schemas.microsoft.com/office/drawing/2014/main" xmlns="" id="{88C45C25-BF1B-4018-8A33-8F627F02D4A4}"/>
               </a:ext>
             </a:extLst>
           </p:cNvPr>
@@ -14297,7 +14483,7 @@
         </p:nvSpPr>
         <p:spPr>
           <a:xfrm>
-            <a:off x="478514" y="1478666"/>
+            <a:off x="658696" y="1568362"/>
             <a:ext cx="5705958" cy="416583"/>
           </a:xfrm>
           <a:prstGeom prst="rect">
@@ -14380,7 +14566,7 @@
           <p:cNvPr id="9" name="Rectangle 14">
             <a:extLst>
               <a:ext uri="{FF2B5EF4-FFF2-40B4-BE49-F238E27FC236}">
-                <a16:creationId xmlns="" xmlns:a16="http://schemas.microsoft.com/office/drawing/2014/main" id="{88C45C25-BF1B-4018-8A33-8F627F02D4A4}"/>
+                <a16:creationId xmlns:a16="http://schemas.microsoft.com/office/drawing/2014/main" xmlns="" id="{88C45C25-BF1B-4018-8A33-8F627F02D4A4}"/>
               </a:ext>
             </a:extLst>
           </p:cNvPr>
@@ -14389,7 +14575,7 @@
         </p:nvSpPr>
         <p:spPr>
           <a:xfrm>
-            <a:off x="478514" y="1895249"/>
+            <a:off x="658696" y="1984945"/>
             <a:ext cx="5705958" cy="416583"/>
           </a:xfrm>
           <a:prstGeom prst="rect">
@@ -14472,7 +14658,7 @@
           <p:cNvPr id="10" name="Rectangle 14">
             <a:extLst>
               <a:ext uri="{FF2B5EF4-FFF2-40B4-BE49-F238E27FC236}">
-                <a16:creationId xmlns="" xmlns:a16="http://schemas.microsoft.com/office/drawing/2014/main" id="{88C45C25-BF1B-4018-8A33-8F627F02D4A4}"/>
+                <a16:creationId xmlns:a16="http://schemas.microsoft.com/office/drawing/2014/main" xmlns="" id="{88C45C25-BF1B-4018-8A33-8F627F02D4A4}"/>
               </a:ext>
             </a:extLst>
           </p:cNvPr>
@@ -14481,7 +14667,7 @@
         </p:nvSpPr>
         <p:spPr>
           <a:xfrm>
-            <a:off x="478514" y="2311832"/>
+            <a:off x="658696" y="2401528"/>
             <a:ext cx="5705958" cy="416583"/>
           </a:xfrm>
           <a:prstGeom prst="rect">
@@ -14564,7 +14750,7 @@
           <p:cNvPr id="11" name="Rectangle 14">
             <a:extLst>
               <a:ext uri="{FF2B5EF4-FFF2-40B4-BE49-F238E27FC236}">
-                <a16:creationId xmlns="" xmlns:a16="http://schemas.microsoft.com/office/drawing/2014/main" id="{88C45C25-BF1B-4018-8A33-8F627F02D4A4}"/>
+                <a16:creationId xmlns:a16="http://schemas.microsoft.com/office/drawing/2014/main" xmlns="" id="{88C45C25-BF1B-4018-8A33-8F627F02D4A4}"/>
               </a:ext>
             </a:extLst>
           </p:cNvPr>
@@ -14573,7 +14759,7 @@
         </p:nvSpPr>
         <p:spPr>
           <a:xfrm>
-            <a:off x="478514" y="2728415"/>
+            <a:off x="658696" y="2818111"/>
             <a:ext cx="5705958" cy="416583"/>
           </a:xfrm>
           <a:prstGeom prst="rect">
@@ -14656,7 +14842,7 @@
           <p:cNvPr id="8" name="Table 12">
             <a:extLst>
               <a:ext uri="{FF2B5EF4-FFF2-40B4-BE49-F238E27FC236}">
-                <a16:creationId xmlns="" xmlns:a16="http://schemas.microsoft.com/office/drawing/2014/main" id="{9B0F7DF4-72A9-4AA6-A24C-EB98E6574144}"/>
+                <a16:creationId xmlns:a16="http://schemas.microsoft.com/office/drawing/2014/main" xmlns="" id="{9B0F7DF4-72A9-4AA6-A24C-EB98E6574144}"/>
               </a:ext>
             </a:extLst>
           </p:cNvPr>
@@ -14672,7 +14858,7 @@
           </p:nvPr>
         </p:nvGraphicFramePr>
         <p:xfrm>
-          <a:off x="2775323" y="697812"/>
+          <a:off x="2955505" y="787506"/>
           <a:ext cx="3336320" cy="2238280"/>
         </p:xfrm>
         <a:graphic>
@@ -14685,28 +14871,28 @@
                 <a:gridCol w="834080">
                   <a:extLst>
                     <a:ext uri="{9D8B030D-6E8A-4147-A177-3AD203B41FA5}">
-                      <a16:colId xmlns="" xmlns:a16="http://schemas.microsoft.com/office/drawing/2014/main" val="2514592082"/>
+                      <a16:colId xmlns:a16="http://schemas.microsoft.com/office/drawing/2014/main" xmlns="" val="2514592082"/>
                     </a:ext>
                   </a:extLst>
                 </a:gridCol>
                 <a:gridCol w="834080">
                   <a:extLst>
                     <a:ext uri="{9D8B030D-6E8A-4147-A177-3AD203B41FA5}">
-                      <a16:colId xmlns="" xmlns:a16="http://schemas.microsoft.com/office/drawing/2014/main" val="1972351707"/>
+                      <a16:colId xmlns:a16="http://schemas.microsoft.com/office/drawing/2014/main" xmlns="" val="1972351707"/>
                     </a:ext>
                   </a:extLst>
                 </a:gridCol>
                 <a:gridCol w="834080">
                   <a:extLst>
                     <a:ext uri="{9D8B030D-6E8A-4147-A177-3AD203B41FA5}">
-                      <a16:colId xmlns="" xmlns:a16="http://schemas.microsoft.com/office/drawing/2014/main" val="130078612"/>
+                      <a16:colId xmlns:a16="http://schemas.microsoft.com/office/drawing/2014/main" xmlns="" val="130078612"/>
                     </a:ext>
                   </a:extLst>
                 </a:gridCol>
                 <a:gridCol w="834080">
                   <a:extLst>
                     <a:ext uri="{9D8B030D-6E8A-4147-A177-3AD203B41FA5}">
-                      <a16:colId xmlns="" xmlns:a16="http://schemas.microsoft.com/office/drawing/2014/main" val="3594532491"/>
+                      <a16:colId xmlns:a16="http://schemas.microsoft.com/office/drawing/2014/main" xmlns="" val="3594532491"/>
                     </a:ext>
                   </a:extLst>
                 </a:gridCol>
@@ -14876,7 +15062,7 @@
                 </a:tc>
                 <a:extLst>
                   <a:ext uri="{0D108BD9-81ED-4DB2-BD59-A6C34878D82A}">
-                    <a16:rowId xmlns="" xmlns:a16="http://schemas.microsoft.com/office/drawing/2014/main" val="1648878484"/>
+                    <a16:rowId xmlns:a16="http://schemas.microsoft.com/office/drawing/2014/main" xmlns="" val="1648878484"/>
                   </a:ext>
                 </a:extLst>
               </a:tr>
@@ -15063,7 +15249,7 @@
                 </a:tc>
                 <a:extLst>
                   <a:ext uri="{0D108BD9-81ED-4DB2-BD59-A6C34878D82A}">
-                    <a16:rowId xmlns="" xmlns:a16="http://schemas.microsoft.com/office/drawing/2014/main" val="3110016024"/>
+                    <a16:rowId xmlns:a16="http://schemas.microsoft.com/office/drawing/2014/main" xmlns="" val="3110016024"/>
                   </a:ext>
                 </a:extLst>
               </a:tr>
@@ -15266,7 +15452,7 @@
                 </a:tc>
                 <a:extLst>
                   <a:ext uri="{0D108BD9-81ED-4DB2-BD59-A6C34878D82A}">
-                    <a16:rowId xmlns="" xmlns:a16="http://schemas.microsoft.com/office/drawing/2014/main" val="2530068117"/>
+                    <a16:rowId xmlns:a16="http://schemas.microsoft.com/office/drawing/2014/main" xmlns="" val="2530068117"/>
                   </a:ext>
                 </a:extLst>
               </a:tr>
@@ -15456,7 +15642,7 @@
                 </a:tc>
                 <a:extLst>
                   <a:ext uri="{0D108BD9-81ED-4DB2-BD59-A6C34878D82A}">
-                    <a16:rowId xmlns="" xmlns:a16="http://schemas.microsoft.com/office/drawing/2014/main" val="1712611614"/>
+                    <a16:rowId xmlns:a16="http://schemas.microsoft.com/office/drawing/2014/main" xmlns="" val="1712611614"/>
                   </a:ext>
                 </a:extLst>
               </a:tr>
@@ -15472,7 +15658,7 @@
         </p:nvSpPr>
         <p:spPr>
           <a:xfrm>
-            <a:off x="4249673" y="1895249"/>
+            <a:off x="4429855" y="1984945"/>
             <a:ext cx="230658" cy="254699"/>
           </a:xfrm>
           <a:prstGeom prst="mathPlus">
@@ -15556,7 +15742,7 @@
           <p:cNvPr id="2" name="Rectangle 1">
             <a:extLst>
               <a:ext uri="{FF2B5EF4-FFF2-40B4-BE49-F238E27FC236}">
-                <a16:creationId xmlns="" xmlns:a16="http://schemas.microsoft.com/office/drawing/2014/main" id="{4F38584F-66B2-464F-9BA7-6F9A856D602F}"/>
+                <a16:creationId xmlns:a16="http://schemas.microsoft.com/office/drawing/2014/main" xmlns="" id="{4F38584F-66B2-464F-9BA7-6F9A856D602F}"/>
               </a:ext>
             </a:extLst>
           </p:cNvPr>
@@ -15565,7 +15751,7 @@
         </p:nvSpPr>
         <p:spPr>
           <a:xfrm>
-            <a:off x="405685" y="219674"/>
+            <a:off x="585867" y="309368"/>
             <a:ext cx="5705958" cy="478138"/>
           </a:xfrm>
           <a:prstGeom prst="rect">
@@ -15616,7 +15802,7 @@
           <p:cNvPr id="15" name="Rectangle 14">
             <a:extLst>
               <a:ext uri="{FF2B5EF4-FFF2-40B4-BE49-F238E27FC236}">
-                <a16:creationId xmlns="" xmlns:a16="http://schemas.microsoft.com/office/drawing/2014/main" id="{88C45C25-BF1B-4018-8A33-8F627F02D4A4}"/>
+                <a16:creationId xmlns:a16="http://schemas.microsoft.com/office/drawing/2014/main" xmlns="" id="{88C45C25-BF1B-4018-8A33-8F627F02D4A4}"/>
               </a:ext>
             </a:extLst>
           </p:cNvPr>
@@ -15625,7 +15811,7 @@
         </p:nvSpPr>
         <p:spPr>
           <a:xfrm>
-            <a:off x="478514" y="1478666"/>
+            <a:off x="658696" y="1568362"/>
             <a:ext cx="5705958" cy="416583"/>
           </a:xfrm>
           <a:prstGeom prst="rect">
@@ -15708,7 +15894,7 @@
           <p:cNvPr id="9" name="Rectangle 14">
             <a:extLst>
               <a:ext uri="{FF2B5EF4-FFF2-40B4-BE49-F238E27FC236}">
-                <a16:creationId xmlns="" xmlns:a16="http://schemas.microsoft.com/office/drawing/2014/main" id="{88C45C25-BF1B-4018-8A33-8F627F02D4A4}"/>
+                <a16:creationId xmlns:a16="http://schemas.microsoft.com/office/drawing/2014/main" xmlns="" id="{88C45C25-BF1B-4018-8A33-8F627F02D4A4}"/>
               </a:ext>
             </a:extLst>
           </p:cNvPr>
@@ -15717,7 +15903,7 @@
         </p:nvSpPr>
         <p:spPr>
           <a:xfrm>
-            <a:off x="478514" y="1895249"/>
+            <a:off x="658696" y="1984945"/>
             <a:ext cx="5705958" cy="416583"/>
           </a:xfrm>
           <a:prstGeom prst="rect">
@@ -15768,7 +15954,7 @@
           <p:cNvPr id="10" name="Rectangle 14">
             <a:extLst>
               <a:ext uri="{FF2B5EF4-FFF2-40B4-BE49-F238E27FC236}">
-                <a16:creationId xmlns="" xmlns:a16="http://schemas.microsoft.com/office/drawing/2014/main" id="{88C45C25-BF1B-4018-8A33-8F627F02D4A4}"/>
+                <a16:creationId xmlns:a16="http://schemas.microsoft.com/office/drawing/2014/main" xmlns="" id="{88C45C25-BF1B-4018-8A33-8F627F02D4A4}"/>
               </a:ext>
             </a:extLst>
           </p:cNvPr>
@@ -15777,7 +15963,7 @@
         </p:nvSpPr>
         <p:spPr>
           <a:xfrm>
-            <a:off x="478514" y="2311832"/>
+            <a:off x="658696" y="2401528"/>
             <a:ext cx="5705958" cy="416583"/>
           </a:xfrm>
           <a:prstGeom prst="rect">
@@ -15828,7 +16014,7 @@
           <p:cNvPr id="11" name="Rectangle 14">
             <a:extLst>
               <a:ext uri="{FF2B5EF4-FFF2-40B4-BE49-F238E27FC236}">
-                <a16:creationId xmlns="" xmlns:a16="http://schemas.microsoft.com/office/drawing/2014/main" id="{88C45C25-BF1B-4018-8A33-8F627F02D4A4}"/>
+                <a16:creationId xmlns:a16="http://schemas.microsoft.com/office/drawing/2014/main" xmlns="" id="{88C45C25-BF1B-4018-8A33-8F627F02D4A4}"/>
               </a:ext>
             </a:extLst>
           </p:cNvPr>
@@ -15837,7 +16023,7 @@
         </p:nvSpPr>
         <p:spPr>
           <a:xfrm>
-            <a:off x="478514" y="2728415"/>
+            <a:off x="658696" y="2818111"/>
             <a:ext cx="5705958" cy="416583"/>
           </a:xfrm>
           <a:prstGeom prst="rect">
@@ -15888,7 +16074,7 @@
           <p:cNvPr id="8" name="Table 12">
             <a:extLst>
               <a:ext uri="{FF2B5EF4-FFF2-40B4-BE49-F238E27FC236}">
-                <a16:creationId xmlns="" xmlns:a16="http://schemas.microsoft.com/office/drawing/2014/main" id="{9B0F7DF4-72A9-4AA6-A24C-EB98E6574144}"/>
+                <a16:creationId xmlns:a16="http://schemas.microsoft.com/office/drawing/2014/main" xmlns="" id="{9B0F7DF4-72A9-4AA6-A24C-EB98E6574144}"/>
               </a:ext>
             </a:extLst>
           </p:cNvPr>
@@ -15904,7 +16090,7 @@
           </p:nvPr>
         </p:nvGraphicFramePr>
         <p:xfrm>
-          <a:off x="2775323" y="697812"/>
+          <a:off x="2955505" y="787506"/>
           <a:ext cx="3336320" cy="2238280"/>
         </p:xfrm>
         <a:graphic>
@@ -15917,28 +16103,28 @@
                 <a:gridCol w="834080">
                   <a:extLst>
                     <a:ext uri="{9D8B030D-6E8A-4147-A177-3AD203B41FA5}">
-                      <a16:colId xmlns="" xmlns:a16="http://schemas.microsoft.com/office/drawing/2014/main" val="2514592082"/>
+                      <a16:colId xmlns:a16="http://schemas.microsoft.com/office/drawing/2014/main" xmlns="" val="2514592082"/>
                     </a:ext>
                   </a:extLst>
                 </a:gridCol>
                 <a:gridCol w="834080">
                   <a:extLst>
                     <a:ext uri="{9D8B030D-6E8A-4147-A177-3AD203B41FA5}">
-                      <a16:colId xmlns="" xmlns:a16="http://schemas.microsoft.com/office/drawing/2014/main" val="1972351707"/>
+                      <a16:colId xmlns:a16="http://schemas.microsoft.com/office/drawing/2014/main" xmlns="" val="1972351707"/>
                     </a:ext>
                   </a:extLst>
                 </a:gridCol>
                 <a:gridCol w="834080">
                   <a:extLst>
                     <a:ext uri="{9D8B030D-6E8A-4147-A177-3AD203B41FA5}">
-                      <a16:colId xmlns="" xmlns:a16="http://schemas.microsoft.com/office/drawing/2014/main" val="130078612"/>
+                      <a16:colId xmlns:a16="http://schemas.microsoft.com/office/drawing/2014/main" xmlns="" val="130078612"/>
                     </a:ext>
                   </a:extLst>
                 </a:gridCol>
                 <a:gridCol w="834080">
                   <a:extLst>
                     <a:ext uri="{9D8B030D-6E8A-4147-A177-3AD203B41FA5}">
-                      <a16:colId xmlns="" xmlns:a16="http://schemas.microsoft.com/office/drawing/2014/main" val="3594532491"/>
+                      <a16:colId xmlns:a16="http://schemas.microsoft.com/office/drawing/2014/main" xmlns="" val="3594532491"/>
                     </a:ext>
                   </a:extLst>
                 </a:gridCol>
@@ -16108,7 +16294,7 @@
                 </a:tc>
                 <a:extLst>
                   <a:ext uri="{0D108BD9-81ED-4DB2-BD59-A6C34878D82A}">
-                    <a16:rowId xmlns="" xmlns:a16="http://schemas.microsoft.com/office/drawing/2014/main" val="1648878484"/>
+                    <a16:rowId xmlns:a16="http://schemas.microsoft.com/office/drawing/2014/main" xmlns="" val="1648878484"/>
                   </a:ext>
                 </a:extLst>
               </a:tr>
@@ -16295,7 +16481,7 @@
                 </a:tc>
                 <a:extLst>
                   <a:ext uri="{0D108BD9-81ED-4DB2-BD59-A6C34878D82A}">
-                    <a16:rowId xmlns="" xmlns:a16="http://schemas.microsoft.com/office/drawing/2014/main" val="3110016024"/>
+                    <a16:rowId xmlns:a16="http://schemas.microsoft.com/office/drawing/2014/main" xmlns="" val="3110016024"/>
                   </a:ext>
                 </a:extLst>
               </a:tr>
@@ -16498,7 +16684,7 @@
                 </a:tc>
                 <a:extLst>
                   <a:ext uri="{0D108BD9-81ED-4DB2-BD59-A6C34878D82A}">
-                    <a16:rowId xmlns="" xmlns:a16="http://schemas.microsoft.com/office/drawing/2014/main" val="2530068117"/>
+                    <a16:rowId xmlns:a16="http://schemas.microsoft.com/office/drawing/2014/main" xmlns="" val="2530068117"/>
                   </a:ext>
                 </a:extLst>
               </a:tr>
@@ -16709,7 +16895,7 @@
                 </a:tc>
                 <a:extLst>
                   <a:ext uri="{0D108BD9-81ED-4DB2-BD59-A6C34878D82A}">
-                    <a16:rowId xmlns="" xmlns:a16="http://schemas.microsoft.com/office/drawing/2014/main" val="1712611614"/>
+                    <a16:rowId xmlns:a16="http://schemas.microsoft.com/office/drawing/2014/main" xmlns="" val="1712611614"/>
                   </a:ext>
                 </a:extLst>
               </a:tr>
@@ -16725,7 +16911,7 @@
         </p:nvSpPr>
         <p:spPr>
           <a:xfrm>
-            <a:off x="4249673" y="1895249"/>
+            <a:off x="4429855" y="1984945"/>
             <a:ext cx="230658" cy="254699"/>
           </a:xfrm>
           <a:prstGeom prst="mathPlus">
@@ -16809,7 +16995,7 @@
           <p:cNvPr id="2" name="Rectangle 1">
             <a:extLst>
               <a:ext uri="{FF2B5EF4-FFF2-40B4-BE49-F238E27FC236}">
-                <a16:creationId xmlns="" xmlns:a16="http://schemas.microsoft.com/office/drawing/2014/main" id="{4F38584F-66B2-464F-9BA7-6F9A856D602F}"/>
+                <a16:creationId xmlns:a16="http://schemas.microsoft.com/office/drawing/2014/main" xmlns="" id="{4F38584F-66B2-464F-9BA7-6F9A856D602F}"/>
               </a:ext>
             </a:extLst>
           </p:cNvPr>
@@ -16818,7 +17004,7 @@
         </p:nvSpPr>
         <p:spPr>
           <a:xfrm>
-            <a:off x="405685" y="219674"/>
+            <a:off x="585867" y="309368"/>
             <a:ext cx="5705958" cy="478138"/>
           </a:xfrm>
           <a:prstGeom prst="rect">
@@ -16869,7 +17055,7 @@
           <p:cNvPr id="15" name="Rectangle 14">
             <a:extLst>
               <a:ext uri="{FF2B5EF4-FFF2-40B4-BE49-F238E27FC236}">
-                <a16:creationId xmlns="" xmlns:a16="http://schemas.microsoft.com/office/drawing/2014/main" id="{88C45C25-BF1B-4018-8A33-8F627F02D4A4}"/>
+                <a16:creationId xmlns:a16="http://schemas.microsoft.com/office/drawing/2014/main" xmlns="" id="{88C45C25-BF1B-4018-8A33-8F627F02D4A4}"/>
               </a:ext>
             </a:extLst>
           </p:cNvPr>
@@ -16878,7 +17064,7 @@
         </p:nvSpPr>
         <p:spPr>
           <a:xfrm>
-            <a:off x="478514" y="1478666"/>
+            <a:off x="658696" y="1568362"/>
             <a:ext cx="5705958" cy="416583"/>
           </a:xfrm>
           <a:prstGeom prst="rect">
@@ -16961,7 +17147,7 @@
           <p:cNvPr id="9" name="Rectangle 14">
             <a:extLst>
               <a:ext uri="{FF2B5EF4-FFF2-40B4-BE49-F238E27FC236}">
-                <a16:creationId xmlns="" xmlns:a16="http://schemas.microsoft.com/office/drawing/2014/main" id="{88C45C25-BF1B-4018-8A33-8F627F02D4A4}"/>
+                <a16:creationId xmlns:a16="http://schemas.microsoft.com/office/drawing/2014/main" xmlns="" id="{88C45C25-BF1B-4018-8A33-8F627F02D4A4}"/>
               </a:ext>
             </a:extLst>
           </p:cNvPr>
@@ -16970,7 +17156,7 @@
         </p:nvSpPr>
         <p:spPr>
           <a:xfrm>
-            <a:off x="478514" y="1895249"/>
+            <a:off x="658696" y="1984945"/>
             <a:ext cx="5705958" cy="416583"/>
           </a:xfrm>
           <a:prstGeom prst="rect">
@@ -17053,7 +17239,7 @@
           <p:cNvPr id="10" name="Rectangle 14">
             <a:extLst>
               <a:ext uri="{FF2B5EF4-FFF2-40B4-BE49-F238E27FC236}">
-                <a16:creationId xmlns="" xmlns:a16="http://schemas.microsoft.com/office/drawing/2014/main" id="{88C45C25-BF1B-4018-8A33-8F627F02D4A4}"/>
+                <a16:creationId xmlns:a16="http://schemas.microsoft.com/office/drawing/2014/main" xmlns="" id="{88C45C25-BF1B-4018-8A33-8F627F02D4A4}"/>
               </a:ext>
             </a:extLst>
           </p:cNvPr>
@@ -17062,7 +17248,7 @@
         </p:nvSpPr>
         <p:spPr>
           <a:xfrm>
-            <a:off x="478514" y="2311832"/>
+            <a:off x="658696" y="2401528"/>
             <a:ext cx="5705958" cy="416583"/>
           </a:xfrm>
           <a:prstGeom prst="rect">
@@ -17145,7 +17331,7 @@
           <p:cNvPr id="11" name="Rectangle 14">
             <a:extLst>
               <a:ext uri="{FF2B5EF4-FFF2-40B4-BE49-F238E27FC236}">
-                <a16:creationId xmlns="" xmlns:a16="http://schemas.microsoft.com/office/drawing/2014/main" id="{88C45C25-BF1B-4018-8A33-8F627F02D4A4}"/>
+                <a16:creationId xmlns:a16="http://schemas.microsoft.com/office/drawing/2014/main" xmlns="" id="{88C45C25-BF1B-4018-8A33-8F627F02D4A4}"/>
               </a:ext>
             </a:extLst>
           </p:cNvPr>
@@ -17154,7 +17340,7 @@
         </p:nvSpPr>
         <p:spPr>
           <a:xfrm>
-            <a:off x="478514" y="2728415"/>
+            <a:off x="658696" y="2818111"/>
             <a:ext cx="5705958" cy="416583"/>
           </a:xfrm>
           <a:prstGeom prst="rect">
@@ -17237,7 +17423,7 @@
           <p:cNvPr id="8" name="Table 12">
             <a:extLst>
               <a:ext uri="{FF2B5EF4-FFF2-40B4-BE49-F238E27FC236}">
-                <a16:creationId xmlns="" xmlns:a16="http://schemas.microsoft.com/office/drawing/2014/main" id="{9B0F7DF4-72A9-4AA6-A24C-EB98E6574144}"/>
+                <a16:creationId xmlns:a16="http://schemas.microsoft.com/office/drawing/2014/main" xmlns="" id="{9B0F7DF4-72A9-4AA6-A24C-EB98E6574144}"/>
               </a:ext>
             </a:extLst>
           </p:cNvPr>
@@ -17253,7 +17439,7 @@
           </p:nvPr>
         </p:nvGraphicFramePr>
         <p:xfrm>
-          <a:off x="2775323" y="697812"/>
+          <a:off x="2955505" y="787506"/>
           <a:ext cx="3336320" cy="2238280"/>
         </p:xfrm>
         <a:graphic>
@@ -17266,28 +17452,28 @@
                 <a:gridCol w="834080">
                   <a:extLst>
                     <a:ext uri="{9D8B030D-6E8A-4147-A177-3AD203B41FA5}">
-                      <a16:colId xmlns="" xmlns:a16="http://schemas.microsoft.com/office/drawing/2014/main" val="2514592082"/>
+                      <a16:colId xmlns:a16="http://schemas.microsoft.com/office/drawing/2014/main" xmlns="" val="2514592082"/>
                     </a:ext>
                   </a:extLst>
                 </a:gridCol>
                 <a:gridCol w="834080">
                   <a:extLst>
                     <a:ext uri="{9D8B030D-6E8A-4147-A177-3AD203B41FA5}">
-                      <a16:colId xmlns="" xmlns:a16="http://schemas.microsoft.com/office/drawing/2014/main" val="1972351707"/>
+                      <a16:colId xmlns:a16="http://schemas.microsoft.com/office/drawing/2014/main" xmlns="" val="1972351707"/>
                     </a:ext>
                   </a:extLst>
                 </a:gridCol>
                 <a:gridCol w="834080">
                   <a:extLst>
                     <a:ext uri="{9D8B030D-6E8A-4147-A177-3AD203B41FA5}">
-                      <a16:colId xmlns="" xmlns:a16="http://schemas.microsoft.com/office/drawing/2014/main" val="130078612"/>
+                      <a16:colId xmlns:a16="http://schemas.microsoft.com/office/drawing/2014/main" xmlns="" val="130078612"/>
                     </a:ext>
                   </a:extLst>
                 </a:gridCol>
                 <a:gridCol w="834080">
                   <a:extLst>
                     <a:ext uri="{9D8B030D-6E8A-4147-A177-3AD203B41FA5}">
-                      <a16:colId xmlns="" xmlns:a16="http://schemas.microsoft.com/office/drawing/2014/main" val="3594532491"/>
+                      <a16:colId xmlns:a16="http://schemas.microsoft.com/office/drawing/2014/main" xmlns="" val="3594532491"/>
                     </a:ext>
                   </a:extLst>
                 </a:gridCol>
@@ -17457,7 +17643,7 @@
                 </a:tc>
                 <a:extLst>
                   <a:ext uri="{0D108BD9-81ED-4DB2-BD59-A6C34878D82A}">
-                    <a16:rowId xmlns="" xmlns:a16="http://schemas.microsoft.com/office/drawing/2014/main" val="1648878484"/>
+                    <a16:rowId xmlns:a16="http://schemas.microsoft.com/office/drawing/2014/main" xmlns="" val="1648878484"/>
                   </a:ext>
                 </a:extLst>
               </a:tr>
@@ -17644,7 +17830,7 @@
                 </a:tc>
                 <a:extLst>
                   <a:ext uri="{0D108BD9-81ED-4DB2-BD59-A6C34878D82A}">
-                    <a16:rowId xmlns="" xmlns:a16="http://schemas.microsoft.com/office/drawing/2014/main" val="3110016024"/>
+                    <a16:rowId xmlns:a16="http://schemas.microsoft.com/office/drawing/2014/main" xmlns="" val="3110016024"/>
                   </a:ext>
                 </a:extLst>
               </a:tr>
@@ -17847,7 +18033,7 @@
                 </a:tc>
                 <a:extLst>
                   <a:ext uri="{0D108BD9-81ED-4DB2-BD59-A6C34878D82A}">
-                    <a16:rowId xmlns="" xmlns:a16="http://schemas.microsoft.com/office/drawing/2014/main" val="2530068117"/>
+                    <a16:rowId xmlns:a16="http://schemas.microsoft.com/office/drawing/2014/main" xmlns="" val="2530068117"/>
                   </a:ext>
                 </a:extLst>
               </a:tr>
@@ -18037,7 +18223,7 @@
                 </a:tc>
                 <a:extLst>
                   <a:ext uri="{0D108BD9-81ED-4DB2-BD59-A6C34878D82A}">
-                    <a16:rowId xmlns="" xmlns:a16="http://schemas.microsoft.com/office/drawing/2014/main" val="1712611614"/>
+                    <a16:rowId xmlns:a16="http://schemas.microsoft.com/office/drawing/2014/main" xmlns="" val="1712611614"/>
                   </a:ext>
                 </a:extLst>
               </a:tr>
@@ -18053,7 +18239,7 @@
         </p:nvSpPr>
         <p:spPr>
           <a:xfrm>
-            <a:off x="4249673" y="1895249"/>
+            <a:off x="4429855" y="1984945"/>
             <a:ext cx="230658" cy="254699"/>
           </a:xfrm>
           <a:prstGeom prst="mathPlus">
@@ -18137,7 +18323,7 @@
           <p:cNvPr id="2" name="Rectangle 1">
             <a:extLst>
               <a:ext uri="{FF2B5EF4-FFF2-40B4-BE49-F238E27FC236}">
-                <a16:creationId xmlns="" xmlns:a16="http://schemas.microsoft.com/office/drawing/2014/main" id="{4F38584F-66B2-464F-9BA7-6F9A856D602F}"/>
+                <a16:creationId xmlns:a16="http://schemas.microsoft.com/office/drawing/2014/main" xmlns="" id="{4F38584F-66B2-464F-9BA7-6F9A856D602F}"/>
               </a:ext>
             </a:extLst>
           </p:cNvPr>
@@ -18146,7 +18332,7 @@
         </p:nvSpPr>
         <p:spPr>
           <a:xfrm>
-            <a:off x="405685" y="219674"/>
+            <a:off x="585867" y="309368"/>
             <a:ext cx="5705958" cy="478138"/>
           </a:xfrm>
           <a:prstGeom prst="rect">
@@ -18197,7 +18383,7 @@
           <p:cNvPr id="15" name="Rectangle 14">
             <a:extLst>
               <a:ext uri="{FF2B5EF4-FFF2-40B4-BE49-F238E27FC236}">
-                <a16:creationId xmlns="" xmlns:a16="http://schemas.microsoft.com/office/drawing/2014/main" id="{88C45C25-BF1B-4018-8A33-8F627F02D4A4}"/>
+                <a16:creationId xmlns:a16="http://schemas.microsoft.com/office/drawing/2014/main" xmlns="" id="{88C45C25-BF1B-4018-8A33-8F627F02D4A4}"/>
               </a:ext>
             </a:extLst>
           </p:cNvPr>
@@ -18206,7 +18392,7 @@
         </p:nvSpPr>
         <p:spPr>
           <a:xfrm>
-            <a:off x="478514" y="1478666"/>
+            <a:off x="658696" y="1568362"/>
             <a:ext cx="5705958" cy="416583"/>
           </a:xfrm>
           <a:prstGeom prst="rect">
@@ -18257,7 +18443,7 @@
           <p:cNvPr id="9" name="Rectangle 14">
             <a:extLst>
               <a:ext uri="{FF2B5EF4-FFF2-40B4-BE49-F238E27FC236}">
-                <a16:creationId xmlns="" xmlns:a16="http://schemas.microsoft.com/office/drawing/2014/main" id="{88C45C25-BF1B-4018-8A33-8F627F02D4A4}"/>
+                <a16:creationId xmlns:a16="http://schemas.microsoft.com/office/drawing/2014/main" xmlns="" id="{88C45C25-BF1B-4018-8A33-8F627F02D4A4}"/>
               </a:ext>
             </a:extLst>
           </p:cNvPr>
@@ -18266,7 +18452,7 @@
         </p:nvSpPr>
         <p:spPr>
           <a:xfrm>
-            <a:off x="478514" y="1895249"/>
+            <a:off x="658696" y="1984945"/>
             <a:ext cx="5705958" cy="416583"/>
           </a:xfrm>
           <a:prstGeom prst="rect">
@@ -18349,7 +18535,7 @@
           <p:cNvPr id="10" name="Rectangle 14">
             <a:extLst>
               <a:ext uri="{FF2B5EF4-FFF2-40B4-BE49-F238E27FC236}">
-                <a16:creationId xmlns="" xmlns:a16="http://schemas.microsoft.com/office/drawing/2014/main" id="{88C45C25-BF1B-4018-8A33-8F627F02D4A4}"/>
+                <a16:creationId xmlns:a16="http://schemas.microsoft.com/office/drawing/2014/main" xmlns="" id="{88C45C25-BF1B-4018-8A33-8F627F02D4A4}"/>
               </a:ext>
             </a:extLst>
           </p:cNvPr>
@@ -18358,7 +18544,7 @@
         </p:nvSpPr>
         <p:spPr>
           <a:xfrm>
-            <a:off x="478514" y="2311832"/>
+            <a:off x="658696" y="2401528"/>
             <a:ext cx="5705958" cy="416583"/>
           </a:xfrm>
           <a:prstGeom prst="rect">
@@ -18409,7 +18595,7 @@
           <p:cNvPr id="11" name="Rectangle 14">
             <a:extLst>
               <a:ext uri="{FF2B5EF4-FFF2-40B4-BE49-F238E27FC236}">
-                <a16:creationId xmlns="" xmlns:a16="http://schemas.microsoft.com/office/drawing/2014/main" id="{88C45C25-BF1B-4018-8A33-8F627F02D4A4}"/>
+                <a16:creationId xmlns:a16="http://schemas.microsoft.com/office/drawing/2014/main" xmlns="" id="{88C45C25-BF1B-4018-8A33-8F627F02D4A4}"/>
               </a:ext>
             </a:extLst>
           </p:cNvPr>
@@ -18418,7 +18604,7 @@
         </p:nvSpPr>
         <p:spPr>
           <a:xfrm>
-            <a:off x="478514" y="2728415"/>
+            <a:off x="658696" y="2818111"/>
             <a:ext cx="5705958" cy="416583"/>
           </a:xfrm>
           <a:prstGeom prst="rect">
@@ -18469,7 +18655,7 @@
           <p:cNvPr id="8" name="Table 12">
             <a:extLst>
               <a:ext uri="{FF2B5EF4-FFF2-40B4-BE49-F238E27FC236}">
-                <a16:creationId xmlns="" xmlns:a16="http://schemas.microsoft.com/office/drawing/2014/main" id="{9B0F7DF4-72A9-4AA6-A24C-EB98E6574144}"/>
+                <a16:creationId xmlns:a16="http://schemas.microsoft.com/office/drawing/2014/main" xmlns="" id="{9B0F7DF4-72A9-4AA6-A24C-EB98E6574144}"/>
               </a:ext>
             </a:extLst>
           </p:cNvPr>
@@ -18485,7 +18671,7 @@
           </p:nvPr>
         </p:nvGraphicFramePr>
         <p:xfrm>
-          <a:off x="2775323" y="697812"/>
+          <a:off x="2955505" y="787506"/>
           <a:ext cx="3336320" cy="2238280"/>
         </p:xfrm>
         <a:graphic>
@@ -18498,28 +18684,28 @@
                 <a:gridCol w="834080">
                   <a:extLst>
                     <a:ext uri="{9D8B030D-6E8A-4147-A177-3AD203B41FA5}">
-                      <a16:colId xmlns="" xmlns:a16="http://schemas.microsoft.com/office/drawing/2014/main" val="2514592082"/>
+                      <a16:colId xmlns:a16="http://schemas.microsoft.com/office/drawing/2014/main" xmlns="" val="2514592082"/>
                     </a:ext>
                   </a:extLst>
                 </a:gridCol>
                 <a:gridCol w="834080">
                   <a:extLst>
                     <a:ext uri="{9D8B030D-6E8A-4147-A177-3AD203B41FA5}">
-                      <a16:colId xmlns="" xmlns:a16="http://schemas.microsoft.com/office/drawing/2014/main" val="1972351707"/>
+                      <a16:colId xmlns:a16="http://schemas.microsoft.com/office/drawing/2014/main" xmlns="" val="1972351707"/>
                     </a:ext>
                   </a:extLst>
                 </a:gridCol>
                 <a:gridCol w="834080">
                   <a:extLst>
                     <a:ext uri="{9D8B030D-6E8A-4147-A177-3AD203B41FA5}">
-                      <a16:colId xmlns="" xmlns:a16="http://schemas.microsoft.com/office/drawing/2014/main" val="130078612"/>
+                      <a16:colId xmlns:a16="http://schemas.microsoft.com/office/drawing/2014/main" xmlns="" val="130078612"/>
                     </a:ext>
                   </a:extLst>
                 </a:gridCol>
                 <a:gridCol w="834080">
                   <a:extLst>
                     <a:ext uri="{9D8B030D-6E8A-4147-A177-3AD203B41FA5}">
-                      <a16:colId xmlns="" xmlns:a16="http://schemas.microsoft.com/office/drawing/2014/main" val="3594532491"/>
+                      <a16:colId xmlns:a16="http://schemas.microsoft.com/office/drawing/2014/main" xmlns="" val="3594532491"/>
                     </a:ext>
                   </a:extLst>
                 </a:gridCol>
@@ -18689,7 +18875,7 @@
                 </a:tc>
                 <a:extLst>
                   <a:ext uri="{0D108BD9-81ED-4DB2-BD59-A6C34878D82A}">
-                    <a16:rowId xmlns="" xmlns:a16="http://schemas.microsoft.com/office/drawing/2014/main" val="1648878484"/>
+                    <a16:rowId xmlns:a16="http://schemas.microsoft.com/office/drawing/2014/main" xmlns="" val="1648878484"/>
                   </a:ext>
                 </a:extLst>
               </a:tr>
@@ -18876,7 +19062,7 @@
                 </a:tc>
                 <a:extLst>
                   <a:ext uri="{0D108BD9-81ED-4DB2-BD59-A6C34878D82A}">
-                    <a16:rowId xmlns="" xmlns:a16="http://schemas.microsoft.com/office/drawing/2014/main" val="3110016024"/>
+                    <a16:rowId xmlns:a16="http://schemas.microsoft.com/office/drawing/2014/main" xmlns="" val="3110016024"/>
                   </a:ext>
                 </a:extLst>
               </a:tr>
@@ -19079,7 +19265,7 @@
                 </a:tc>
                 <a:extLst>
                   <a:ext uri="{0D108BD9-81ED-4DB2-BD59-A6C34878D82A}">
-                    <a16:rowId xmlns="" xmlns:a16="http://schemas.microsoft.com/office/drawing/2014/main" val="2530068117"/>
+                    <a16:rowId xmlns:a16="http://schemas.microsoft.com/office/drawing/2014/main" xmlns="" val="2530068117"/>
                   </a:ext>
                 </a:extLst>
               </a:tr>
@@ -19282,7 +19468,7 @@
                 </a:tc>
                 <a:extLst>
                   <a:ext uri="{0D108BD9-81ED-4DB2-BD59-A6C34878D82A}">
-                    <a16:rowId xmlns="" xmlns:a16="http://schemas.microsoft.com/office/drawing/2014/main" val="1712611614"/>
+                    <a16:rowId xmlns:a16="http://schemas.microsoft.com/office/drawing/2014/main" xmlns="" val="1712611614"/>
                   </a:ext>
                 </a:extLst>
               </a:tr>
@@ -19298,7 +19484,7 @@
         </p:nvSpPr>
         <p:spPr>
           <a:xfrm>
-            <a:off x="4249673" y="1895249"/>
+            <a:off x="4429855" y="1984945"/>
             <a:ext cx="230658" cy="254699"/>
           </a:xfrm>
           <a:prstGeom prst="mathPlus">
@@ -19382,7 +19568,7 @@
           <p:cNvPr id="2" name="Rectangle 1">
             <a:extLst>
               <a:ext uri="{FF2B5EF4-FFF2-40B4-BE49-F238E27FC236}">
-                <a16:creationId xmlns="" xmlns:a16="http://schemas.microsoft.com/office/drawing/2014/main" id="{4F38584F-66B2-464F-9BA7-6F9A856D602F}"/>
+                <a16:creationId xmlns:a16="http://schemas.microsoft.com/office/drawing/2014/main" xmlns="" id="{4F38584F-66B2-464F-9BA7-6F9A856D602F}"/>
               </a:ext>
             </a:extLst>
           </p:cNvPr>
@@ -19391,8 +19577,8 @@
         </p:nvSpPr>
         <p:spPr>
           <a:xfrm>
-            <a:off x="405685" y="219674"/>
-            <a:ext cx="5705958" cy="1032136"/>
+            <a:off x="243840" y="309368"/>
+            <a:ext cx="6047985" cy="1032136"/>
           </a:xfrm>
           <a:prstGeom prst="rect">
             <a:avLst/>
@@ -19442,7 +19628,7 @@
           <p:cNvPr id="15" name="Rectangle 14">
             <a:extLst>
               <a:ext uri="{FF2B5EF4-FFF2-40B4-BE49-F238E27FC236}">
-                <a16:creationId xmlns="" xmlns:a16="http://schemas.microsoft.com/office/drawing/2014/main" id="{88C45C25-BF1B-4018-8A33-8F627F02D4A4}"/>
+                <a16:creationId xmlns:a16="http://schemas.microsoft.com/office/drawing/2014/main" xmlns="" id="{88C45C25-BF1B-4018-8A33-8F627F02D4A4}"/>
               </a:ext>
             </a:extLst>
           </p:cNvPr>
@@ -19451,7 +19637,7 @@
         </p:nvSpPr>
         <p:spPr>
           <a:xfrm>
-            <a:off x="405685" y="1559587"/>
+            <a:off x="321707" y="1649283"/>
             <a:ext cx="5705958" cy="416583"/>
           </a:xfrm>
           <a:prstGeom prst="rect">
@@ -19534,7 +19720,7 @@
           <p:cNvPr id="9" name="Rectangle 14">
             <a:extLst>
               <a:ext uri="{FF2B5EF4-FFF2-40B4-BE49-F238E27FC236}">
-                <a16:creationId xmlns="" xmlns:a16="http://schemas.microsoft.com/office/drawing/2014/main" id="{88C45C25-BF1B-4018-8A33-8F627F02D4A4}"/>
+                <a16:creationId xmlns:a16="http://schemas.microsoft.com/office/drawing/2014/main" xmlns="" id="{88C45C25-BF1B-4018-8A33-8F627F02D4A4}"/>
               </a:ext>
             </a:extLst>
           </p:cNvPr>
@@ -19543,7 +19729,7 @@
         </p:nvSpPr>
         <p:spPr>
           <a:xfrm>
-            <a:off x="405685" y="1976170"/>
+            <a:off x="321707" y="2065866"/>
             <a:ext cx="5705958" cy="416583"/>
           </a:xfrm>
           <a:prstGeom prst="rect">
@@ -19626,7 +19812,7 @@
           <p:cNvPr id="10" name="Rectangle 14">
             <a:extLst>
               <a:ext uri="{FF2B5EF4-FFF2-40B4-BE49-F238E27FC236}">
-                <a16:creationId xmlns="" xmlns:a16="http://schemas.microsoft.com/office/drawing/2014/main" id="{88C45C25-BF1B-4018-8A33-8F627F02D4A4}"/>
+                <a16:creationId xmlns:a16="http://schemas.microsoft.com/office/drawing/2014/main" xmlns="" id="{88C45C25-BF1B-4018-8A33-8F627F02D4A4}"/>
               </a:ext>
             </a:extLst>
           </p:cNvPr>
@@ -19635,7 +19821,7 @@
         </p:nvSpPr>
         <p:spPr>
           <a:xfrm>
-            <a:off x="405685" y="2392753"/>
+            <a:off x="321707" y="2482449"/>
             <a:ext cx="5705958" cy="416583"/>
           </a:xfrm>
           <a:prstGeom prst="rect">
@@ -19718,7 +19904,7 @@
           <p:cNvPr id="11" name="Rectangle 14">
             <a:extLst>
               <a:ext uri="{FF2B5EF4-FFF2-40B4-BE49-F238E27FC236}">
-                <a16:creationId xmlns="" xmlns:a16="http://schemas.microsoft.com/office/drawing/2014/main" id="{88C45C25-BF1B-4018-8A33-8F627F02D4A4}"/>
+                <a16:creationId xmlns:a16="http://schemas.microsoft.com/office/drawing/2014/main" xmlns="" id="{88C45C25-BF1B-4018-8A33-8F627F02D4A4}"/>
               </a:ext>
             </a:extLst>
           </p:cNvPr>
@@ -19727,7 +19913,7 @@
         </p:nvSpPr>
         <p:spPr>
           <a:xfrm>
-            <a:off x="405685" y="2809336"/>
+            <a:off x="321707" y="2899032"/>
             <a:ext cx="5705958" cy="416583"/>
           </a:xfrm>
           <a:prstGeom prst="rect">
@@ -19854,7 +20040,7 @@
           <p:cNvPr id="2" name="Rectangle 1">
             <a:extLst>
               <a:ext uri="{FF2B5EF4-FFF2-40B4-BE49-F238E27FC236}">
-                <a16:creationId xmlns="" xmlns:a16="http://schemas.microsoft.com/office/drawing/2014/main" id="{4F38584F-66B2-464F-9BA7-6F9A856D602F}"/>
+                <a16:creationId xmlns:a16="http://schemas.microsoft.com/office/drawing/2014/main" xmlns="" id="{4F38584F-66B2-464F-9BA7-6F9A856D602F}"/>
               </a:ext>
             </a:extLst>
           </p:cNvPr>
@@ -19863,7 +20049,7 @@
         </p:nvSpPr>
         <p:spPr>
           <a:xfrm>
-            <a:off x="405685" y="219674"/>
+            <a:off x="585867" y="309368"/>
             <a:ext cx="5705958" cy="478138"/>
           </a:xfrm>
           <a:prstGeom prst="rect">
@@ -19914,7 +20100,7 @@
           <p:cNvPr id="15" name="Rectangle 14">
             <a:extLst>
               <a:ext uri="{FF2B5EF4-FFF2-40B4-BE49-F238E27FC236}">
-                <a16:creationId xmlns="" xmlns:a16="http://schemas.microsoft.com/office/drawing/2014/main" id="{88C45C25-BF1B-4018-8A33-8F627F02D4A4}"/>
+                <a16:creationId xmlns:a16="http://schemas.microsoft.com/office/drawing/2014/main" xmlns="" id="{88C45C25-BF1B-4018-8A33-8F627F02D4A4}"/>
               </a:ext>
             </a:extLst>
           </p:cNvPr>
@@ -19923,7 +20109,7 @@
         </p:nvSpPr>
         <p:spPr>
           <a:xfrm>
-            <a:off x="478514" y="1478666"/>
+            <a:off x="658696" y="1568362"/>
             <a:ext cx="5705958" cy="416583"/>
           </a:xfrm>
           <a:prstGeom prst="rect">
@@ -20006,7 +20192,7 @@
           <p:cNvPr id="9" name="Rectangle 14">
             <a:extLst>
               <a:ext uri="{FF2B5EF4-FFF2-40B4-BE49-F238E27FC236}">
-                <a16:creationId xmlns="" xmlns:a16="http://schemas.microsoft.com/office/drawing/2014/main" id="{88C45C25-BF1B-4018-8A33-8F627F02D4A4}"/>
+                <a16:creationId xmlns:a16="http://schemas.microsoft.com/office/drawing/2014/main" xmlns="" id="{88C45C25-BF1B-4018-8A33-8F627F02D4A4}"/>
               </a:ext>
             </a:extLst>
           </p:cNvPr>
@@ -20015,7 +20201,7 @@
         </p:nvSpPr>
         <p:spPr>
           <a:xfrm>
-            <a:off x="478514" y="1895249"/>
+            <a:off x="658696" y="1984945"/>
             <a:ext cx="5705958" cy="416583"/>
           </a:xfrm>
           <a:prstGeom prst="rect">
@@ -20098,7 +20284,7 @@
           <p:cNvPr id="10" name="Rectangle 14">
             <a:extLst>
               <a:ext uri="{FF2B5EF4-FFF2-40B4-BE49-F238E27FC236}">
-                <a16:creationId xmlns="" xmlns:a16="http://schemas.microsoft.com/office/drawing/2014/main" id="{88C45C25-BF1B-4018-8A33-8F627F02D4A4}"/>
+                <a16:creationId xmlns:a16="http://schemas.microsoft.com/office/drawing/2014/main" xmlns="" id="{88C45C25-BF1B-4018-8A33-8F627F02D4A4}"/>
               </a:ext>
             </a:extLst>
           </p:cNvPr>
@@ -20107,7 +20293,7 @@
         </p:nvSpPr>
         <p:spPr>
           <a:xfrm>
-            <a:off x="478514" y="2311832"/>
+            <a:off x="658696" y="2401528"/>
             <a:ext cx="5705958" cy="416583"/>
           </a:xfrm>
           <a:prstGeom prst="rect">
@@ -20190,7 +20376,7 @@
           <p:cNvPr id="11" name="Rectangle 14">
             <a:extLst>
               <a:ext uri="{FF2B5EF4-FFF2-40B4-BE49-F238E27FC236}">
-                <a16:creationId xmlns="" xmlns:a16="http://schemas.microsoft.com/office/drawing/2014/main" id="{88C45C25-BF1B-4018-8A33-8F627F02D4A4}"/>
+                <a16:creationId xmlns:a16="http://schemas.microsoft.com/office/drawing/2014/main" xmlns="" id="{88C45C25-BF1B-4018-8A33-8F627F02D4A4}"/>
               </a:ext>
             </a:extLst>
           </p:cNvPr>
@@ -20199,7 +20385,7 @@
         </p:nvSpPr>
         <p:spPr>
           <a:xfrm>
-            <a:off x="478514" y="2728415"/>
+            <a:off x="658696" y="2818111"/>
             <a:ext cx="5705958" cy="416583"/>
           </a:xfrm>
           <a:prstGeom prst="rect">
@@ -20282,7 +20468,7 @@
           <p:cNvPr id="8" name="Table 12">
             <a:extLst>
               <a:ext uri="{FF2B5EF4-FFF2-40B4-BE49-F238E27FC236}">
-                <a16:creationId xmlns="" xmlns:a16="http://schemas.microsoft.com/office/drawing/2014/main" id="{9B0F7DF4-72A9-4AA6-A24C-EB98E6574144}"/>
+                <a16:creationId xmlns:a16="http://schemas.microsoft.com/office/drawing/2014/main" xmlns="" id="{9B0F7DF4-72A9-4AA6-A24C-EB98E6574144}"/>
               </a:ext>
             </a:extLst>
           </p:cNvPr>
@@ -20298,7 +20484,7 @@
           </p:nvPr>
         </p:nvGraphicFramePr>
         <p:xfrm>
-          <a:off x="2775323" y="697812"/>
+          <a:off x="2955505" y="787506"/>
           <a:ext cx="3336320" cy="2238280"/>
         </p:xfrm>
         <a:graphic>
@@ -20311,28 +20497,28 @@
                 <a:gridCol w="834080">
                   <a:extLst>
                     <a:ext uri="{9D8B030D-6E8A-4147-A177-3AD203B41FA5}">
-                      <a16:colId xmlns="" xmlns:a16="http://schemas.microsoft.com/office/drawing/2014/main" val="2514592082"/>
+                      <a16:colId xmlns:a16="http://schemas.microsoft.com/office/drawing/2014/main" xmlns="" val="2514592082"/>
                     </a:ext>
                   </a:extLst>
                 </a:gridCol>
                 <a:gridCol w="834080">
                   <a:extLst>
                     <a:ext uri="{9D8B030D-6E8A-4147-A177-3AD203B41FA5}">
-                      <a16:colId xmlns="" xmlns:a16="http://schemas.microsoft.com/office/drawing/2014/main" val="1972351707"/>
+                      <a16:colId xmlns:a16="http://schemas.microsoft.com/office/drawing/2014/main" xmlns="" val="1972351707"/>
                     </a:ext>
                   </a:extLst>
                 </a:gridCol>
                 <a:gridCol w="834080">
                   <a:extLst>
                     <a:ext uri="{9D8B030D-6E8A-4147-A177-3AD203B41FA5}">
-                      <a16:colId xmlns="" xmlns:a16="http://schemas.microsoft.com/office/drawing/2014/main" val="130078612"/>
+                      <a16:colId xmlns:a16="http://schemas.microsoft.com/office/drawing/2014/main" xmlns="" val="130078612"/>
                     </a:ext>
                   </a:extLst>
                 </a:gridCol>
                 <a:gridCol w="834080">
                   <a:extLst>
                     <a:ext uri="{9D8B030D-6E8A-4147-A177-3AD203B41FA5}">
-                      <a16:colId xmlns="" xmlns:a16="http://schemas.microsoft.com/office/drawing/2014/main" val="3594532491"/>
+                      <a16:colId xmlns:a16="http://schemas.microsoft.com/office/drawing/2014/main" xmlns="" val="3594532491"/>
                     </a:ext>
                   </a:extLst>
                 </a:gridCol>
@@ -20502,7 +20688,7 @@
                 </a:tc>
                 <a:extLst>
                   <a:ext uri="{0D108BD9-81ED-4DB2-BD59-A6C34878D82A}">
-                    <a16:rowId xmlns="" xmlns:a16="http://schemas.microsoft.com/office/drawing/2014/main" val="1648878484"/>
+                    <a16:rowId xmlns:a16="http://schemas.microsoft.com/office/drawing/2014/main" xmlns="" val="1648878484"/>
                   </a:ext>
                 </a:extLst>
               </a:tr>
@@ -20689,7 +20875,7 @@
                 </a:tc>
                 <a:extLst>
                   <a:ext uri="{0D108BD9-81ED-4DB2-BD59-A6C34878D82A}">
-                    <a16:rowId xmlns="" xmlns:a16="http://schemas.microsoft.com/office/drawing/2014/main" val="3110016024"/>
+                    <a16:rowId xmlns:a16="http://schemas.microsoft.com/office/drawing/2014/main" xmlns="" val="3110016024"/>
                   </a:ext>
                 </a:extLst>
               </a:tr>
@@ -20892,7 +21078,7 @@
                 </a:tc>
                 <a:extLst>
                   <a:ext uri="{0D108BD9-81ED-4DB2-BD59-A6C34878D82A}">
-                    <a16:rowId xmlns="" xmlns:a16="http://schemas.microsoft.com/office/drawing/2014/main" val="2530068117"/>
+                    <a16:rowId xmlns:a16="http://schemas.microsoft.com/office/drawing/2014/main" xmlns="" val="2530068117"/>
                   </a:ext>
                 </a:extLst>
               </a:tr>
@@ -21082,7 +21268,7 @@
                 </a:tc>
                 <a:extLst>
                   <a:ext uri="{0D108BD9-81ED-4DB2-BD59-A6C34878D82A}">
-                    <a16:rowId xmlns="" xmlns:a16="http://schemas.microsoft.com/office/drawing/2014/main" val="1712611614"/>
+                    <a16:rowId xmlns:a16="http://schemas.microsoft.com/office/drawing/2014/main" xmlns="" val="1712611614"/>
                   </a:ext>
                 </a:extLst>
               </a:tr>
@@ -21098,7 +21284,7 @@
         </p:nvSpPr>
         <p:spPr>
           <a:xfrm>
-            <a:off x="4249673" y="1895249"/>
+            <a:off x="4429855" y="1984945"/>
             <a:ext cx="230658" cy="254699"/>
           </a:xfrm>
           <a:prstGeom prst="mathPlus">
@@ -21182,7 +21368,7 @@
           <p:cNvPr id="2" name="Rectangle 1">
             <a:extLst>
               <a:ext uri="{FF2B5EF4-FFF2-40B4-BE49-F238E27FC236}">
-                <a16:creationId xmlns="" xmlns:a16="http://schemas.microsoft.com/office/drawing/2014/main" id="{4F38584F-66B2-464F-9BA7-6F9A856D602F}"/>
+                <a16:creationId xmlns:a16="http://schemas.microsoft.com/office/drawing/2014/main" xmlns="" id="{4F38584F-66B2-464F-9BA7-6F9A856D602F}"/>
               </a:ext>
             </a:extLst>
           </p:cNvPr>
@@ -21191,7 +21377,7 @@
         </p:nvSpPr>
         <p:spPr>
           <a:xfrm>
-            <a:off x="405685" y="219674"/>
+            <a:off x="585867" y="309368"/>
             <a:ext cx="5705958" cy="478138"/>
           </a:xfrm>
           <a:prstGeom prst="rect">
@@ -21242,7 +21428,7 @@
           <p:cNvPr id="15" name="Rectangle 14">
             <a:extLst>
               <a:ext uri="{FF2B5EF4-FFF2-40B4-BE49-F238E27FC236}">
-                <a16:creationId xmlns="" xmlns:a16="http://schemas.microsoft.com/office/drawing/2014/main" id="{88C45C25-BF1B-4018-8A33-8F627F02D4A4}"/>
+                <a16:creationId xmlns:a16="http://schemas.microsoft.com/office/drawing/2014/main" xmlns="" id="{88C45C25-BF1B-4018-8A33-8F627F02D4A4}"/>
               </a:ext>
             </a:extLst>
           </p:cNvPr>
@@ -21251,7 +21437,7 @@
         </p:nvSpPr>
         <p:spPr>
           <a:xfrm>
-            <a:off x="478514" y="1478666"/>
+            <a:off x="658696" y="1568362"/>
             <a:ext cx="5705958" cy="416583"/>
           </a:xfrm>
           <a:prstGeom prst="rect">
@@ -21334,7 +21520,7 @@
           <p:cNvPr id="9" name="Rectangle 14">
             <a:extLst>
               <a:ext uri="{FF2B5EF4-FFF2-40B4-BE49-F238E27FC236}">
-                <a16:creationId xmlns="" xmlns:a16="http://schemas.microsoft.com/office/drawing/2014/main" id="{88C45C25-BF1B-4018-8A33-8F627F02D4A4}"/>
+                <a16:creationId xmlns:a16="http://schemas.microsoft.com/office/drawing/2014/main" xmlns="" id="{88C45C25-BF1B-4018-8A33-8F627F02D4A4}"/>
               </a:ext>
             </a:extLst>
           </p:cNvPr>
@@ -21343,7 +21529,7 @@
         </p:nvSpPr>
         <p:spPr>
           <a:xfrm>
-            <a:off x="478514" y="1895249"/>
+            <a:off x="658696" y="1984945"/>
             <a:ext cx="5705958" cy="416583"/>
           </a:xfrm>
           <a:prstGeom prst="rect">
@@ -21394,7 +21580,7 @@
           <p:cNvPr id="10" name="Rectangle 14">
             <a:extLst>
               <a:ext uri="{FF2B5EF4-FFF2-40B4-BE49-F238E27FC236}">
-                <a16:creationId xmlns="" xmlns:a16="http://schemas.microsoft.com/office/drawing/2014/main" id="{88C45C25-BF1B-4018-8A33-8F627F02D4A4}"/>
+                <a16:creationId xmlns:a16="http://schemas.microsoft.com/office/drawing/2014/main" xmlns="" id="{88C45C25-BF1B-4018-8A33-8F627F02D4A4}"/>
               </a:ext>
             </a:extLst>
           </p:cNvPr>
@@ -21403,7 +21589,7 @@
         </p:nvSpPr>
         <p:spPr>
           <a:xfrm>
-            <a:off x="478514" y="2311832"/>
+            <a:off x="658696" y="2401528"/>
             <a:ext cx="5705958" cy="416583"/>
           </a:xfrm>
           <a:prstGeom prst="rect">
@@ -21454,7 +21640,7 @@
           <p:cNvPr id="11" name="Rectangle 14">
             <a:extLst>
               <a:ext uri="{FF2B5EF4-FFF2-40B4-BE49-F238E27FC236}">
-                <a16:creationId xmlns="" xmlns:a16="http://schemas.microsoft.com/office/drawing/2014/main" id="{88C45C25-BF1B-4018-8A33-8F627F02D4A4}"/>
+                <a16:creationId xmlns:a16="http://schemas.microsoft.com/office/drawing/2014/main" xmlns="" id="{88C45C25-BF1B-4018-8A33-8F627F02D4A4}"/>
               </a:ext>
             </a:extLst>
           </p:cNvPr>
@@ -21463,7 +21649,7 @@
         </p:nvSpPr>
         <p:spPr>
           <a:xfrm>
-            <a:off x="478514" y="2728415"/>
+            <a:off x="658696" y="2818111"/>
             <a:ext cx="5705958" cy="416583"/>
           </a:xfrm>
           <a:prstGeom prst="rect">
@@ -21514,7 +21700,7 @@
           <p:cNvPr id="8" name="Table 12">
             <a:extLst>
               <a:ext uri="{FF2B5EF4-FFF2-40B4-BE49-F238E27FC236}">
-                <a16:creationId xmlns="" xmlns:a16="http://schemas.microsoft.com/office/drawing/2014/main" id="{9B0F7DF4-72A9-4AA6-A24C-EB98E6574144}"/>
+                <a16:creationId xmlns:a16="http://schemas.microsoft.com/office/drawing/2014/main" xmlns="" id="{9B0F7DF4-72A9-4AA6-A24C-EB98E6574144}"/>
               </a:ext>
             </a:extLst>
           </p:cNvPr>
@@ -21530,7 +21716,7 @@
           </p:nvPr>
         </p:nvGraphicFramePr>
         <p:xfrm>
-          <a:off x="2775323" y="697812"/>
+          <a:off x="2955505" y="787506"/>
           <a:ext cx="3336320" cy="2238280"/>
         </p:xfrm>
         <a:graphic>
@@ -21543,28 +21729,28 @@
                 <a:gridCol w="834080">
                   <a:extLst>
                     <a:ext uri="{9D8B030D-6E8A-4147-A177-3AD203B41FA5}">
-                      <a16:colId xmlns="" xmlns:a16="http://schemas.microsoft.com/office/drawing/2014/main" val="2514592082"/>
+                      <a16:colId xmlns:a16="http://schemas.microsoft.com/office/drawing/2014/main" xmlns="" val="2514592082"/>
                     </a:ext>
                   </a:extLst>
                 </a:gridCol>
                 <a:gridCol w="834080">
                   <a:extLst>
                     <a:ext uri="{9D8B030D-6E8A-4147-A177-3AD203B41FA5}">
-                      <a16:colId xmlns="" xmlns:a16="http://schemas.microsoft.com/office/drawing/2014/main" val="1972351707"/>
+                      <a16:colId xmlns:a16="http://schemas.microsoft.com/office/drawing/2014/main" xmlns="" val="1972351707"/>
                     </a:ext>
                   </a:extLst>
                 </a:gridCol>
                 <a:gridCol w="834080">
                   <a:extLst>
                     <a:ext uri="{9D8B030D-6E8A-4147-A177-3AD203B41FA5}">
-                      <a16:colId xmlns="" xmlns:a16="http://schemas.microsoft.com/office/drawing/2014/main" val="130078612"/>
+                      <a16:colId xmlns:a16="http://schemas.microsoft.com/office/drawing/2014/main" xmlns="" val="130078612"/>
                     </a:ext>
                   </a:extLst>
                 </a:gridCol>
                 <a:gridCol w="834080">
                   <a:extLst>
                     <a:ext uri="{9D8B030D-6E8A-4147-A177-3AD203B41FA5}">
-                      <a16:colId xmlns="" xmlns:a16="http://schemas.microsoft.com/office/drawing/2014/main" val="3594532491"/>
+                      <a16:colId xmlns:a16="http://schemas.microsoft.com/office/drawing/2014/main" xmlns="" val="3594532491"/>
                     </a:ext>
                   </a:extLst>
                 </a:gridCol>
@@ -21734,7 +21920,7 @@
                 </a:tc>
                 <a:extLst>
                   <a:ext uri="{0D108BD9-81ED-4DB2-BD59-A6C34878D82A}">
-                    <a16:rowId xmlns="" xmlns:a16="http://schemas.microsoft.com/office/drawing/2014/main" val="1648878484"/>
+                    <a16:rowId xmlns:a16="http://schemas.microsoft.com/office/drawing/2014/main" xmlns="" val="1648878484"/>
                   </a:ext>
                 </a:extLst>
               </a:tr>
@@ -21921,7 +22107,7 @@
                 </a:tc>
                 <a:extLst>
                   <a:ext uri="{0D108BD9-81ED-4DB2-BD59-A6C34878D82A}">
-                    <a16:rowId xmlns="" xmlns:a16="http://schemas.microsoft.com/office/drawing/2014/main" val="3110016024"/>
+                    <a16:rowId xmlns:a16="http://schemas.microsoft.com/office/drawing/2014/main" xmlns="" val="3110016024"/>
                   </a:ext>
                 </a:extLst>
               </a:tr>
@@ -22124,7 +22310,7 @@
                 </a:tc>
                 <a:extLst>
                   <a:ext uri="{0D108BD9-81ED-4DB2-BD59-A6C34878D82A}">
-                    <a16:rowId xmlns="" xmlns:a16="http://schemas.microsoft.com/office/drawing/2014/main" val="2530068117"/>
+                    <a16:rowId xmlns:a16="http://schemas.microsoft.com/office/drawing/2014/main" xmlns="" val="2530068117"/>
                   </a:ext>
                 </a:extLst>
               </a:tr>
@@ -22335,7 +22521,7 @@
                 </a:tc>
                 <a:extLst>
                   <a:ext uri="{0D108BD9-81ED-4DB2-BD59-A6C34878D82A}">
-                    <a16:rowId xmlns="" xmlns:a16="http://schemas.microsoft.com/office/drawing/2014/main" val="1712611614"/>
+                    <a16:rowId xmlns:a16="http://schemas.microsoft.com/office/drawing/2014/main" xmlns="" val="1712611614"/>
                   </a:ext>
                 </a:extLst>
               </a:tr>
@@ -22351,7 +22537,7 @@
         </p:nvSpPr>
         <p:spPr>
           <a:xfrm>
-            <a:off x="4249673" y="1895249"/>
+            <a:off x="4429855" y="1984945"/>
             <a:ext cx="230658" cy="254699"/>
           </a:xfrm>
           <a:prstGeom prst="mathPlus">
@@ -22435,7 +22621,7 @@
           <p:cNvPr id="2" name="Rectangle 1">
             <a:extLst>
               <a:ext uri="{FF2B5EF4-FFF2-40B4-BE49-F238E27FC236}">
-                <a16:creationId xmlns="" xmlns:a16="http://schemas.microsoft.com/office/drawing/2014/main" id="{4F38584F-66B2-464F-9BA7-6F9A856D602F}"/>
+                <a16:creationId xmlns:a16="http://schemas.microsoft.com/office/drawing/2014/main" xmlns="" id="{4F38584F-66B2-464F-9BA7-6F9A856D602F}"/>
               </a:ext>
             </a:extLst>
           </p:cNvPr>
@@ -22444,7 +22630,7 @@
         </p:nvSpPr>
         <p:spPr>
           <a:xfrm>
-            <a:off x="241539" y="126139"/>
+            <a:off x="421723" y="215833"/>
             <a:ext cx="6072995" cy="1663078"/>
           </a:xfrm>
           <a:prstGeom prst="rect">
@@ -22559,7 +22745,7 @@
           <p:cNvPr id="15" name="Rectangle 14">
             <a:extLst>
               <a:ext uri="{FF2B5EF4-FFF2-40B4-BE49-F238E27FC236}">
-                <a16:creationId xmlns="" xmlns:a16="http://schemas.microsoft.com/office/drawing/2014/main" id="{88C45C25-BF1B-4018-8A33-8F627F02D4A4}"/>
+                <a16:creationId xmlns:a16="http://schemas.microsoft.com/office/drawing/2014/main" xmlns="" id="{88C45C25-BF1B-4018-8A33-8F627F02D4A4}"/>
               </a:ext>
             </a:extLst>
           </p:cNvPr>
@@ -22568,7 +22754,7 @@
         </p:nvSpPr>
         <p:spPr>
           <a:xfrm>
-            <a:off x="357745" y="1789217"/>
+            <a:off x="537927" y="1878913"/>
             <a:ext cx="5705958" cy="416583"/>
           </a:xfrm>
           <a:prstGeom prst="rect">
@@ -22615,7 +22801,7 @@
               <a:t> </a:t>
             </a:r>
             <a:r>
-              <a:rPr lang="pt-BR" sz="2400" dirty="0" smtClean="0">
+              <a:rPr lang="pt-BR" sz="2400" dirty="0">
                 <a:ln w="0"/>
                 <a:solidFill>
                   <a:schemeClr val="bg1"/>
@@ -22651,7 +22837,7 @@
           <p:cNvPr id="9" name="Rectangle 14">
             <a:extLst>
               <a:ext uri="{FF2B5EF4-FFF2-40B4-BE49-F238E27FC236}">
-                <a16:creationId xmlns="" xmlns:a16="http://schemas.microsoft.com/office/drawing/2014/main" id="{88C45C25-BF1B-4018-8A33-8F627F02D4A4}"/>
+                <a16:creationId xmlns:a16="http://schemas.microsoft.com/office/drawing/2014/main" xmlns="" id="{88C45C25-BF1B-4018-8A33-8F627F02D4A4}"/>
               </a:ext>
             </a:extLst>
           </p:cNvPr>
@@ -22660,7 +22846,7 @@
         </p:nvSpPr>
         <p:spPr>
           <a:xfrm>
-            <a:off x="357745" y="2205800"/>
+            <a:off x="537927" y="2295496"/>
             <a:ext cx="5705958" cy="416583"/>
           </a:xfrm>
           <a:prstGeom prst="rect">
@@ -22707,7 +22893,7 @@
               <a:t> </a:t>
             </a:r>
             <a:r>
-              <a:rPr lang="pt-BR" sz="2400" dirty="0" smtClean="0">
+              <a:rPr lang="pt-BR" sz="2400" dirty="0">
                 <a:ln w="0"/>
                 <a:solidFill>
                   <a:schemeClr val="bg1"/>
@@ -22743,7 +22929,7 @@
           <p:cNvPr id="10" name="Rectangle 14">
             <a:extLst>
               <a:ext uri="{FF2B5EF4-FFF2-40B4-BE49-F238E27FC236}">
-                <a16:creationId xmlns="" xmlns:a16="http://schemas.microsoft.com/office/drawing/2014/main" id="{88C45C25-BF1B-4018-8A33-8F627F02D4A4}"/>
+                <a16:creationId xmlns:a16="http://schemas.microsoft.com/office/drawing/2014/main" xmlns="" id="{88C45C25-BF1B-4018-8A33-8F627F02D4A4}"/>
               </a:ext>
             </a:extLst>
           </p:cNvPr>
@@ -22752,7 +22938,7 @@
         </p:nvSpPr>
         <p:spPr>
           <a:xfrm>
-            <a:off x="357745" y="2622383"/>
+            <a:off x="537927" y="2712079"/>
             <a:ext cx="5705958" cy="416583"/>
           </a:xfrm>
           <a:prstGeom prst="rect">
@@ -22799,7 +22985,7 @@
               <a:t> </a:t>
             </a:r>
             <a:r>
-              <a:rPr lang="pt-BR" sz="2400" dirty="0" smtClean="0">
+              <a:rPr lang="pt-BR" sz="2400" dirty="0">
                 <a:ln w="0"/>
                 <a:solidFill>
                   <a:schemeClr val="bg1"/>
@@ -22835,7 +23021,7 @@
           <p:cNvPr id="11" name="Rectangle 14">
             <a:extLst>
               <a:ext uri="{FF2B5EF4-FFF2-40B4-BE49-F238E27FC236}">
-                <a16:creationId xmlns="" xmlns:a16="http://schemas.microsoft.com/office/drawing/2014/main" id="{88C45C25-BF1B-4018-8A33-8F627F02D4A4}"/>
+                <a16:creationId xmlns:a16="http://schemas.microsoft.com/office/drawing/2014/main" xmlns="" id="{88C45C25-BF1B-4018-8A33-8F627F02D4A4}"/>
               </a:ext>
             </a:extLst>
           </p:cNvPr>
@@ -22844,7 +23030,7 @@
         </p:nvSpPr>
         <p:spPr>
           <a:xfrm>
-            <a:off x="357745" y="3038966"/>
+            <a:off x="537927" y="3128662"/>
             <a:ext cx="5705958" cy="416583"/>
           </a:xfrm>
           <a:prstGeom prst="rect">
@@ -22891,7 +23077,7 @@
               <a:t> </a:t>
             </a:r>
             <a:r>
-              <a:rPr lang="pt-BR" sz="2400" dirty="0" smtClean="0">
+              <a:rPr lang="pt-BR" sz="2400" dirty="0">
                 <a:ln w="0"/>
                 <a:solidFill>
                   <a:schemeClr val="bg1"/>
@@ -22971,7 +23157,7 @@
           <p:cNvPr id="2" name="Rectangle 1">
             <a:extLst>
               <a:ext uri="{FF2B5EF4-FFF2-40B4-BE49-F238E27FC236}">
-                <a16:creationId xmlns="" xmlns:a16="http://schemas.microsoft.com/office/drawing/2014/main" id="{4F38584F-66B2-464F-9BA7-6F9A856D602F}"/>
+                <a16:creationId xmlns:a16="http://schemas.microsoft.com/office/drawing/2014/main" xmlns="" id="{4F38584F-66B2-464F-9BA7-6F9A856D602F}"/>
               </a:ext>
             </a:extLst>
           </p:cNvPr>
@@ -22980,7 +23166,7 @@
         </p:nvSpPr>
         <p:spPr>
           <a:xfrm>
-            <a:off x="241539" y="126139"/>
+            <a:off x="421723" y="215833"/>
             <a:ext cx="6072995" cy="1663078"/>
           </a:xfrm>
           <a:prstGeom prst="rect">
@@ -23095,7 +23281,7 @@
           <p:cNvPr id="15" name="Rectangle 14">
             <a:extLst>
               <a:ext uri="{FF2B5EF4-FFF2-40B4-BE49-F238E27FC236}">
-                <a16:creationId xmlns="" xmlns:a16="http://schemas.microsoft.com/office/drawing/2014/main" id="{88C45C25-BF1B-4018-8A33-8F627F02D4A4}"/>
+                <a16:creationId xmlns:a16="http://schemas.microsoft.com/office/drawing/2014/main" xmlns="" id="{88C45C25-BF1B-4018-8A33-8F627F02D4A4}"/>
               </a:ext>
             </a:extLst>
           </p:cNvPr>
@@ -23104,7 +23290,7 @@
         </p:nvSpPr>
         <p:spPr>
           <a:xfrm>
-            <a:off x="357745" y="1789217"/>
+            <a:off x="537927" y="1878913"/>
             <a:ext cx="5705958" cy="416583"/>
           </a:xfrm>
           <a:prstGeom prst="rect">
@@ -23135,7 +23321,7 @@
               <a:t>A</a:t>
             </a:r>
             <a:r>
-              <a:rPr lang="pt-BR" sz="2400" b="1" dirty="0" smtClean="0">
+              <a:rPr lang="pt-BR" sz="2400" b="1" dirty="0">
                 <a:ln w="0"/>
                 <a:solidFill>
                   <a:srgbClr val="FFFF00"/>
@@ -23171,7 +23357,7 @@
           <p:cNvPr id="9" name="Rectangle 14">
             <a:extLst>
               <a:ext uri="{FF2B5EF4-FFF2-40B4-BE49-F238E27FC236}">
-                <a16:creationId xmlns="" xmlns:a16="http://schemas.microsoft.com/office/drawing/2014/main" id="{88C45C25-BF1B-4018-8A33-8F627F02D4A4}"/>
+                <a16:creationId xmlns:a16="http://schemas.microsoft.com/office/drawing/2014/main" xmlns="" id="{88C45C25-BF1B-4018-8A33-8F627F02D4A4}"/>
               </a:ext>
             </a:extLst>
           </p:cNvPr>
@@ -23180,7 +23366,7 @@
         </p:nvSpPr>
         <p:spPr>
           <a:xfrm>
-            <a:off x="357745" y="2205800"/>
+            <a:off x="537927" y="2295496"/>
             <a:ext cx="5705958" cy="416583"/>
           </a:xfrm>
           <a:prstGeom prst="rect">
@@ -23211,7 +23397,7 @@
               <a:t>B</a:t>
             </a:r>
             <a:r>
-              <a:rPr lang="pt-BR" sz="2400" b="1" dirty="0" smtClean="0">
+              <a:rPr lang="pt-BR" sz="2400" b="1" dirty="0">
                 <a:ln w="0"/>
                 <a:solidFill>
                   <a:srgbClr val="FFFF00"/>
@@ -23247,7 +23433,7 @@
           <p:cNvPr id="10" name="Rectangle 14">
             <a:extLst>
               <a:ext uri="{FF2B5EF4-FFF2-40B4-BE49-F238E27FC236}">
-                <a16:creationId xmlns="" xmlns:a16="http://schemas.microsoft.com/office/drawing/2014/main" id="{88C45C25-BF1B-4018-8A33-8F627F02D4A4}"/>
+                <a16:creationId xmlns:a16="http://schemas.microsoft.com/office/drawing/2014/main" xmlns="" id="{88C45C25-BF1B-4018-8A33-8F627F02D4A4}"/>
               </a:ext>
             </a:extLst>
           </p:cNvPr>
@@ -23256,7 +23442,7 @@
         </p:nvSpPr>
         <p:spPr>
           <a:xfrm>
-            <a:off x="357745" y="2622383"/>
+            <a:off x="537927" y="2712079"/>
             <a:ext cx="5705958" cy="416583"/>
           </a:xfrm>
           <a:prstGeom prst="rect">
@@ -23303,7 +23489,7 @@
               <a:t> </a:t>
             </a:r>
             <a:r>
-              <a:rPr lang="pt-BR" sz="2400" dirty="0" smtClean="0">
+              <a:rPr lang="pt-BR" sz="2400" dirty="0">
                 <a:ln w="0"/>
                 <a:solidFill>
                   <a:schemeClr val="bg1"/>
@@ -23339,7 +23525,7 @@
           <p:cNvPr id="11" name="Rectangle 14">
             <a:extLst>
               <a:ext uri="{FF2B5EF4-FFF2-40B4-BE49-F238E27FC236}">
-                <a16:creationId xmlns="" xmlns:a16="http://schemas.microsoft.com/office/drawing/2014/main" id="{88C45C25-BF1B-4018-8A33-8F627F02D4A4}"/>
+                <a16:creationId xmlns:a16="http://schemas.microsoft.com/office/drawing/2014/main" xmlns="" id="{88C45C25-BF1B-4018-8A33-8F627F02D4A4}"/>
               </a:ext>
             </a:extLst>
           </p:cNvPr>
@@ -23348,7 +23534,7 @@
         </p:nvSpPr>
         <p:spPr>
           <a:xfrm>
-            <a:off x="357745" y="3038966"/>
+            <a:off x="537927" y="3128662"/>
             <a:ext cx="5705958" cy="416583"/>
           </a:xfrm>
           <a:prstGeom prst="rect">
@@ -23379,7 +23565,7 @@
               <a:t>D</a:t>
             </a:r>
             <a:r>
-              <a:rPr lang="pt-BR" sz="2400" b="1" dirty="0" smtClean="0">
+              <a:rPr lang="pt-BR" sz="2400" b="1" dirty="0">
                 <a:ln w="0"/>
                 <a:solidFill>
                   <a:srgbClr val="FFFF00"/>
@@ -23459,7 +23645,7 @@
           <p:cNvPr id="2" name="Rectangle 1">
             <a:extLst>
               <a:ext uri="{FF2B5EF4-FFF2-40B4-BE49-F238E27FC236}">
-                <a16:creationId xmlns="" xmlns:a16="http://schemas.microsoft.com/office/drawing/2014/main" id="{4F38584F-66B2-464F-9BA7-6F9A856D602F}"/>
+                <a16:creationId xmlns:a16="http://schemas.microsoft.com/office/drawing/2014/main" xmlns="" id="{4F38584F-66B2-464F-9BA7-6F9A856D602F}"/>
               </a:ext>
             </a:extLst>
           </p:cNvPr>
@@ -23468,7 +23654,7 @@
         </p:nvSpPr>
         <p:spPr>
           <a:xfrm>
-            <a:off x="241539" y="126139"/>
+            <a:off x="421723" y="215833"/>
             <a:ext cx="6072995" cy="1740022"/>
           </a:xfrm>
           <a:prstGeom prst="rect">
@@ -23519,7 +23705,7 @@
           <p:cNvPr id="15" name="Rectangle 14">
             <a:extLst>
               <a:ext uri="{FF2B5EF4-FFF2-40B4-BE49-F238E27FC236}">
-                <a16:creationId xmlns="" xmlns:a16="http://schemas.microsoft.com/office/drawing/2014/main" id="{88C45C25-BF1B-4018-8A33-8F627F02D4A4}"/>
+                <a16:creationId xmlns:a16="http://schemas.microsoft.com/office/drawing/2014/main" xmlns="" id="{88C45C25-BF1B-4018-8A33-8F627F02D4A4}"/>
               </a:ext>
             </a:extLst>
           </p:cNvPr>
@@ -23528,7 +23714,7 @@
         </p:nvSpPr>
         <p:spPr>
           <a:xfrm>
-            <a:off x="357745" y="1789217"/>
+            <a:off x="537927" y="1878913"/>
             <a:ext cx="5705958" cy="416583"/>
           </a:xfrm>
           <a:prstGeom prst="rect">
@@ -23556,23 +23742,7 @@
                   </a:outerShdw>
                 </a:effectLst>
               </a:rPr>
-              <a:t>A</a:t>
-            </a:r>
-            <a:r>
-              <a:rPr lang="pt-BR" sz="2400" b="1" dirty="0">
-                <a:ln w="0"/>
-                <a:solidFill>
-                  <a:srgbClr val="FFFF00"/>
-                </a:solidFill>
-                <a:effectLst>
-                  <a:outerShdw blurRad="38100" dist="19050" dir="2700000" algn="tl" rotWithShape="0">
-                    <a:schemeClr val="dk1">
-                      <a:alpha val="40000"/>
-                    </a:schemeClr>
-                  </a:outerShdw>
-                </a:effectLst>
-              </a:rPr>
-              <a:t>) </a:t>
+              <a:t>A) </a:t>
             </a:r>
             <a:r>
               <a:rPr lang="pt-BR" sz="2200" i="1" dirty="0">
@@ -23611,7 +23781,7 @@
           <p:cNvPr id="9" name="Rectangle 14">
             <a:extLst>
               <a:ext uri="{FF2B5EF4-FFF2-40B4-BE49-F238E27FC236}">
-                <a16:creationId xmlns="" xmlns:a16="http://schemas.microsoft.com/office/drawing/2014/main" id="{88C45C25-BF1B-4018-8A33-8F627F02D4A4}"/>
+                <a16:creationId xmlns:a16="http://schemas.microsoft.com/office/drawing/2014/main" xmlns="" id="{88C45C25-BF1B-4018-8A33-8F627F02D4A4}"/>
               </a:ext>
             </a:extLst>
           </p:cNvPr>
@@ -23620,7 +23790,7 @@
         </p:nvSpPr>
         <p:spPr>
           <a:xfrm>
-            <a:off x="357745" y="2205800"/>
+            <a:off x="537927" y="2295496"/>
             <a:ext cx="5705958" cy="416583"/>
           </a:xfrm>
           <a:prstGeom prst="rect">
@@ -23635,7 +23805,7 @@
           <a:lstStyle/>
           <a:p>
             <a:r>
-              <a:rPr lang="pt-BR" sz="2400" b="1" dirty="0" smtClean="0">
+              <a:rPr lang="pt-BR" sz="2400" b="1" dirty="0">
                 <a:ln w="0"/>
                 <a:solidFill>
                   <a:srgbClr val="FFFF00"/>
@@ -23651,7 +23821,7 @@
               <a:t>B) </a:t>
             </a:r>
             <a:r>
-              <a:rPr lang="pt-BR" sz="2400" i="1" dirty="0" smtClean="0">
+              <a:rPr lang="pt-BR" sz="2400" i="1" dirty="0">
                 <a:ln w="0"/>
                 <a:solidFill>
                   <a:schemeClr val="bg1"/>
@@ -23687,7 +23857,7 @@
           <p:cNvPr id="10" name="Rectangle 14">
             <a:extLst>
               <a:ext uri="{FF2B5EF4-FFF2-40B4-BE49-F238E27FC236}">
-                <a16:creationId xmlns="" xmlns:a16="http://schemas.microsoft.com/office/drawing/2014/main" id="{88C45C25-BF1B-4018-8A33-8F627F02D4A4}"/>
+                <a16:creationId xmlns:a16="http://schemas.microsoft.com/office/drawing/2014/main" xmlns="" id="{88C45C25-BF1B-4018-8A33-8F627F02D4A4}"/>
               </a:ext>
             </a:extLst>
           </p:cNvPr>
@@ -23696,7 +23866,7 @@
         </p:nvSpPr>
         <p:spPr>
           <a:xfrm>
-            <a:off x="357745" y="2622383"/>
+            <a:off x="537927" y="2712079"/>
             <a:ext cx="5705958" cy="416583"/>
           </a:xfrm>
           <a:prstGeom prst="rect">
@@ -23727,7 +23897,7 @@
               <a:t>C</a:t>
             </a:r>
             <a:r>
-              <a:rPr lang="pt-BR" sz="2400" b="1" dirty="0" smtClean="0">
+              <a:rPr lang="pt-BR" sz="2400" b="1" dirty="0">
                 <a:ln w="0"/>
                 <a:solidFill>
                   <a:srgbClr val="FFFF00"/>
@@ -23743,7 +23913,7 @@
               <a:t>) </a:t>
             </a:r>
             <a:r>
-              <a:rPr lang="pt-BR" sz="2400" i="1" dirty="0" smtClean="0">
+              <a:rPr lang="pt-BR" sz="2400" i="1" dirty="0">
                 <a:ln w="0"/>
                 <a:solidFill>
                   <a:schemeClr val="bg1"/>
@@ -23779,7 +23949,7 @@
           <p:cNvPr id="11" name="Rectangle 14">
             <a:extLst>
               <a:ext uri="{FF2B5EF4-FFF2-40B4-BE49-F238E27FC236}">
-                <a16:creationId xmlns="" xmlns:a16="http://schemas.microsoft.com/office/drawing/2014/main" id="{88C45C25-BF1B-4018-8A33-8F627F02D4A4}"/>
+                <a16:creationId xmlns:a16="http://schemas.microsoft.com/office/drawing/2014/main" xmlns="" id="{88C45C25-BF1B-4018-8A33-8F627F02D4A4}"/>
               </a:ext>
             </a:extLst>
           </p:cNvPr>
@@ -23788,7 +23958,7 @@
         </p:nvSpPr>
         <p:spPr>
           <a:xfrm>
-            <a:off x="357745" y="3038966"/>
+            <a:off x="537927" y="3128662"/>
             <a:ext cx="5705958" cy="416583"/>
           </a:xfrm>
           <a:prstGeom prst="rect">
@@ -23819,7 +23989,7 @@
               <a:t>D</a:t>
             </a:r>
             <a:r>
-              <a:rPr lang="pt-BR" sz="2400" b="1" dirty="0" smtClean="0">
+              <a:rPr lang="pt-BR" sz="2400" b="1" dirty="0">
                 <a:ln w="0"/>
                 <a:solidFill>
                   <a:srgbClr val="FFFF00"/>
@@ -23835,7 +24005,7 @@
               <a:t>) </a:t>
             </a:r>
             <a:r>
-              <a:rPr lang="pt-BR" sz="2400" i="1" dirty="0" smtClean="0">
+              <a:rPr lang="pt-BR" sz="2400" i="1" dirty="0">
                 <a:ln w="0"/>
                 <a:solidFill>
                   <a:schemeClr val="bg1"/>
@@ -23915,7 +24085,7 @@
           <p:cNvPr id="2" name="Rectangle 1">
             <a:extLst>
               <a:ext uri="{FF2B5EF4-FFF2-40B4-BE49-F238E27FC236}">
-                <a16:creationId xmlns="" xmlns:a16="http://schemas.microsoft.com/office/drawing/2014/main" id="{4F38584F-66B2-464F-9BA7-6F9A856D602F}"/>
+                <a16:creationId xmlns:a16="http://schemas.microsoft.com/office/drawing/2014/main" xmlns="" id="{4F38584F-66B2-464F-9BA7-6F9A856D602F}"/>
               </a:ext>
             </a:extLst>
           </p:cNvPr>
@@ -23924,7 +24094,7 @@
         </p:nvSpPr>
         <p:spPr>
           <a:xfrm>
-            <a:off x="241539" y="126139"/>
+            <a:off x="421723" y="215833"/>
             <a:ext cx="6072995" cy="1740022"/>
           </a:xfrm>
           <a:prstGeom prst="rect">
@@ -23975,7 +24145,7 @@
           <p:cNvPr id="15" name="Rectangle 14">
             <a:extLst>
               <a:ext uri="{FF2B5EF4-FFF2-40B4-BE49-F238E27FC236}">
-                <a16:creationId xmlns="" xmlns:a16="http://schemas.microsoft.com/office/drawing/2014/main" id="{88C45C25-BF1B-4018-8A33-8F627F02D4A4}"/>
+                <a16:creationId xmlns:a16="http://schemas.microsoft.com/office/drawing/2014/main" xmlns="" id="{88C45C25-BF1B-4018-8A33-8F627F02D4A4}"/>
               </a:ext>
             </a:extLst>
           </p:cNvPr>
@@ -23984,7 +24154,7 @@
         </p:nvSpPr>
         <p:spPr>
           <a:xfrm>
-            <a:off x="241539" y="2267781"/>
+            <a:off x="421721" y="2357477"/>
             <a:ext cx="5705958" cy="416583"/>
           </a:xfrm>
           <a:prstGeom prst="rect">
@@ -24012,23 +24182,7 @@
                   </a:outerShdw>
                 </a:effectLst>
               </a:rPr>
-              <a:t>A</a:t>
-            </a:r>
-            <a:r>
-              <a:rPr lang="pt-BR" sz="2400" b="1" dirty="0">
-                <a:ln w="0"/>
-                <a:solidFill>
-                  <a:srgbClr val="FFFF00"/>
-                </a:solidFill>
-                <a:effectLst>
-                  <a:outerShdw blurRad="38100" dist="19050" dir="2700000" algn="tl" rotWithShape="0">
-                    <a:schemeClr val="dk1">
-                      <a:alpha val="40000"/>
-                    </a:schemeClr>
-                  </a:outerShdw>
-                </a:effectLst>
-              </a:rPr>
-              <a:t>) </a:t>
+              <a:t>A) </a:t>
             </a:r>
             <a:r>
               <a:rPr lang="pt-BR" sz="2200" i="1" dirty="0">
@@ -24111,7 +24265,7 @@
           <p:cNvPr id="2" name="Rectangle 1">
             <a:extLst>
               <a:ext uri="{FF2B5EF4-FFF2-40B4-BE49-F238E27FC236}">
-                <a16:creationId xmlns="" xmlns:a16="http://schemas.microsoft.com/office/drawing/2014/main" id="{4F38584F-66B2-464F-9BA7-6F9A856D602F}"/>
+                <a16:creationId xmlns:a16="http://schemas.microsoft.com/office/drawing/2014/main" xmlns="" id="{4F38584F-66B2-464F-9BA7-6F9A856D602F}"/>
               </a:ext>
             </a:extLst>
           </p:cNvPr>
@@ -24120,7 +24274,7 @@
         </p:nvSpPr>
         <p:spPr>
           <a:xfrm>
-            <a:off x="275723" y="168868"/>
+            <a:off x="455907" y="258562"/>
             <a:ext cx="6072995" cy="1924688"/>
           </a:xfrm>
           <a:prstGeom prst="rect">
@@ -24173,7 +24327,7 @@
           <p:cNvPr id="15" name="Rectangle 14">
             <a:extLst>
               <a:ext uri="{FF2B5EF4-FFF2-40B4-BE49-F238E27FC236}">
-                <a16:creationId xmlns="" xmlns:a16="http://schemas.microsoft.com/office/drawing/2014/main" id="{88C45C25-BF1B-4018-8A33-8F627F02D4A4}"/>
+                <a16:creationId xmlns:a16="http://schemas.microsoft.com/office/drawing/2014/main" xmlns="" id="{88C45C25-BF1B-4018-8A33-8F627F02D4A4}"/>
               </a:ext>
             </a:extLst>
           </p:cNvPr>
@@ -24182,7 +24336,7 @@
         </p:nvSpPr>
         <p:spPr>
           <a:xfrm>
-            <a:off x="357745" y="1789217"/>
+            <a:off x="537927" y="1878913"/>
             <a:ext cx="5705958" cy="416583"/>
           </a:xfrm>
           <a:prstGeom prst="rect">
@@ -24197,7 +24351,7 @@
           <a:lstStyle/>
           <a:p>
             <a:r>
-              <a:rPr lang="pt-BR" sz="2400" b="1" dirty="0" smtClean="0">
+              <a:rPr lang="pt-BR" sz="2400" b="1" dirty="0">
                 <a:ln w="0"/>
                 <a:solidFill>
                   <a:srgbClr val="FFFF00"/>
@@ -24210,26 +24364,10 @@
                   </a:outerShdw>
                 </a:effectLst>
               </a:rPr>
-              <a:t>A</a:t>
-            </a:r>
-            <a:r>
-              <a:rPr lang="pt-BR" sz="2400" b="1" dirty="0" smtClean="0">
-                <a:ln w="0"/>
-                <a:solidFill>
-                  <a:srgbClr val="FFFF00"/>
-                </a:solidFill>
-                <a:effectLst>
-                  <a:outerShdw blurRad="38100" dist="19050" dir="2700000" algn="tl" rotWithShape="0">
-                    <a:schemeClr val="dk1">
-                      <a:alpha val="40000"/>
-                    </a:schemeClr>
-                  </a:outerShdw>
-                </a:effectLst>
-              </a:rPr>
-              <a:t>) </a:t>
-            </a:r>
-            <a:r>
-              <a:rPr lang="pt-BR" sz="2400" i="1" dirty="0" smtClean="0">
+              <a:t>A) </a:t>
+            </a:r>
+            <a:r>
+              <a:rPr lang="pt-BR" sz="2400" i="1" dirty="0">
                 <a:ln w="0"/>
                 <a:solidFill>
                   <a:schemeClr val="bg1"/>
@@ -24265,7 +24403,7 @@
           <p:cNvPr id="9" name="Rectangle 14">
             <a:extLst>
               <a:ext uri="{FF2B5EF4-FFF2-40B4-BE49-F238E27FC236}">
-                <a16:creationId xmlns="" xmlns:a16="http://schemas.microsoft.com/office/drawing/2014/main" id="{88C45C25-BF1B-4018-8A33-8F627F02D4A4}"/>
+                <a16:creationId xmlns:a16="http://schemas.microsoft.com/office/drawing/2014/main" xmlns="" id="{88C45C25-BF1B-4018-8A33-8F627F02D4A4}"/>
               </a:ext>
             </a:extLst>
           </p:cNvPr>
@@ -24274,7 +24412,7 @@
         </p:nvSpPr>
         <p:spPr>
           <a:xfrm>
-            <a:off x="357745" y="2205800"/>
+            <a:off x="537927" y="2295496"/>
             <a:ext cx="5705958" cy="416583"/>
           </a:xfrm>
           <a:prstGeom prst="rect">
@@ -24289,7 +24427,7 @@
           <a:lstStyle/>
           <a:p>
             <a:r>
-              <a:rPr lang="pt-BR" sz="2400" b="1" dirty="0" smtClean="0">
+              <a:rPr lang="pt-BR" sz="2400" b="1" dirty="0">
                 <a:ln w="0"/>
                 <a:solidFill>
                   <a:srgbClr val="FFFF00"/>
@@ -24305,7 +24443,7 @@
               <a:t>B) </a:t>
             </a:r>
             <a:r>
-              <a:rPr lang="pt-BR" sz="2400" i="1" dirty="0" smtClean="0">
+              <a:rPr lang="pt-BR" sz="2400" i="1" dirty="0">
                 <a:ln w="0"/>
                 <a:solidFill>
                   <a:schemeClr val="bg1"/>
@@ -24341,7 +24479,7 @@
           <p:cNvPr id="10" name="Rectangle 14">
             <a:extLst>
               <a:ext uri="{FF2B5EF4-FFF2-40B4-BE49-F238E27FC236}">
-                <a16:creationId xmlns="" xmlns:a16="http://schemas.microsoft.com/office/drawing/2014/main" id="{88C45C25-BF1B-4018-8A33-8F627F02D4A4}"/>
+                <a16:creationId xmlns:a16="http://schemas.microsoft.com/office/drawing/2014/main" xmlns="" id="{88C45C25-BF1B-4018-8A33-8F627F02D4A4}"/>
               </a:ext>
             </a:extLst>
           </p:cNvPr>
@@ -24350,7 +24488,7 @@
         </p:nvSpPr>
         <p:spPr>
           <a:xfrm>
-            <a:off x="357745" y="2622383"/>
+            <a:off x="537927" y="2712079"/>
             <a:ext cx="5705958" cy="785915"/>
           </a:xfrm>
           <a:prstGeom prst="rect">
@@ -24381,7 +24519,7 @@
               <a:t>C</a:t>
             </a:r>
             <a:r>
-              <a:rPr lang="pt-BR" sz="2400" b="1" dirty="0" smtClean="0">
+              <a:rPr lang="pt-BR" sz="2400" b="1" dirty="0">
                 <a:ln w="0"/>
                 <a:solidFill>
                   <a:srgbClr val="FFFF00"/>
@@ -24413,7 +24551,7 @@
               <a:t> </a:t>
             </a:r>
             <a:r>
-              <a:rPr lang="pt-BR" sz="2400" i="1" dirty="0" smtClean="0">
+              <a:rPr lang="pt-BR" sz="2400" i="1" dirty="0">
                 <a:ln w="0"/>
                 <a:solidFill>
                   <a:schemeClr val="bg1"/>
@@ -24480,7 +24618,7 @@
           <p:cNvPr id="11" name="Rectangle 14">
             <a:extLst>
               <a:ext uri="{FF2B5EF4-FFF2-40B4-BE49-F238E27FC236}">
-                <a16:creationId xmlns="" xmlns:a16="http://schemas.microsoft.com/office/drawing/2014/main" id="{88C45C25-BF1B-4018-8A33-8F627F02D4A4}"/>
+                <a16:creationId xmlns:a16="http://schemas.microsoft.com/office/drawing/2014/main" xmlns="" id="{88C45C25-BF1B-4018-8A33-8F627F02D4A4}"/>
               </a:ext>
             </a:extLst>
           </p:cNvPr>
@@ -24489,7 +24627,7 @@
         </p:nvSpPr>
         <p:spPr>
           <a:xfrm>
-            <a:off x="357745" y="3038966"/>
+            <a:off x="537927" y="3128662"/>
             <a:ext cx="5705958" cy="785915"/>
           </a:xfrm>
           <a:prstGeom prst="rect">
@@ -24520,7 +24658,7 @@
               <a:t>D</a:t>
             </a:r>
             <a:r>
-              <a:rPr lang="pt-BR" sz="2400" b="1" dirty="0" smtClean="0">
+              <a:rPr lang="pt-BR" sz="2400" b="1" dirty="0">
                 <a:ln w="0"/>
                 <a:solidFill>
                   <a:srgbClr val="FFFF00"/>
@@ -24536,7 +24674,7 @@
               <a:t>) </a:t>
             </a:r>
             <a:r>
-              <a:rPr lang="pt-BR" sz="2400" i="1" dirty="0" smtClean="0">
+              <a:rPr lang="pt-BR" sz="2400" i="1" dirty="0">
                 <a:ln w="0"/>
                 <a:solidFill>
                   <a:schemeClr val="bg1"/>
@@ -24647,7 +24785,7 @@
           <p:cNvPr id="2" name="Rectangle 1">
             <a:extLst>
               <a:ext uri="{FF2B5EF4-FFF2-40B4-BE49-F238E27FC236}">
-                <a16:creationId xmlns="" xmlns:a16="http://schemas.microsoft.com/office/drawing/2014/main" id="{4F38584F-66B2-464F-9BA7-6F9A856D602F}"/>
+                <a16:creationId xmlns:a16="http://schemas.microsoft.com/office/drawing/2014/main" xmlns="" id="{4F38584F-66B2-464F-9BA7-6F9A856D602F}"/>
               </a:ext>
             </a:extLst>
           </p:cNvPr>
@@ -24656,7 +24794,7 @@
         </p:nvSpPr>
         <p:spPr>
           <a:xfrm>
-            <a:off x="275723" y="168868"/>
+            <a:off x="455907" y="258562"/>
             <a:ext cx="6072995" cy="1924688"/>
           </a:xfrm>
           <a:prstGeom prst="rect">
@@ -24709,7 +24847,7 @@
           <p:cNvPr id="10" name="Rectangle 14">
             <a:extLst>
               <a:ext uri="{FF2B5EF4-FFF2-40B4-BE49-F238E27FC236}">
-                <a16:creationId xmlns="" xmlns:a16="http://schemas.microsoft.com/office/drawing/2014/main" id="{88C45C25-BF1B-4018-8A33-8F627F02D4A4}"/>
+                <a16:creationId xmlns:a16="http://schemas.microsoft.com/office/drawing/2014/main" xmlns="" id="{88C45C25-BF1B-4018-8A33-8F627F02D4A4}"/>
               </a:ext>
             </a:extLst>
           </p:cNvPr>
@@ -24718,7 +24856,7 @@
         </p:nvSpPr>
         <p:spPr>
           <a:xfrm>
-            <a:off x="357745" y="2229425"/>
+            <a:off x="537927" y="2319121"/>
             <a:ext cx="5705958" cy="785915"/>
           </a:xfrm>
           <a:prstGeom prst="rect">
@@ -24733,7 +24871,7 @@
           <a:lstStyle/>
           <a:p>
             <a:r>
-              <a:rPr lang="pt-BR" sz="2400" b="1" dirty="0" smtClean="0">
+              <a:rPr lang="pt-BR" sz="2400" b="1" dirty="0">
                 <a:ln w="0"/>
                 <a:solidFill>
                   <a:srgbClr val="FFFF00"/>
@@ -24749,7 +24887,7 @@
               <a:t>C)</a:t>
             </a:r>
             <a:r>
-              <a:rPr lang="pt-BR" sz="2400" i="1" dirty="0" smtClean="0">
+              <a:rPr lang="pt-BR" sz="2400" i="1" dirty="0">
                 <a:ln w="0"/>
                 <a:solidFill>
                   <a:schemeClr val="bg1"/>
@@ -24764,7 +24902,7 @@
               </a:rPr>
               <a:t> 8578 metros</a:t>
             </a:r>
-            <a:endParaRPr lang="en-US" sz="2400" i="1" dirty="0" smtClean="0">
+            <a:endParaRPr lang="en-US" sz="2400" i="1" dirty="0">
               <a:ln w="0"/>
               <a:solidFill>
                 <a:schemeClr val="bg1"/>
@@ -24844,7 +24982,7 @@
           <p:cNvPr id="2" name="Rectangle 1">
             <a:extLst>
               <a:ext uri="{FF2B5EF4-FFF2-40B4-BE49-F238E27FC236}">
-                <a16:creationId xmlns="" xmlns:a16="http://schemas.microsoft.com/office/drawing/2014/main" id="{4F38584F-66B2-464F-9BA7-6F9A856D602F}"/>
+                <a16:creationId xmlns:a16="http://schemas.microsoft.com/office/drawing/2014/main" xmlns="" id="{4F38584F-66B2-464F-9BA7-6F9A856D602F}"/>
               </a:ext>
             </a:extLst>
           </p:cNvPr>
@@ -24853,7 +24991,7 @@
         </p:nvSpPr>
         <p:spPr>
           <a:xfrm>
-            <a:off x="275723" y="168868"/>
+            <a:off x="455907" y="258562"/>
             <a:ext cx="6072995" cy="662804"/>
           </a:xfrm>
           <a:prstGeom prst="rect">
@@ -24904,7 +25042,7 @@
           <p:cNvPr id="15" name="Rectangle 14">
             <a:extLst>
               <a:ext uri="{FF2B5EF4-FFF2-40B4-BE49-F238E27FC236}">
-                <a16:creationId xmlns="" xmlns:a16="http://schemas.microsoft.com/office/drawing/2014/main" id="{88C45C25-BF1B-4018-8A33-8F627F02D4A4}"/>
+                <a16:creationId xmlns:a16="http://schemas.microsoft.com/office/drawing/2014/main" xmlns="" id="{88C45C25-BF1B-4018-8A33-8F627F02D4A4}"/>
               </a:ext>
             </a:extLst>
           </p:cNvPr>
@@ -24913,7 +25051,7 @@
         </p:nvSpPr>
         <p:spPr>
           <a:xfrm>
-            <a:off x="275723" y="893861"/>
+            <a:off x="455905" y="983555"/>
             <a:ext cx="5705958" cy="662804"/>
           </a:xfrm>
           <a:prstGeom prst="rect">
@@ -24928,7 +25066,7 @@
           <a:lstStyle/>
           <a:p>
             <a:r>
-              <a:rPr lang="pt-BR" sz="2400" b="1" dirty="0" smtClean="0">
+              <a:rPr lang="pt-BR" sz="2400" b="1" dirty="0">
                 <a:ln w="0"/>
                 <a:solidFill>
                   <a:srgbClr val="FFFF00"/>
@@ -24941,23 +25079,7 @@
                   </a:outerShdw>
                 </a:effectLst>
               </a:rPr>
-              <a:t>A</a:t>
-            </a:r>
-            <a:r>
-              <a:rPr lang="pt-BR" sz="2400" b="1" dirty="0" smtClean="0">
-                <a:ln w="0"/>
-                <a:solidFill>
-                  <a:srgbClr val="FFFF00"/>
-                </a:solidFill>
-                <a:effectLst>
-                  <a:outerShdw blurRad="38100" dist="19050" dir="2700000" algn="tl" rotWithShape="0">
-                    <a:schemeClr val="dk1">
-                      <a:alpha val="40000"/>
-                    </a:schemeClr>
-                  </a:outerShdw>
-                </a:effectLst>
-              </a:rPr>
-              <a:t>)</a:t>
+              <a:t>A)</a:t>
             </a:r>
             <a:r>
               <a:rPr lang="pt-BR" sz="2400" dirty="0"/>
@@ -24992,7 +25114,7 @@
           <p:cNvPr id="9" name="Rectangle 14">
             <a:extLst>
               <a:ext uri="{FF2B5EF4-FFF2-40B4-BE49-F238E27FC236}">
-                <a16:creationId xmlns="" xmlns:a16="http://schemas.microsoft.com/office/drawing/2014/main" id="{88C45C25-BF1B-4018-8A33-8F627F02D4A4}"/>
+                <a16:creationId xmlns:a16="http://schemas.microsoft.com/office/drawing/2014/main" xmlns="" id="{88C45C25-BF1B-4018-8A33-8F627F02D4A4}"/>
               </a:ext>
             </a:extLst>
           </p:cNvPr>
@@ -25001,7 +25123,7 @@
         </p:nvSpPr>
         <p:spPr>
           <a:xfrm>
-            <a:off x="275723" y="1617678"/>
+            <a:off x="455905" y="1707372"/>
             <a:ext cx="5705958" cy="662804"/>
           </a:xfrm>
           <a:prstGeom prst="rect">
@@ -25016,7 +25138,7 @@
           <a:lstStyle/>
           <a:p>
             <a:r>
-              <a:rPr lang="pt-BR" sz="2400" b="1" dirty="0" smtClean="0">
+              <a:rPr lang="pt-BR" sz="2400" b="1" dirty="0">
                 <a:ln w="0"/>
                 <a:solidFill>
                   <a:srgbClr val="FFFF00"/>
@@ -25060,7 +25182,7 @@
           <p:cNvPr id="10" name="Rectangle 14">
             <a:extLst>
               <a:ext uri="{FF2B5EF4-FFF2-40B4-BE49-F238E27FC236}">
-                <a16:creationId xmlns="" xmlns:a16="http://schemas.microsoft.com/office/drawing/2014/main" id="{88C45C25-BF1B-4018-8A33-8F627F02D4A4}"/>
+                <a16:creationId xmlns:a16="http://schemas.microsoft.com/office/drawing/2014/main" xmlns="" id="{88C45C25-BF1B-4018-8A33-8F627F02D4A4}"/>
               </a:ext>
             </a:extLst>
           </p:cNvPr>
@@ -25069,7 +25191,7 @@
         </p:nvSpPr>
         <p:spPr>
           <a:xfrm>
-            <a:off x="275723" y="2341495"/>
+            <a:off x="455905" y="2431189"/>
             <a:ext cx="5705958" cy="1032136"/>
           </a:xfrm>
           <a:prstGeom prst="rect">
@@ -25100,7 +25222,7 @@
               <a:t>C</a:t>
             </a:r>
             <a:r>
-              <a:rPr lang="pt-BR" sz="2400" b="1" dirty="0" smtClean="0">
+              <a:rPr lang="pt-BR" sz="2400" b="1" dirty="0">
                 <a:ln w="0"/>
                 <a:solidFill>
                   <a:srgbClr val="FFFF00"/>
@@ -25175,7 +25297,7 @@
           <p:cNvPr id="11" name="Rectangle 14">
             <a:extLst>
               <a:ext uri="{FF2B5EF4-FFF2-40B4-BE49-F238E27FC236}">
-                <a16:creationId xmlns="" xmlns:a16="http://schemas.microsoft.com/office/drawing/2014/main" id="{88C45C25-BF1B-4018-8A33-8F627F02D4A4}"/>
+                <a16:creationId xmlns:a16="http://schemas.microsoft.com/office/drawing/2014/main" xmlns="" id="{88C45C25-BF1B-4018-8A33-8F627F02D4A4}"/>
               </a:ext>
             </a:extLst>
           </p:cNvPr>
@@ -25184,7 +25306,7 @@
         </p:nvSpPr>
         <p:spPr>
           <a:xfrm>
-            <a:off x="275723" y="2919325"/>
+            <a:off x="455905" y="3009021"/>
             <a:ext cx="5705958" cy="785915"/>
           </a:xfrm>
           <a:prstGeom prst="rect">
@@ -25215,7 +25337,7 @@
               <a:t>D</a:t>
             </a:r>
             <a:r>
-              <a:rPr lang="pt-BR" sz="2400" b="1" dirty="0" smtClean="0">
+              <a:rPr lang="pt-BR" sz="2400" b="1" dirty="0">
                 <a:ln w="0"/>
                 <a:solidFill>
                   <a:srgbClr val="FFFF00"/>
@@ -25313,7 +25435,7 @@
           <p:cNvPr id="2" name="Rectangle 1">
             <a:extLst>
               <a:ext uri="{FF2B5EF4-FFF2-40B4-BE49-F238E27FC236}">
-                <a16:creationId xmlns="" xmlns:a16="http://schemas.microsoft.com/office/drawing/2014/main" id="{4F38584F-66B2-464F-9BA7-6F9A856D602F}"/>
+                <a16:creationId xmlns:a16="http://schemas.microsoft.com/office/drawing/2014/main" xmlns="" id="{4F38584F-66B2-464F-9BA7-6F9A856D602F}"/>
               </a:ext>
             </a:extLst>
           </p:cNvPr>
@@ -25322,7 +25444,7 @@
         </p:nvSpPr>
         <p:spPr>
           <a:xfrm>
-            <a:off x="275723" y="168868"/>
+            <a:off x="455907" y="258564"/>
             <a:ext cx="6072995" cy="785915"/>
           </a:xfrm>
           <a:prstGeom prst="rect">
@@ -25360,7 +25482,7 @@
           <p:cNvPr id="11" name="Rectangle 14">
             <a:extLst>
               <a:ext uri="{FF2B5EF4-FFF2-40B4-BE49-F238E27FC236}">
-                <a16:creationId xmlns="" xmlns:a16="http://schemas.microsoft.com/office/drawing/2014/main" id="{88C45C25-BF1B-4018-8A33-8F627F02D4A4}"/>
+                <a16:creationId xmlns:a16="http://schemas.microsoft.com/office/drawing/2014/main" xmlns="" id="{88C45C25-BF1B-4018-8A33-8F627F02D4A4}"/>
               </a:ext>
             </a:extLst>
           </p:cNvPr>
@@ -25369,7 +25491,7 @@
         </p:nvSpPr>
         <p:spPr>
           <a:xfrm>
-            <a:off x="275723" y="1628910"/>
+            <a:off x="455905" y="1718606"/>
             <a:ext cx="5705958" cy="785915"/>
           </a:xfrm>
           <a:prstGeom prst="rect">
@@ -25400,7 +25522,7 @@
               <a:t>D</a:t>
             </a:r>
             <a:r>
-              <a:rPr lang="pt-BR" sz="2400" b="1" dirty="0" smtClean="0">
+              <a:rPr lang="pt-BR" sz="2400" b="1" dirty="0">
                 <a:ln w="0"/>
                 <a:solidFill>
                   <a:srgbClr val="FFFF00"/>
@@ -25498,7 +25620,7 @@
           <p:cNvPr id="2" name="Rectangle 1">
             <a:extLst>
               <a:ext uri="{FF2B5EF4-FFF2-40B4-BE49-F238E27FC236}">
-                <a16:creationId xmlns="" xmlns:a16="http://schemas.microsoft.com/office/drawing/2014/main" id="{4F38584F-66B2-464F-9BA7-6F9A856D602F}"/>
+                <a16:creationId xmlns:a16="http://schemas.microsoft.com/office/drawing/2014/main" xmlns="" id="{4F38584F-66B2-464F-9BA7-6F9A856D602F}"/>
               </a:ext>
             </a:extLst>
           </p:cNvPr>
@@ -25507,7 +25629,7 @@
         </p:nvSpPr>
         <p:spPr>
           <a:xfrm>
-            <a:off x="405685" y="219674"/>
+            <a:off x="352187" y="309368"/>
             <a:ext cx="5705958" cy="1032136"/>
           </a:xfrm>
           <a:prstGeom prst="rect">
@@ -25558,7 +25680,7 @@
           <p:cNvPr id="15" name="Rectangle 14">
             <a:extLst>
               <a:ext uri="{FF2B5EF4-FFF2-40B4-BE49-F238E27FC236}">
-                <a16:creationId xmlns="" xmlns:a16="http://schemas.microsoft.com/office/drawing/2014/main" id="{88C45C25-BF1B-4018-8A33-8F627F02D4A4}"/>
+                <a16:creationId xmlns:a16="http://schemas.microsoft.com/office/drawing/2014/main" xmlns="" id="{88C45C25-BF1B-4018-8A33-8F627F02D4A4}"/>
               </a:ext>
             </a:extLst>
           </p:cNvPr>
@@ -25567,7 +25689,7 @@
         </p:nvSpPr>
         <p:spPr>
           <a:xfrm>
-            <a:off x="405685" y="1559587"/>
+            <a:off x="352187" y="1649283"/>
             <a:ext cx="5705958" cy="416583"/>
           </a:xfrm>
           <a:prstGeom prst="rect">
@@ -25618,7 +25740,7 @@
           <p:cNvPr id="9" name="Rectangle 14">
             <a:extLst>
               <a:ext uri="{FF2B5EF4-FFF2-40B4-BE49-F238E27FC236}">
-                <a16:creationId xmlns="" xmlns:a16="http://schemas.microsoft.com/office/drawing/2014/main" id="{88C45C25-BF1B-4018-8A33-8F627F02D4A4}"/>
+                <a16:creationId xmlns:a16="http://schemas.microsoft.com/office/drawing/2014/main" xmlns="" id="{88C45C25-BF1B-4018-8A33-8F627F02D4A4}"/>
               </a:ext>
             </a:extLst>
           </p:cNvPr>
@@ -25627,7 +25749,7 @@
         </p:nvSpPr>
         <p:spPr>
           <a:xfrm>
-            <a:off x="405685" y="1976170"/>
+            <a:off x="352187" y="2065866"/>
             <a:ext cx="5705958" cy="416583"/>
           </a:xfrm>
           <a:prstGeom prst="rect">
@@ -25678,7 +25800,7 @@
           <p:cNvPr id="10" name="Rectangle 14">
             <a:extLst>
               <a:ext uri="{FF2B5EF4-FFF2-40B4-BE49-F238E27FC236}">
-                <a16:creationId xmlns="" xmlns:a16="http://schemas.microsoft.com/office/drawing/2014/main" id="{88C45C25-BF1B-4018-8A33-8F627F02D4A4}"/>
+                <a16:creationId xmlns:a16="http://schemas.microsoft.com/office/drawing/2014/main" xmlns="" id="{88C45C25-BF1B-4018-8A33-8F627F02D4A4}"/>
               </a:ext>
             </a:extLst>
           </p:cNvPr>
@@ -25687,7 +25809,7 @@
         </p:nvSpPr>
         <p:spPr>
           <a:xfrm>
-            <a:off x="405685" y="2392753"/>
+            <a:off x="352187" y="2482449"/>
             <a:ext cx="5705958" cy="416583"/>
           </a:xfrm>
           <a:prstGeom prst="rect">
@@ -25770,7 +25892,7 @@
           <p:cNvPr id="11" name="Rectangle 14">
             <a:extLst>
               <a:ext uri="{FF2B5EF4-FFF2-40B4-BE49-F238E27FC236}">
-                <a16:creationId xmlns="" xmlns:a16="http://schemas.microsoft.com/office/drawing/2014/main" id="{88C45C25-BF1B-4018-8A33-8F627F02D4A4}"/>
+                <a16:creationId xmlns:a16="http://schemas.microsoft.com/office/drawing/2014/main" xmlns="" id="{88C45C25-BF1B-4018-8A33-8F627F02D4A4}"/>
               </a:ext>
             </a:extLst>
           </p:cNvPr>
@@ -25779,7 +25901,7 @@
         </p:nvSpPr>
         <p:spPr>
           <a:xfrm>
-            <a:off x="405685" y="2809336"/>
+            <a:off x="352187" y="2899032"/>
             <a:ext cx="5705958" cy="416583"/>
           </a:xfrm>
           <a:prstGeom prst="rect">
@@ -25874,7 +25996,7 @@
           <p:cNvPr id="2" name="Rectangle 1">
             <a:extLst>
               <a:ext uri="{FF2B5EF4-FFF2-40B4-BE49-F238E27FC236}">
-                <a16:creationId xmlns="" xmlns:a16="http://schemas.microsoft.com/office/drawing/2014/main" id="{4F38584F-66B2-464F-9BA7-6F9A856D602F}"/>
+                <a16:creationId xmlns:a16="http://schemas.microsoft.com/office/drawing/2014/main" xmlns="" id="{4F38584F-66B2-464F-9BA7-6F9A856D602F}"/>
               </a:ext>
             </a:extLst>
           </p:cNvPr>
@@ -25883,7 +26005,7 @@
         </p:nvSpPr>
         <p:spPr>
           <a:xfrm>
-            <a:off x="275723" y="168868"/>
+            <a:off x="455907" y="258564"/>
             <a:ext cx="6072995" cy="1309135"/>
           </a:xfrm>
           <a:prstGeom prst="rect">
@@ -25935,7 +26057,7 @@
           <p:cNvPr id="15" name="Rectangle 14">
             <a:extLst>
               <a:ext uri="{FF2B5EF4-FFF2-40B4-BE49-F238E27FC236}">
-                <a16:creationId xmlns="" xmlns:a16="http://schemas.microsoft.com/office/drawing/2014/main" id="{88C45C25-BF1B-4018-8A33-8F627F02D4A4}"/>
+                <a16:creationId xmlns:a16="http://schemas.microsoft.com/office/drawing/2014/main" xmlns="" id="{88C45C25-BF1B-4018-8A33-8F627F02D4A4}"/>
               </a:ext>
             </a:extLst>
           </p:cNvPr>
@@ -25944,7 +26066,7 @@
         </p:nvSpPr>
         <p:spPr>
           <a:xfrm>
-            <a:off x="275723" y="1744855"/>
+            <a:off x="455905" y="1834551"/>
             <a:ext cx="5705958" cy="416583"/>
           </a:xfrm>
           <a:prstGeom prst="rect">
@@ -25959,7 +26081,7 @@
           <a:lstStyle/>
           <a:p>
             <a:r>
-              <a:rPr lang="pt-BR" sz="2400" b="1" dirty="0" smtClean="0">
+              <a:rPr lang="pt-BR" sz="2400" b="1" dirty="0">
                 <a:ln w="0"/>
                 <a:solidFill>
                   <a:srgbClr val="FFFF00"/>
@@ -25972,23 +26094,7 @@
                   </a:outerShdw>
                 </a:effectLst>
               </a:rPr>
-              <a:t>A</a:t>
-            </a:r>
-            <a:r>
-              <a:rPr lang="pt-BR" sz="2400" b="1" dirty="0" smtClean="0">
-                <a:ln w="0"/>
-                <a:solidFill>
-                  <a:srgbClr val="FFFF00"/>
-                </a:solidFill>
-                <a:effectLst>
-                  <a:outerShdw blurRad="38100" dist="19050" dir="2700000" algn="tl" rotWithShape="0">
-                    <a:schemeClr val="dk1">
-                      <a:alpha val="40000"/>
-                    </a:schemeClr>
-                  </a:outerShdw>
-                </a:effectLst>
-              </a:rPr>
-              <a:t>) 395</a:t>
+              <a:t>A) 395</a:t>
             </a:r>
             <a:endParaRPr lang="en-US" sz="1600" i="1" dirty="0">
               <a:ln w="0"/>
@@ -26011,7 +26117,7 @@
           <p:cNvPr id="9" name="Rectangle 14">
             <a:extLst>
               <a:ext uri="{FF2B5EF4-FFF2-40B4-BE49-F238E27FC236}">
-                <a16:creationId xmlns="" xmlns:a16="http://schemas.microsoft.com/office/drawing/2014/main" id="{88C45C25-BF1B-4018-8A33-8F627F02D4A4}"/>
+                <a16:creationId xmlns:a16="http://schemas.microsoft.com/office/drawing/2014/main" xmlns="" id="{88C45C25-BF1B-4018-8A33-8F627F02D4A4}"/>
               </a:ext>
             </a:extLst>
           </p:cNvPr>
@@ -26020,7 +26126,7 @@
         </p:nvSpPr>
         <p:spPr>
           <a:xfrm>
-            <a:off x="275723" y="2148160"/>
+            <a:off x="455905" y="2237856"/>
             <a:ext cx="5705958" cy="416583"/>
           </a:xfrm>
           <a:prstGeom prst="rect">
@@ -26035,7 +26141,7 @@
           <a:lstStyle/>
           <a:p>
             <a:r>
-              <a:rPr lang="pt-BR" sz="2400" b="1" dirty="0" smtClean="0">
+              <a:rPr lang="pt-BR" sz="2400" b="1" dirty="0">
                 <a:ln w="0"/>
                 <a:solidFill>
                   <a:srgbClr val="FFFF00"/>
@@ -26071,7 +26177,7 @@
           <p:cNvPr id="10" name="Rectangle 14">
             <a:extLst>
               <a:ext uri="{FF2B5EF4-FFF2-40B4-BE49-F238E27FC236}">
-                <a16:creationId xmlns="" xmlns:a16="http://schemas.microsoft.com/office/drawing/2014/main" id="{88C45C25-BF1B-4018-8A33-8F627F02D4A4}"/>
+                <a16:creationId xmlns:a16="http://schemas.microsoft.com/office/drawing/2014/main" xmlns="" id="{88C45C25-BF1B-4018-8A33-8F627F02D4A4}"/>
               </a:ext>
             </a:extLst>
           </p:cNvPr>
@@ -26080,7 +26186,7 @@
         </p:nvSpPr>
         <p:spPr>
           <a:xfrm>
-            <a:off x="275723" y="2588200"/>
+            <a:off x="455905" y="2677896"/>
             <a:ext cx="5705958" cy="416583"/>
           </a:xfrm>
           <a:prstGeom prst="rect">
@@ -26111,7 +26217,7 @@
               <a:t>C</a:t>
             </a:r>
             <a:r>
-              <a:rPr lang="pt-BR" sz="2400" b="1" dirty="0" smtClean="0">
+              <a:rPr lang="pt-BR" sz="2400" b="1" dirty="0">
                 <a:ln w="0"/>
                 <a:solidFill>
                   <a:srgbClr val="FFFF00"/>
@@ -26147,7 +26253,7 @@
           <p:cNvPr id="11" name="Rectangle 14">
             <a:extLst>
               <a:ext uri="{FF2B5EF4-FFF2-40B4-BE49-F238E27FC236}">
-                <a16:creationId xmlns="" xmlns:a16="http://schemas.microsoft.com/office/drawing/2014/main" id="{88C45C25-BF1B-4018-8A33-8F627F02D4A4}"/>
+                <a16:creationId xmlns:a16="http://schemas.microsoft.com/office/drawing/2014/main" xmlns="" id="{88C45C25-BF1B-4018-8A33-8F627F02D4A4}"/>
               </a:ext>
             </a:extLst>
           </p:cNvPr>
@@ -26156,7 +26262,7 @@
         </p:nvSpPr>
         <p:spPr>
           <a:xfrm>
-            <a:off x="275723" y="3004783"/>
+            <a:off x="455905" y="3094479"/>
             <a:ext cx="5705958" cy="785915"/>
           </a:xfrm>
           <a:prstGeom prst="rect">
@@ -26187,7 +26293,7 @@
               <a:t>D</a:t>
             </a:r>
             <a:r>
-              <a:rPr lang="pt-BR" sz="2400" b="1" dirty="0" smtClean="0">
+              <a:rPr lang="pt-BR" sz="2400" b="1" dirty="0">
                 <a:ln w="0"/>
                 <a:solidFill>
                   <a:srgbClr val="FFFF00"/>
@@ -26244,7 +26350,7 @@
         </p:blipFill>
         <p:spPr bwMode="auto">
           <a:xfrm>
-            <a:off x="600464" y="852303"/>
+            <a:off x="780646" y="941997"/>
             <a:ext cx="1638300" cy="809626"/>
           </a:xfrm>
           <a:prstGeom prst="rect">
@@ -26285,7 +26391,7 @@
         </p:blipFill>
         <p:spPr bwMode="auto">
           <a:xfrm>
-            <a:off x="2847684" y="2108481"/>
+            <a:off x="3027866" y="2198175"/>
             <a:ext cx="2376730" cy="1125148"/>
           </a:xfrm>
           <a:prstGeom prst="rect">
@@ -26326,7 +26432,7 @@
         </p:blipFill>
         <p:spPr bwMode="auto">
           <a:xfrm>
-            <a:off x="2365117" y="822158"/>
+            <a:off x="2545301" y="911852"/>
             <a:ext cx="3215305" cy="1072428"/>
           </a:xfrm>
           <a:prstGeom prst="rect">
@@ -26393,7 +26499,7 @@
           <p:cNvPr id="2" name="Rectangle 1">
             <a:extLst>
               <a:ext uri="{FF2B5EF4-FFF2-40B4-BE49-F238E27FC236}">
-                <a16:creationId xmlns="" xmlns:a16="http://schemas.microsoft.com/office/drawing/2014/main" id="{4F38584F-66B2-464F-9BA7-6F9A856D602F}"/>
+                <a16:creationId xmlns:a16="http://schemas.microsoft.com/office/drawing/2014/main" xmlns="" id="{4F38584F-66B2-464F-9BA7-6F9A856D602F}"/>
               </a:ext>
             </a:extLst>
           </p:cNvPr>
@@ -26402,7 +26508,7 @@
         </p:nvSpPr>
         <p:spPr>
           <a:xfrm>
-            <a:off x="275723" y="168868"/>
+            <a:off x="455907" y="258564"/>
             <a:ext cx="6072995" cy="1309135"/>
           </a:xfrm>
           <a:prstGeom prst="rect">
@@ -26454,7 +26560,7 @@
           <p:cNvPr id="15" name="Rectangle 14">
             <a:extLst>
               <a:ext uri="{FF2B5EF4-FFF2-40B4-BE49-F238E27FC236}">
-                <a16:creationId xmlns="" xmlns:a16="http://schemas.microsoft.com/office/drawing/2014/main" id="{88C45C25-BF1B-4018-8A33-8F627F02D4A4}"/>
+                <a16:creationId xmlns:a16="http://schemas.microsoft.com/office/drawing/2014/main" xmlns="" id="{88C45C25-BF1B-4018-8A33-8F627F02D4A4}"/>
               </a:ext>
             </a:extLst>
           </p:cNvPr>
@@ -26463,7 +26569,7 @@
         </p:nvSpPr>
         <p:spPr>
           <a:xfrm>
-            <a:off x="275723" y="1186253"/>
+            <a:off x="455905" y="1275949"/>
             <a:ext cx="5705958" cy="416583"/>
           </a:xfrm>
           <a:prstGeom prst="rect">
@@ -26478,7 +26584,7 @@
           <a:lstStyle/>
           <a:p>
             <a:r>
-              <a:rPr lang="pt-BR" sz="2400" b="1" dirty="0" smtClean="0">
+              <a:rPr lang="pt-BR" sz="2400" b="1" dirty="0">
                 <a:ln w="0"/>
                 <a:solidFill>
                   <a:srgbClr val="FFFF00"/>
@@ -26491,23 +26597,7 @@
                   </a:outerShdw>
                 </a:effectLst>
               </a:rPr>
-              <a:t>A</a:t>
-            </a:r>
-            <a:r>
-              <a:rPr lang="pt-BR" sz="2400" b="1" dirty="0" smtClean="0">
-                <a:ln w="0"/>
-                <a:solidFill>
-                  <a:srgbClr val="FFFF00"/>
-                </a:solidFill>
-                <a:effectLst>
-                  <a:outerShdw blurRad="38100" dist="19050" dir="2700000" algn="tl" rotWithShape="0">
-                    <a:schemeClr val="dk1">
-                      <a:alpha val="40000"/>
-                    </a:schemeClr>
-                  </a:outerShdw>
-                </a:effectLst>
-              </a:rPr>
-              <a:t>) 395</a:t>
+              <a:t>A) 395</a:t>
             </a:r>
             <a:endParaRPr lang="en-US" sz="1600" i="1" dirty="0">
               <a:ln w="0"/>
@@ -26548,7 +26638,7 @@
         </p:blipFill>
         <p:spPr bwMode="auto">
           <a:xfrm>
-            <a:off x="2870580" y="1316052"/>
+            <a:off x="3050764" y="1405746"/>
             <a:ext cx="3209869" cy="1535028"/>
           </a:xfrm>
           <a:prstGeom prst="rect">
@@ -26589,7 +26679,7 @@
         </p:blipFill>
         <p:spPr bwMode="auto">
           <a:xfrm>
-            <a:off x="207357" y="1708417"/>
+            <a:off x="387539" y="1798113"/>
             <a:ext cx="2132094" cy="1247685"/>
           </a:xfrm>
           <a:prstGeom prst="rect">
@@ -26611,6 +26701,902 @@
     <p:extLst>
       <p:ext uri="{BB962C8B-B14F-4D97-AF65-F5344CB8AC3E}">
         <p14:creationId xmlns:p14="http://schemas.microsoft.com/office/powerpoint/2010/main" val="1336428537"/>
+      </p:ext>
+    </p:extLst>
+  </p:cSld>
+  <p:clrMapOvr>
+    <a:masterClrMapping/>
+  </p:clrMapOvr>
+  <p:transition spd="slow">
+    <p:wipe/>
+  </p:transition>
+</p:sld>
+</file>
+
+<file path=ppt/slides/slide32.xml><?xml version="1.0" encoding="utf-8"?>
+<p:sld xmlns:a="http://schemas.openxmlformats.org/drawingml/2006/main" xmlns:r="http://schemas.openxmlformats.org/officeDocument/2006/relationships" xmlns:p="http://schemas.openxmlformats.org/presentationml/2006/main">
+  <p:cSld>
+    <p:bg>
+      <p:bgPr>
+        <a:blipFill>
+          <a:blip r:embed="rId3"/>
+          <a:stretch>
+            <a:fillRect/>
+          </a:stretch>
+        </a:blipFill>
+        <a:effectLst/>
+      </p:bgPr>
+    </p:bg>
+    <p:spTree>
+      <p:nvGrpSpPr>
+        <p:cNvPr id="1" name=""/>
+        <p:cNvGrpSpPr/>
+        <p:nvPr/>
+      </p:nvGrpSpPr>
+      <p:grpSpPr>
+        <a:xfrm>
+          <a:off x="0" y="0"/>
+          <a:ext cx="0" cy="0"/>
+          <a:chOff x="0" y="0"/>
+          <a:chExt cx="0" cy="0"/>
+        </a:xfrm>
+      </p:grpSpPr>
+      <p:sp>
+        <p:nvSpPr>
+          <p:cNvPr id="2" name="Rectangle 1">
+            <a:extLst>
+              <a:ext uri="{FF2B5EF4-FFF2-40B4-BE49-F238E27FC236}">
+                <a16:creationId xmlns:a16="http://schemas.microsoft.com/office/drawing/2014/main" xmlns="" id="{4F38584F-66B2-464F-9BA7-6F9A856D602F}"/>
+              </a:ext>
+            </a:extLst>
+          </p:cNvPr>
+          <p:cNvSpPr/>
+          <p:nvPr/>
+        </p:nvSpPr>
+        <p:spPr>
+          <a:xfrm>
+            <a:off x="211426" y="92574"/>
+            <a:ext cx="6433214" cy="1893910"/>
+          </a:xfrm>
+          <a:prstGeom prst="rect">
+            <a:avLst/>
+          </a:prstGeom>
+          <a:noFill/>
+        </p:spPr>
+        <p:txBody>
+          <a:bodyPr wrap="square" lIns="46793" tIns="23397" rIns="46793" bIns="23397">
+            <a:spAutoFit/>
+          </a:bodyPr>
+          <a:lstStyle/>
+          <a:p>
+            <a:r>
+              <a:rPr lang="pt-BR" sz="2400" b="1" i="1" dirty="0">
+                <a:solidFill>
+                  <a:schemeClr val="bg1"/>
+                </a:solidFill>
+              </a:rPr>
+              <a:t>Um jogo de futebol é composto por dois tempos de 45 minutos e um intervalo de 15 minutos entre eles. Suponha que um jogo que não tenha prorrogações comece às 16h e 10min, em que horário vai acabar esse jogo</a:t>
+            </a:r>
+            <a:r>
+              <a:rPr lang="pt-BR" sz="2400" b="1" i="1" dirty="0" smtClean="0">
+                <a:solidFill>
+                  <a:schemeClr val="bg1"/>
+                </a:solidFill>
+              </a:rPr>
+              <a:t>?</a:t>
+            </a:r>
+            <a:endParaRPr lang="pt-BR" sz="2400" b="1" i="1" dirty="0">
+              <a:ln w="0"/>
+              <a:solidFill>
+                <a:schemeClr val="bg1"/>
+              </a:solidFill>
+              <a:effectLst>
+                <a:outerShdw blurRad="38100" dist="19050" dir="2700000" algn="tl" rotWithShape="0">
+                  <a:schemeClr val="dk1">
+                    <a:alpha val="40000"/>
+                  </a:schemeClr>
+                </a:outerShdw>
+              </a:effectLst>
+            </a:endParaRPr>
+          </a:p>
+        </p:txBody>
+      </p:sp>
+      <p:sp>
+        <p:nvSpPr>
+          <p:cNvPr id="15" name="Rectangle 14">
+            <a:extLst>
+              <a:ext uri="{FF2B5EF4-FFF2-40B4-BE49-F238E27FC236}">
+                <a16:creationId xmlns:a16="http://schemas.microsoft.com/office/drawing/2014/main" xmlns="" id="{88C45C25-BF1B-4018-8A33-8F627F02D4A4}"/>
+              </a:ext>
+            </a:extLst>
+          </p:cNvPr>
+          <p:cNvSpPr/>
+          <p:nvPr/>
+        </p:nvSpPr>
+        <p:spPr>
+          <a:xfrm>
+            <a:off x="333985" y="2044887"/>
+            <a:ext cx="5705958" cy="416583"/>
+          </a:xfrm>
+          <a:prstGeom prst="rect">
+            <a:avLst/>
+          </a:prstGeom>
+          <a:noFill/>
+        </p:spPr>
+        <p:txBody>
+          <a:bodyPr wrap="square" lIns="46793" tIns="23397" rIns="46793" bIns="23397">
+            <a:spAutoFit/>
+          </a:bodyPr>
+          <a:lstStyle/>
+          <a:p>
+            <a:r>
+              <a:rPr lang="pt-BR" sz="2400" b="1" dirty="0">
+                <a:ln w="0"/>
+                <a:solidFill>
+                  <a:srgbClr val="FFFF00"/>
+                </a:solidFill>
+                <a:effectLst>
+                  <a:outerShdw blurRad="38100" dist="19050" dir="2700000" algn="tl" rotWithShape="0">
+                    <a:schemeClr val="dk1">
+                      <a:alpha val="40000"/>
+                    </a:schemeClr>
+                  </a:outerShdw>
+                </a:effectLst>
+              </a:rPr>
+              <a:t>A</a:t>
+            </a:r>
+            <a:r>
+              <a:rPr lang="pt-BR" sz="2400" b="1" dirty="0" smtClean="0">
+                <a:ln w="0"/>
+                <a:solidFill>
+                  <a:srgbClr val="FFFF00"/>
+                </a:solidFill>
+                <a:effectLst>
+                  <a:outerShdw blurRad="38100" dist="19050" dir="2700000" algn="tl" rotWithShape="0">
+                    <a:schemeClr val="dk1">
+                      <a:alpha val="40000"/>
+                    </a:schemeClr>
+                  </a:outerShdw>
+                </a:effectLst>
+              </a:rPr>
+              <a:t>) </a:t>
+            </a:r>
+            <a:r>
+              <a:rPr lang="pt-BR" sz="2200" i="1" dirty="0" smtClean="0">
+                <a:solidFill>
+                  <a:schemeClr val="bg1"/>
+                </a:solidFill>
+              </a:rPr>
+              <a:t>17h15min</a:t>
+            </a:r>
+            <a:r>
+              <a:rPr lang="pt-BR" sz="2400" i="1" dirty="0" smtClean="0">
+                <a:solidFill>
+                  <a:schemeClr val="bg1"/>
+                </a:solidFill>
+              </a:rPr>
+              <a:t>.</a:t>
+            </a:r>
+            <a:endParaRPr lang="en-US" sz="1600" i="1" dirty="0">
+              <a:ln w="0"/>
+              <a:solidFill>
+                <a:schemeClr val="bg1"/>
+              </a:solidFill>
+              <a:effectLst>
+                <a:outerShdw blurRad="38100" dist="19050" dir="2700000" algn="tl" rotWithShape="0">
+                  <a:schemeClr val="dk1">
+                    <a:alpha val="40000"/>
+                  </a:schemeClr>
+                </a:outerShdw>
+              </a:effectLst>
+            </a:endParaRPr>
+          </a:p>
+        </p:txBody>
+      </p:sp>
+      <p:sp>
+        <p:nvSpPr>
+          <p:cNvPr id="9" name="Rectangle 14">
+            <a:extLst>
+              <a:ext uri="{FF2B5EF4-FFF2-40B4-BE49-F238E27FC236}">
+                <a16:creationId xmlns:a16="http://schemas.microsoft.com/office/drawing/2014/main" xmlns="" id="{88C45C25-BF1B-4018-8A33-8F627F02D4A4}"/>
+              </a:ext>
+            </a:extLst>
+          </p:cNvPr>
+          <p:cNvSpPr/>
+          <p:nvPr/>
+        </p:nvSpPr>
+        <p:spPr>
+          <a:xfrm>
+            <a:off x="333985" y="2366855"/>
+            <a:ext cx="5705958" cy="478138"/>
+          </a:xfrm>
+          <a:prstGeom prst="rect">
+            <a:avLst/>
+          </a:prstGeom>
+          <a:noFill/>
+        </p:spPr>
+        <p:txBody>
+          <a:bodyPr wrap="square" lIns="46793" tIns="23397" rIns="46793" bIns="23397">
+            <a:spAutoFit/>
+          </a:bodyPr>
+          <a:lstStyle/>
+          <a:p>
+            <a:r>
+              <a:rPr lang="pt-BR" sz="2400" b="1" dirty="0">
+                <a:ln w="0"/>
+                <a:solidFill>
+                  <a:srgbClr val="FFFF00"/>
+                </a:solidFill>
+                <a:effectLst>
+                  <a:outerShdw blurRad="38100" dist="19050" dir="2700000" algn="tl" rotWithShape="0">
+                    <a:schemeClr val="dk1">
+                      <a:alpha val="40000"/>
+                    </a:schemeClr>
+                  </a:outerShdw>
+                </a:effectLst>
+              </a:rPr>
+              <a:t>B</a:t>
+            </a:r>
+            <a:r>
+              <a:rPr lang="pt-BR" sz="2400" b="1" dirty="0" smtClean="0">
+                <a:ln w="0"/>
+                <a:solidFill>
+                  <a:srgbClr val="FFFF00"/>
+                </a:solidFill>
+                <a:effectLst>
+                  <a:outerShdw blurRad="38100" dist="19050" dir="2700000" algn="tl" rotWithShape="0">
+                    <a:schemeClr val="dk1">
+                      <a:alpha val="40000"/>
+                    </a:schemeClr>
+                  </a:outerShdw>
+                </a:effectLst>
+              </a:rPr>
+              <a:t>) </a:t>
+            </a:r>
+            <a:r>
+              <a:rPr lang="pt-BR" sz="2400" i="1" dirty="0" smtClean="0">
+                <a:solidFill>
+                  <a:schemeClr val="bg1"/>
+                </a:solidFill>
+              </a:rPr>
+              <a:t>17h35min</a:t>
+            </a:r>
+            <a:r>
+              <a:rPr lang="pt-BR" sz="2800" i="1" dirty="0" smtClean="0">
+                <a:solidFill>
+                  <a:schemeClr val="bg1"/>
+                </a:solidFill>
+              </a:rPr>
+              <a:t>.</a:t>
+            </a:r>
+            <a:endParaRPr lang="en-US" sz="1600" i="1" dirty="0">
+              <a:ln w="0"/>
+              <a:solidFill>
+                <a:schemeClr val="bg1"/>
+              </a:solidFill>
+              <a:effectLst>
+                <a:outerShdw blurRad="38100" dist="19050" dir="2700000" algn="tl" rotWithShape="0">
+                  <a:schemeClr val="dk1">
+                    <a:alpha val="40000"/>
+                  </a:schemeClr>
+                </a:outerShdw>
+              </a:effectLst>
+            </a:endParaRPr>
+          </a:p>
+        </p:txBody>
+      </p:sp>
+      <p:sp>
+        <p:nvSpPr>
+          <p:cNvPr id="10" name="Rectangle 14">
+            <a:extLst>
+              <a:ext uri="{FF2B5EF4-FFF2-40B4-BE49-F238E27FC236}">
+                <a16:creationId xmlns:a16="http://schemas.microsoft.com/office/drawing/2014/main" xmlns="" id="{88C45C25-BF1B-4018-8A33-8F627F02D4A4}"/>
+              </a:ext>
+            </a:extLst>
+          </p:cNvPr>
+          <p:cNvSpPr/>
+          <p:nvPr/>
+        </p:nvSpPr>
+        <p:spPr>
+          <a:xfrm>
+            <a:off x="333985" y="2754517"/>
+            <a:ext cx="5705958" cy="478138"/>
+          </a:xfrm>
+          <a:prstGeom prst="rect">
+            <a:avLst/>
+          </a:prstGeom>
+          <a:noFill/>
+        </p:spPr>
+        <p:txBody>
+          <a:bodyPr wrap="square" lIns="46793" tIns="23397" rIns="46793" bIns="23397">
+            <a:spAutoFit/>
+          </a:bodyPr>
+          <a:lstStyle/>
+          <a:p>
+            <a:r>
+              <a:rPr lang="pt-BR" sz="2400" b="1" dirty="0">
+                <a:ln w="0"/>
+                <a:solidFill>
+                  <a:srgbClr val="FFFF00"/>
+                </a:solidFill>
+                <a:effectLst>
+                  <a:outerShdw blurRad="38100" dist="19050" dir="2700000" algn="tl" rotWithShape="0">
+                    <a:schemeClr val="dk1">
+                      <a:alpha val="40000"/>
+                    </a:schemeClr>
+                  </a:outerShdw>
+                </a:effectLst>
+              </a:rPr>
+              <a:t>C</a:t>
+            </a:r>
+            <a:r>
+              <a:rPr lang="pt-BR" sz="2400" b="1" dirty="0">
+                <a:ln w="0"/>
+                <a:solidFill>
+                  <a:srgbClr val="FFFF00"/>
+                </a:solidFill>
+                <a:effectLst>
+                  <a:outerShdw blurRad="38100" dist="19050" dir="2700000" algn="tl" rotWithShape="0">
+                    <a:schemeClr val="dk1">
+                      <a:alpha val="40000"/>
+                    </a:schemeClr>
+                  </a:outerShdw>
+                </a:effectLst>
+              </a:rPr>
+              <a:t>) </a:t>
+            </a:r>
+            <a:r>
+              <a:rPr lang="pt-BR" sz="2400" i="1" dirty="0" smtClean="0">
+                <a:solidFill>
+                  <a:schemeClr val="bg1"/>
+                </a:solidFill>
+              </a:rPr>
+              <a:t>17h55min</a:t>
+            </a:r>
+            <a:r>
+              <a:rPr lang="pt-BR" sz="2800" i="1" dirty="0">
+                <a:solidFill>
+                  <a:schemeClr val="bg1"/>
+                </a:solidFill>
+              </a:rPr>
+              <a:t>.</a:t>
+            </a:r>
+            <a:endParaRPr lang="en-US" sz="2400" i="1" dirty="0">
+              <a:ln w="0"/>
+              <a:solidFill>
+                <a:schemeClr val="bg1"/>
+              </a:solidFill>
+              <a:effectLst>
+                <a:outerShdw blurRad="38100" dist="19050" dir="2700000" algn="tl" rotWithShape="0">
+                  <a:schemeClr val="dk1">
+                    <a:alpha val="40000"/>
+                  </a:schemeClr>
+                </a:outerShdw>
+              </a:effectLst>
+            </a:endParaRPr>
+          </a:p>
+        </p:txBody>
+      </p:sp>
+      <p:sp>
+        <p:nvSpPr>
+          <p:cNvPr id="11" name="Rectangle 14">
+            <a:extLst>
+              <a:ext uri="{FF2B5EF4-FFF2-40B4-BE49-F238E27FC236}">
+                <a16:creationId xmlns:a16="http://schemas.microsoft.com/office/drawing/2014/main" xmlns="" id="{88C45C25-BF1B-4018-8A33-8F627F02D4A4}"/>
+              </a:ext>
+            </a:extLst>
+          </p:cNvPr>
+          <p:cNvSpPr/>
+          <p:nvPr/>
+        </p:nvSpPr>
+        <p:spPr>
+          <a:xfrm>
+            <a:off x="333985" y="3116921"/>
+            <a:ext cx="5705958" cy="478138"/>
+          </a:xfrm>
+          <a:prstGeom prst="rect">
+            <a:avLst/>
+          </a:prstGeom>
+          <a:noFill/>
+        </p:spPr>
+        <p:txBody>
+          <a:bodyPr wrap="square" lIns="46793" tIns="23397" rIns="46793" bIns="23397">
+            <a:spAutoFit/>
+          </a:bodyPr>
+          <a:lstStyle/>
+          <a:p>
+            <a:r>
+              <a:rPr lang="pt-BR" sz="2400" b="1" dirty="0">
+                <a:ln w="0"/>
+                <a:solidFill>
+                  <a:srgbClr val="FFFF00"/>
+                </a:solidFill>
+                <a:effectLst>
+                  <a:outerShdw blurRad="38100" dist="19050" dir="2700000" algn="tl" rotWithShape="0">
+                    <a:schemeClr val="dk1">
+                      <a:alpha val="40000"/>
+                    </a:schemeClr>
+                  </a:outerShdw>
+                </a:effectLst>
+              </a:rPr>
+              <a:t>D</a:t>
+            </a:r>
+            <a:r>
+              <a:rPr lang="pt-BR" sz="2400" b="1" dirty="0" smtClean="0">
+                <a:ln w="0"/>
+                <a:solidFill>
+                  <a:srgbClr val="FFFF00"/>
+                </a:solidFill>
+                <a:effectLst>
+                  <a:outerShdw blurRad="38100" dist="19050" dir="2700000" algn="tl" rotWithShape="0">
+                    <a:schemeClr val="dk1">
+                      <a:alpha val="40000"/>
+                    </a:schemeClr>
+                  </a:outerShdw>
+                </a:effectLst>
+              </a:rPr>
+              <a:t>) </a:t>
+            </a:r>
+            <a:r>
+              <a:rPr lang="pt-BR" sz="2400" i="1" dirty="0" smtClean="0">
+                <a:solidFill>
+                  <a:schemeClr val="bg1"/>
+                </a:solidFill>
+              </a:rPr>
+              <a:t>18h10min</a:t>
+            </a:r>
+            <a:r>
+              <a:rPr lang="pt-BR" sz="2800" i="1" dirty="0" smtClean="0">
+                <a:solidFill>
+                  <a:schemeClr val="bg1"/>
+                </a:solidFill>
+              </a:rPr>
+              <a:t>.</a:t>
+            </a:r>
+            <a:endParaRPr lang="en-US" sz="2400" i="1" dirty="0">
+              <a:ln w="0"/>
+              <a:solidFill>
+                <a:schemeClr val="bg1"/>
+              </a:solidFill>
+              <a:effectLst>
+                <a:outerShdw blurRad="38100" dist="19050" dir="2700000" algn="tl" rotWithShape="0">
+                  <a:schemeClr val="dk1">
+                    <a:alpha val="40000"/>
+                  </a:schemeClr>
+                </a:outerShdw>
+              </a:effectLst>
+            </a:endParaRPr>
+          </a:p>
+        </p:txBody>
+      </p:sp>
+    </p:spTree>
+    <p:extLst>
+      <p:ext uri="{BB962C8B-B14F-4D97-AF65-F5344CB8AC3E}">
+        <p14:creationId xmlns:p14="http://schemas.microsoft.com/office/powerpoint/2010/main" val="58265297"/>
+      </p:ext>
+    </p:extLst>
+  </p:cSld>
+  <p:clrMapOvr>
+    <a:masterClrMapping/>
+  </p:clrMapOvr>
+  <p:transition spd="slow">
+    <p:wipe/>
+  </p:transition>
+</p:sld>
+</file>
+
+<file path=ppt/slides/slide33.xml><?xml version="1.0" encoding="utf-8"?>
+<p:sld xmlns:a="http://schemas.openxmlformats.org/drawingml/2006/main" xmlns:r="http://schemas.openxmlformats.org/officeDocument/2006/relationships" xmlns:p="http://schemas.openxmlformats.org/presentationml/2006/main">
+  <p:cSld>
+    <p:bg>
+      <p:bgPr>
+        <a:blipFill>
+          <a:blip r:embed="rId3"/>
+          <a:stretch>
+            <a:fillRect/>
+          </a:stretch>
+        </a:blipFill>
+        <a:effectLst/>
+      </p:bgPr>
+    </p:bg>
+    <p:spTree>
+      <p:nvGrpSpPr>
+        <p:cNvPr id="1" name=""/>
+        <p:cNvGrpSpPr/>
+        <p:nvPr/>
+      </p:nvGrpSpPr>
+      <p:grpSpPr>
+        <a:xfrm>
+          <a:off x="0" y="0"/>
+          <a:ext cx="0" cy="0"/>
+          <a:chOff x="0" y="0"/>
+          <a:chExt cx="0" cy="0"/>
+        </a:xfrm>
+      </p:grpSpPr>
+      <p:sp>
+        <p:nvSpPr>
+          <p:cNvPr id="2" name="Rectangle 1">
+            <a:extLst>
+              <a:ext uri="{FF2B5EF4-FFF2-40B4-BE49-F238E27FC236}">
+                <a16:creationId xmlns:a16="http://schemas.microsoft.com/office/drawing/2014/main" xmlns="" id="{4F38584F-66B2-464F-9BA7-6F9A856D602F}"/>
+              </a:ext>
+            </a:extLst>
+          </p:cNvPr>
+          <p:cNvSpPr/>
+          <p:nvPr/>
+        </p:nvSpPr>
+        <p:spPr>
+          <a:xfrm>
+            <a:off x="211426" y="92574"/>
+            <a:ext cx="6433214" cy="1893910"/>
+          </a:xfrm>
+          <a:prstGeom prst="rect">
+            <a:avLst/>
+          </a:prstGeom>
+          <a:noFill/>
+        </p:spPr>
+        <p:txBody>
+          <a:bodyPr wrap="square" lIns="46793" tIns="23397" rIns="46793" bIns="23397">
+            <a:spAutoFit/>
+          </a:bodyPr>
+          <a:lstStyle/>
+          <a:p>
+            <a:r>
+              <a:rPr lang="pt-BR" sz="2400" b="1" i="1" dirty="0">
+                <a:solidFill>
+                  <a:schemeClr val="bg1"/>
+                </a:solidFill>
+              </a:rPr>
+              <a:t>Um jogo de futebol é composto por dois tempos de 45 minutos e um intervalo de 15 minutos entre eles. Suponha que um jogo que não tenha prorrogações comece às 16h e 10min, em que horário vai acabar esse jogo</a:t>
+            </a:r>
+            <a:r>
+              <a:rPr lang="pt-BR" sz="2400" b="1" i="1" dirty="0" smtClean="0">
+                <a:solidFill>
+                  <a:schemeClr val="bg1"/>
+                </a:solidFill>
+              </a:rPr>
+              <a:t>?</a:t>
+            </a:r>
+            <a:endParaRPr lang="pt-BR" sz="2400" b="1" i="1" dirty="0">
+              <a:ln w="0"/>
+              <a:solidFill>
+                <a:schemeClr val="bg1"/>
+              </a:solidFill>
+              <a:effectLst>
+                <a:outerShdw blurRad="38100" dist="19050" dir="2700000" algn="tl" rotWithShape="0">
+                  <a:schemeClr val="dk1">
+                    <a:alpha val="40000"/>
+                  </a:schemeClr>
+                </a:outerShdw>
+              </a:effectLst>
+            </a:endParaRPr>
+          </a:p>
+        </p:txBody>
+      </p:sp>
+      <p:sp>
+        <p:nvSpPr>
+          <p:cNvPr id="15" name="Rectangle 14">
+            <a:extLst>
+              <a:ext uri="{FF2B5EF4-FFF2-40B4-BE49-F238E27FC236}">
+                <a16:creationId xmlns:a16="http://schemas.microsoft.com/office/drawing/2014/main" xmlns="" id="{88C45C25-BF1B-4018-8A33-8F627F02D4A4}"/>
+              </a:ext>
+            </a:extLst>
+          </p:cNvPr>
+          <p:cNvSpPr/>
+          <p:nvPr/>
+        </p:nvSpPr>
+        <p:spPr>
+          <a:xfrm>
+            <a:off x="333985" y="1955707"/>
+            <a:ext cx="5705958" cy="416583"/>
+          </a:xfrm>
+          <a:prstGeom prst="rect">
+            <a:avLst/>
+          </a:prstGeom>
+          <a:noFill/>
+        </p:spPr>
+        <p:txBody>
+          <a:bodyPr wrap="square" lIns="46793" tIns="23397" rIns="46793" bIns="23397">
+            <a:spAutoFit/>
+          </a:bodyPr>
+          <a:lstStyle/>
+          <a:p>
+            <a:r>
+              <a:rPr lang="pt-BR" sz="2400" b="1" dirty="0">
+                <a:ln w="0"/>
+                <a:solidFill>
+                  <a:srgbClr val="FFFF00"/>
+                </a:solidFill>
+                <a:effectLst>
+                  <a:outerShdw blurRad="38100" dist="19050" dir="2700000" algn="tl" rotWithShape="0">
+                    <a:schemeClr val="dk1">
+                      <a:alpha val="40000"/>
+                    </a:schemeClr>
+                  </a:outerShdw>
+                </a:effectLst>
+              </a:rPr>
+              <a:t>A</a:t>
+            </a:r>
+            <a:r>
+              <a:rPr lang="pt-BR" sz="2400" b="1" dirty="0" smtClean="0">
+                <a:ln w="0"/>
+                <a:solidFill>
+                  <a:srgbClr val="FFFF00"/>
+                </a:solidFill>
+                <a:effectLst>
+                  <a:outerShdw blurRad="38100" dist="19050" dir="2700000" algn="tl" rotWithShape="0">
+                    <a:schemeClr val="dk1">
+                      <a:alpha val="40000"/>
+                    </a:schemeClr>
+                  </a:outerShdw>
+                </a:effectLst>
+              </a:rPr>
+              <a:t>)</a:t>
+            </a:r>
+            <a:endParaRPr lang="en-US" sz="1600" i="1" dirty="0">
+              <a:ln w="0"/>
+              <a:solidFill>
+                <a:schemeClr val="bg1"/>
+              </a:solidFill>
+              <a:effectLst>
+                <a:outerShdw blurRad="38100" dist="19050" dir="2700000" algn="tl" rotWithShape="0">
+                  <a:schemeClr val="dk1">
+                    <a:alpha val="40000"/>
+                  </a:schemeClr>
+                </a:outerShdw>
+              </a:effectLst>
+            </a:endParaRPr>
+          </a:p>
+        </p:txBody>
+      </p:sp>
+      <p:sp>
+        <p:nvSpPr>
+          <p:cNvPr id="9" name="Rectangle 14">
+            <a:extLst>
+              <a:ext uri="{FF2B5EF4-FFF2-40B4-BE49-F238E27FC236}">
+                <a16:creationId xmlns:a16="http://schemas.microsoft.com/office/drawing/2014/main" xmlns="" id="{88C45C25-BF1B-4018-8A33-8F627F02D4A4}"/>
+              </a:ext>
+            </a:extLst>
+          </p:cNvPr>
+          <p:cNvSpPr/>
+          <p:nvPr/>
+        </p:nvSpPr>
+        <p:spPr>
+          <a:xfrm>
+            <a:off x="333985" y="2379666"/>
+            <a:ext cx="5705958" cy="416583"/>
+          </a:xfrm>
+          <a:prstGeom prst="rect">
+            <a:avLst/>
+          </a:prstGeom>
+          <a:noFill/>
+        </p:spPr>
+        <p:txBody>
+          <a:bodyPr wrap="square" lIns="46793" tIns="23397" rIns="46793" bIns="23397">
+            <a:spAutoFit/>
+          </a:bodyPr>
+          <a:lstStyle/>
+          <a:p>
+            <a:r>
+              <a:rPr lang="pt-BR" sz="2400" b="1" dirty="0">
+                <a:ln w="0"/>
+                <a:solidFill>
+                  <a:srgbClr val="FFFF00"/>
+                </a:solidFill>
+                <a:effectLst>
+                  <a:outerShdw blurRad="38100" dist="19050" dir="2700000" algn="tl" rotWithShape="0">
+                    <a:schemeClr val="dk1">
+                      <a:alpha val="40000"/>
+                    </a:schemeClr>
+                  </a:outerShdw>
+                </a:effectLst>
+              </a:rPr>
+              <a:t>B</a:t>
+            </a:r>
+            <a:r>
+              <a:rPr lang="pt-BR" sz="2400" b="1" dirty="0" smtClean="0">
+                <a:ln w="0"/>
+                <a:solidFill>
+                  <a:srgbClr val="FFFF00"/>
+                </a:solidFill>
+                <a:effectLst>
+                  <a:outerShdw blurRad="38100" dist="19050" dir="2700000" algn="tl" rotWithShape="0">
+                    <a:schemeClr val="dk1">
+                      <a:alpha val="40000"/>
+                    </a:schemeClr>
+                  </a:outerShdw>
+                </a:effectLst>
+              </a:rPr>
+              <a:t>)</a:t>
+            </a:r>
+            <a:endParaRPr lang="en-US" sz="1600" i="1" dirty="0">
+              <a:ln w="0"/>
+              <a:solidFill>
+                <a:schemeClr val="bg1"/>
+              </a:solidFill>
+              <a:effectLst>
+                <a:outerShdw blurRad="38100" dist="19050" dir="2700000" algn="tl" rotWithShape="0">
+                  <a:schemeClr val="dk1">
+                    <a:alpha val="40000"/>
+                  </a:schemeClr>
+                </a:outerShdw>
+              </a:effectLst>
+            </a:endParaRPr>
+          </a:p>
+        </p:txBody>
+      </p:sp>
+      <p:sp>
+        <p:nvSpPr>
+          <p:cNvPr id="10" name="Rectangle 14">
+            <a:extLst>
+              <a:ext uri="{FF2B5EF4-FFF2-40B4-BE49-F238E27FC236}">
+                <a16:creationId xmlns:a16="http://schemas.microsoft.com/office/drawing/2014/main" xmlns="" id="{88C45C25-BF1B-4018-8A33-8F627F02D4A4}"/>
+              </a:ext>
+            </a:extLst>
+          </p:cNvPr>
+          <p:cNvSpPr/>
+          <p:nvPr/>
+        </p:nvSpPr>
+        <p:spPr>
+          <a:xfrm>
+            <a:off x="333985" y="2718220"/>
+            <a:ext cx="5705958" cy="478138"/>
+          </a:xfrm>
+          <a:prstGeom prst="rect">
+            <a:avLst/>
+          </a:prstGeom>
+          <a:noFill/>
+        </p:spPr>
+        <p:txBody>
+          <a:bodyPr wrap="square" lIns="46793" tIns="23397" rIns="46793" bIns="23397">
+            <a:spAutoFit/>
+          </a:bodyPr>
+          <a:lstStyle/>
+          <a:p>
+            <a:r>
+              <a:rPr lang="pt-BR" sz="2400" b="1" dirty="0">
+                <a:ln w="0"/>
+                <a:solidFill>
+                  <a:srgbClr val="FFFF00"/>
+                </a:solidFill>
+                <a:effectLst>
+                  <a:outerShdw blurRad="38100" dist="19050" dir="2700000" algn="tl" rotWithShape="0">
+                    <a:schemeClr val="dk1">
+                      <a:alpha val="40000"/>
+                    </a:schemeClr>
+                  </a:outerShdw>
+                </a:effectLst>
+              </a:rPr>
+              <a:t>C</a:t>
+            </a:r>
+            <a:r>
+              <a:rPr lang="pt-BR" sz="2400" b="1" dirty="0">
+                <a:ln w="0"/>
+                <a:solidFill>
+                  <a:srgbClr val="FFFF00"/>
+                </a:solidFill>
+                <a:effectLst>
+                  <a:outerShdw blurRad="38100" dist="19050" dir="2700000" algn="tl" rotWithShape="0">
+                    <a:schemeClr val="dk1">
+                      <a:alpha val="40000"/>
+                    </a:schemeClr>
+                  </a:outerShdw>
+                </a:effectLst>
+              </a:rPr>
+              <a:t>) </a:t>
+            </a:r>
+            <a:r>
+              <a:rPr lang="pt-BR" sz="2400" i="1" dirty="0" smtClean="0">
+                <a:solidFill>
+                  <a:schemeClr val="bg1"/>
+                </a:solidFill>
+              </a:rPr>
+              <a:t>17h55min</a:t>
+            </a:r>
+            <a:r>
+              <a:rPr lang="pt-BR" sz="2800" i="1" dirty="0">
+                <a:solidFill>
+                  <a:schemeClr val="bg1"/>
+                </a:solidFill>
+              </a:rPr>
+              <a:t>.</a:t>
+            </a:r>
+            <a:endParaRPr lang="en-US" sz="2400" i="1" dirty="0">
+              <a:ln w="0"/>
+              <a:solidFill>
+                <a:schemeClr val="bg1"/>
+              </a:solidFill>
+              <a:effectLst>
+                <a:outerShdw blurRad="38100" dist="19050" dir="2700000" algn="tl" rotWithShape="0">
+                  <a:schemeClr val="dk1">
+                    <a:alpha val="40000"/>
+                  </a:schemeClr>
+                </a:outerShdw>
+              </a:effectLst>
+            </a:endParaRPr>
+          </a:p>
+        </p:txBody>
+      </p:sp>
+      <p:sp>
+        <p:nvSpPr>
+          <p:cNvPr id="11" name="Rectangle 14">
+            <a:extLst>
+              <a:ext uri="{FF2B5EF4-FFF2-40B4-BE49-F238E27FC236}">
+                <a16:creationId xmlns:a16="http://schemas.microsoft.com/office/drawing/2014/main" xmlns="" id="{88C45C25-BF1B-4018-8A33-8F627F02D4A4}"/>
+              </a:ext>
+            </a:extLst>
+          </p:cNvPr>
+          <p:cNvSpPr/>
+          <p:nvPr/>
+        </p:nvSpPr>
+        <p:spPr>
+          <a:xfrm>
+            <a:off x="333985" y="3142179"/>
+            <a:ext cx="5705958" cy="416583"/>
+          </a:xfrm>
+          <a:prstGeom prst="rect">
+            <a:avLst/>
+          </a:prstGeom>
+          <a:noFill/>
+        </p:spPr>
+        <p:txBody>
+          <a:bodyPr wrap="square" lIns="46793" tIns="23397" rIns="46793" bIns="23397">
+            <a:spAutoFit/>
+          </a:bodyPr>
+          <a:lstStyle/>
+          <a:p>
+            <a:r>
+              <a:rPr lang="pt-BR" sz="2400" b="1" dirty="0">
+                <a:ln w="0"/>
+                <a:solidFill>
+                  <a:srgbClr val="FFFF00"/>
+                </a:solidFill>
+                <a:effectLst>
+                  <a:outerShdw blurRad="38100" dist="19050" dir="2700000" algn="tl" rotWithShape="0">
+                    <a:schemeClr val="dk1">
+                      <a:alpha val="40000"/>
+                    </a:schemeClr>
+                  </a:outerShdw>
+                </a:effectLst>
+              </a:rPr>
+              <a:t>D</a:t>
+            </a:r>
+            <a:r>
+              <a:rPr lang="pt-BR" sz="2400" b="1" dirty="0" smtClean="0">
+                <a:ln w="0"/>
+                <a:solidFill>
+                  <a:srgbClr val="FFFF00"/>
+                </a:solidFill>
+                <a:effectLst>
+                  <a:outerShdw blurRad="38100" dist="19050" dir="2700000" algn="tl" rotWithShape="0">
+                    <a:schemeClr val="dk1">
+                      <a:alpha val="40000"/>
+                    </a:schemeClr>
+                  </a:outerShdw>
+                </a:effectLst>
+              </a:rPr>
+              <a:t>)</a:t>
+            </a:r>
+            <a:endParaRPr lang="en-US" sz="2400" i="1" dirty="0">
+              <a:ln w="0"/>
+              <a:solidFill>
+                <a:schemeClr val="bg1"/>
+              </a:solidFill>
+              <a:effectLst>
+                <a:outerShdw blurRad="38100" dist="19050" dir="2700000" algn="tl" rotWithShape="0">
+                  <a:schemeClr val="dk1">
+                    <a:alpha val="40000"/>
+                  </a:schemeClr>
+                </a:outerShdw>
+              </a:effectLst>
+            </a:endParaRPr>
+          </a:p>
+        </p:txBody>
+      </p:sp>
+    </p:spTree>
+    <p:extLst>
+      <p:ext uri="{BB962C8B-B14F-4D97-AF65-F5344CB8AC3E}">
+        <p14:creationId xmlns:p14="http://schemas.microsoft.com/office/powerpoint/2010/main" val="2994050114"/>
       </p:ext>
     </p:extLst>
   </p:cSld>
@@ -26656,7 +27642,7 @@
           <p:cNvPr id="2" name="Rectangle 1">
             <a:extLst>
               <a:ext uri="{FF2B5EF4-FFF2-40B4-BE49-F238E27FC236}">
-                <a16:creationId xmlns="" xmlns:a16="http://schemas.microsoft.com/office/drawing/2014/main" id="{4F38584F-66B2-464F-9BA7-6F9A856D602F}"/>
+                <a16:creationId xmlns:a16="http://schemas.microsoft.com/office/drawing/2014/main" xmlns="" id="{4F38584F-66B2-464F-9BA7-6F9A856D602F}"/>
               </a:ext>
             </a:extLst>
           </p:cNvPr>
@@ -26665,7 +27651,7 @@
         </p:nvSpPr>
         <p:spPr>
           <a:xfrm>
-            <a:off x="405685" y="219675"/>
+            <a:off x="321707" y="309371"/>
             <a:ext cx="5705958" cy="909025"/>
           </a:xfrm>
           <a:prstGeom prst="rect">
@@ -26716,7 +27702,7 @@
           <p:cNvPr id="15" name="Rectangle 14">
             <a:extLst>
               <a:ext uri="{FF2B5EF4-FFF2-40B4-BE49-F238E27FC236}">
-                <a16:creationId xmlns="" xmlns:a16="http://schemas.microsoft.com/office/drawing/2014/main" id="{88C45C25-BF1B-4018-8A33-8F627F02D4A4}"/>
+                <a16:creationId xmlns:a16="http://schemas.microsoft.com/office/drawing/2014/main" xmlns="" id="{88C45C25-BF1B-4018-8A33-8F627F02D4A4}"/>
               </a:ext>
             </a:extLst>
           </p:cNvPr>
@@ -26725,7 +27711,7 @@
         </p:nvSpPr>
         <p:spPr>
           <a:xfrm>
-            <a:off x="478514" y="1478666"/>
+            <a:off x="394536" y="1568362"/>
             <a:ext cx="5705958" cy="416583"/>
           </a:xfrm>
           <a:prstGeom prst="rect">
@@ -26808,7 +27794,7 @@
           <p:cNvPr id="9" name="Rectangle 14">
             <a:extLst>
               <a:ext uri="{FF2B5EF4-FFF2-40B4-BE49-F238E27FC236}">
-                <a16:creationId xmlns="" xmlns:a16="http://schemas.microsoft.com/office/drawing/2014/main" id="{88C45C25-BF1B-4018-8A33-8F627F02D4A4}"/>
+                <a16:creationId xmlns:a16="http://schemas.microsoft.com/office/drawing/2014/main" xmlns="" id="{88C45C25-BF1B-4018-8A33-8F627F02D4A4}"/>
               </a:ext>
             </a:extLst>
           </p:cNvPr>
@@ -26817,7 +27803,7 @@
         </p:nvSpPr>
         <p:spPr>
           <a:xfrm>
-            <a:off x="478514" y="1895249"/>
+            <a:off x="394536" y="1984945"/>
             <a:ext cx="5705958" cy="416583"/>
           </a:xfrm>
           <a:prstGeom prst="rect">
@@ -26864,7 +27850,7 @@
               <a:t> </a:t>
             </a:r>
             <a:r>
-              <a:rPr lang="pt-BR" sz="2400" dirty="0" smtClean="0">
+              <a:rPr lang="pt-BR" sz="2400" dirty="0">
                 <a:ln w="0"/>
                 <a:solidFill>
                   <a:schemeClr val="bg1"/>
@@ -26900,7 +27886,7 @@
           <p:cNvPr id="10" name="Rectangle 14">
             <a:extLst>
               <a:ext uri="{FF2B5EF4-FFF2-40B4-BE49-F238E27FC236}">
-                <a16:creationId xmlns="" xmlns:a16="http://schemas.microsoft.com/office/drawing/2014/main" id="{88C45C25-BF1B-4018-8A33-8F627F02D4A4}"/>
+                <a16:creationId xmlns:a16="http://schemas.microsoft.com/office/drawing/2014/main" xmlns="" id="{88C45C25-BF1B-4018-8A33-8F627F02D4A4}"/>
               </a:ext>
             </a:extLst>
           </p:cNvPr>
@@ -26909,7 +27895,7 @@
         </p:nvSpPr>
         <p:spPr>
           <a:xfrm>
-            <a:off x="478514" y="2311832"/>
+            <a:off x="394536" y="2401528"/>
             <a:ext cx="5705958" cy="416583"/>
           </a:xfrm>
           <a:prstGeom prst="rect">
@@ -26992,7 +27978,7 @@
           <p:cNvPr id="11" name="Rectangle 14">
             <a:extLst>
               <a:ext uri="{FF2B5EF4-FFF2-40B4-BE49-F238E27FC236}">
-                <a16:creationId xmlns="" xmlns:a16="http://schemas.microsoft.com/office/drawing/2014/main" id="{88C45C25-BF1B-4018-8A33-8F627F02D4A4}"/>
+                <a16:creationId xmlns:a16="http://schemas.microsoft.com/office/drawing/2014/main" xmlns="" id="{88C45C25-BF1B-4018-8A33-8F627F02D4A4}"/>
               </a:ext>
             </a:extLst>
           </p:cNvPr>
@@ -27001,7 +27987,7 @@
         </p:nvSpPr>
         <p:spPr>
           <a:xfrm>
-            <a:off x="478514" y="2728415"/>
+            <a:off x="394536" y="2818111"/>
             <a:ext cx="5705958" cy="416583"/>
           </a:xfrm>
           <a:prstGeom prst="rect">
@@ -27095,7 +28081,7 @@
         </p:blipFill>
         <p:spPr>
           <a:xfrm>
-            <a:off x="3051778" y="1298405"/>
+            <a:off x="2967800" y="1388099"/>
             <a:ext cx="2933700" cy="1638300"/>
           </a:xfrm>
           <a:prstGeom prst="rect">
@@ -27152,7 +28138,7 @@
           <p:cNvPr id="2" name="Rectangle 1">
             <a:extLst>
               <a:ext uri="{FF2B5EF4-FFF2-40B4-BE49-F238E27FC236}">
-                <a16:creationId xmlns="" xmlns:a16="http://schemas.microsoft.com/office/drawing/2014/main" id="{4F38584F-66B2-464F-9BA7-6F9A856D602F}"/>
+                <a16:creationId xmlns:a16="http://schemas.microsoft.com/office/drawing/2014/main" xmlns="" id="{4F38584F-66B2-464F-9BA7-6F9A856D602F}"/>
               </a:ext>
             </a:extLst>
           </p:cNvPr>
@@ -27161,7 +28147,7 @@
         </p:nvSpPr>
         <p:spPr>
           <a:xfrm>
-            <a:off x="405685" y="219675"/>
+            <a:off x="321707" y="289051"/>
             <a:ext cx="5705958" cy="909025"/>
           </a:xfrm>
           <a:prstGeom prst="rect">
@@ -27212,7 +28198,7 @@
           <p:cNvPr id="15" name="Rectangle 14">
             <a:extLst>
               <a:ext uri="{FF2B5EF4-FFF2-40B4-BE49-F238E27FC236}">
-                <a16:creationId xmlns="" xmlns:a16="http://schemas.microsoft.com/office/drawing/2014/main" id="{88C45C25-BF1B-4018-8A33-8F627F02D4A4}"/>
+                <a16:creationId xmlns:a16="http://schemas.microsoft.com/office/drawing/2014/main" xmlns="" id="{88C45C25-BF1B-4018-8A33-8F627F02D4A4}"/>
               </a:ext>
             </a:extLst>
           </p:cNvPr>
@@ -27221,7 +28207,7 @@
         </p:nvSpPr>
         <p:spPr>
           <a:xfrm>
-            <a:off x="478514" y="1478666"/>
+            <a:off x="394536" y="1548042"/>
             <a:ext cx="5705958" cy="416583"/>
           </a:xfrm>
           <a:prstGeom prst="rect">
@@ -27304,7 +28290,7 @@
           <p:cNvPr id="9" name="Rectangle 14">
             <a:extLst>
               <a:ext uri="{FF2B5EF4-FFF2-40B4-BE49-F238E27FC236}">
-                <a16:creationId xmlns="" xmlns:a16="http://schemas.microsoft.com/office/drawing/2014/main" id="{88C45C25-BF1B-4018-8A33-8F627F02D4A4}"/>
+                <a16:creationId xmlns:a16="http://schemas.microsoft.com/office/drawing/2014/main" xmlns="" id="{88C45C25-BF1B-4018-8A33-8F627F02D4A4}"/>
               </a:ext>
             </a:extLst>
           </p:cNvPr>
@@ -27313,7 +28299,7 @@
         </p:nvSpPr>
         <p:spPr>
           <a:xfrm>
-            <a:off x="478514" y="1895249"/>
+            <a:off x="394536" y="1964625"/>
             <a:ext cx="5705958" cy="416583"/>
           </a:xfrm>
           <a:prstGeom prst="rect">
@@ -27364,7 +28350,7 @@
           <p:cNvPr id="10" name="Rectangle 14">
             <a:extLst>
               <a:ext uri="{FF2B5EF4-FFF2-40B4-BE49-F238E27FC236}">
-                <a16:creationId xmlns="" xmlns:a16="http://schemas.microsoft.com/office/drawing/2014/main" id="{88C45C25-BF1B-4018-8A33-8F627F02D4A4}"/>
+                <a16:creationId xmlns:a16="http://schemas.microsoft.com/office/drawing/2014/main" xmlns="" id="{88C45C25-BF1B-4018-8A33-8F627F02D4A4}"/>
               </a:ext>
             </a:extLst>
           </p:cNvPr>
@@ -27373,7 +28359,7 @@
         </p:nvSpPr>
         <p:spPr>
           <a:xfrm>
-            <a:off x="478514" y="2311832"/>
+            <a:off x="394536" y="2381208"/>
             <a:ext cx="5705958" cy="416583"/>
           </a:xfrm>
           <a:prstGeom prst="rect">
@@ -27424,7 +28410,7 @@
           <p:cNvPr id="11" name="Rectangle 14">
             <a:extLst>
               <a:ext uri="{FF2B5EF4-FFF2-40B4-BE49-F238E27FC236}">
-                <a16:creationId xmlns="" xmlns:a16="http://schemas.microsoft.com/office/drawing/2014/main" id="{88C45C25-BF1B-4018-8A33-8F627F02D4A4}"/>
+                <a16:creationId xmlns:a16="http://schemas.microsoft.com/office/drawing/2014/main" xmlns="" id="{88C45C25-BF1B-4018-8A33-8F627F02D4A4}"/>
               </a:ext>
             </a:extLst>
           </p:cNvPr>
@@ -27433,7 +28419,7 @@
         </p:nvSpPr>
         <p:spPr>
           <a:xfrm>
-            <a:off x="478514" y="2728415"/>
+            <a:off x="394536" y="2797791"/>
             <a:ext cx="5705958" cy="416583"/>
           </a:xfrm>
           <a:prstGeom prst="rect">
@@ -27495,7 +28481,7 @@
         </p:blipFill>
         <p:spPr>
           <a:xfrm>
-            <a:off x="2939417" y="1379639"/>
+            <a:off x="2855439" y="1449013"/>
             <a:ext cx="3028950" cy="1447800"/>
           </a:xfrm>
           <a:prstGeom prst="rect">
@@ -27552,7 +28538,7 @@
           <p:cNvPr id="2" name="Rectangle 1">
             <a:extLst>
               <a:ext uri="{FF2B5EF4-FFF2-40B4-BE49-F238E27FC236}">
-                <a16:creationId xmlns="" xmlns:a16="http://schemas.microsoft.com/office/drawing/2014/main" id="{4F38584F-66B2-464F-9BA7-6F9A856D602F}"/>
+                <a16:creationId xmlns:a16="http://schemas.microsoft.com/office/drawing/2014/main" xmlns="" id="{4F38584F-66B2-464F-9BA7-6F9A856D602F}"/>
               </a:ext>
             </a:extLst>
           </p:cNvPr>
@@ -27561,7 +28547,7 @@
         </p:nvSpPr>
         <p:spPr>
           <a:xfrm>
-            <a:off x="405685" y="219675"/>
+            <a:off x="342027" y="278891"/>
             <a:ext cx="5705958" cy="909025"/>
           </a:xfrm>
           <a:prstGeom prst="rect">
@@ -27612,7 +28598,7 @@
           <p:cNvPr id="15" name="Rectangle 14">
             <a:extLst>
               <a:ext uri="{FF2B5EF4-FFF2-40B4-BE49-F238E27FC236}">
-                <a16:creationId xmlns="" xmlns:a16="http://schemas.microsoft.com/office/drawing/2014/main" id="{88C45C25-BF1B-4018-8A33-8F627F02D4A4}"/>
+                <a16:creationId xmlns:a16="http://schemas.microsoft.com/office/drawing/2014/main" xmlns="" id="{88C45C25-BF1B-4018-8A33-8F627F02D4A4}"/>
               </a:ext>
             </a:extLst>
           </p:cNvPr>
@@ -27621,7 +28607,7 @@
         </p:nvSpPr>
         <p:spPr>
           <a:xfrm>
-            <a:off x="478514" y="1478666"/>
+            <a:off x="414856" y="1537882"/>
             <a:ext cx="5705958" cy="416583"/>
           </a:xfrm>
           <a:prstGeom prst="rect">
@@ -27704,7 +28690,7 @@
           <p:cNvPr id="9" name="Rectangle 14">
             <a:extLst>
               <a:ext uri="{FF2B5EF4-FFF2-40B4-BE49-F238E27FC236}">
-                <a16:creationId xmlns="" xmlns:a16="http://schemas.microsoft.com/office/drawing/2014/main" id="{88C45C25-BF1B-4018-8A33-8F627F02D4A4}"/>
+                <a16:creationId xmlns:a16="http://schemas.microsoft.com/office/drawing/2014/main" xmlns="" id="{88C45C25-BF1B-4018-8A33-8F627F02D4A4}"/>
               </a:ext>
             </a:extLst>
           </p:cNvPr>
@@ -27713,7 +28699,7 @@
         </p:nvSpPr>
         <p:spPr>
           <a:xfrm>
-            <a:off x="478514" y="1895249"/>
+            <a:off x="414856" y="1954465"/>
             <a:ext cx="5705958" cy="416583"/>
           </a:xfrm>
           <a:prstGeom prst="rect">
@@ -27796,7 +28782,7 @@
           <p:cNvPr id="10" name="Rectangle 14">
             <a:extLst>
               <a:ext uri="{FF2B5EF4-FFF2-40B4-BE49-F238E27FC236}">
-                <a16:creationId xmlns="" xmlns:a16="http://schemas.microsoft.com/office/drawing/2014/main" id="{88C45C25-BF1B-4018-8A33-8F627F02D4A4}"/>
+                <a16:creationId xmlns:a16="http://schemas.microsoft.com/office/drawing/2014/main" xmlns="" id="{88C45C25-BF1B-4018-8A33-8F627F02D4A4}"/>
               </a:ext>
             </a:extLst>
           </p:cNvPr>
@@ -27805,7 +28791,7 @@
         </p:nvSpPr>
         <p:spPr>
           <a:xfrm>
-            <a:off x="478514" y="2311832"/>
+            <a:off x="414856" y="2371048"/>
             <a:ext cx="5705958" cy="416583"/>
           </a:xfrm>
           <a:prstGeom prst="rect">
@@ -27888,7 +28874,7 @@
           <p:cNvPr id="11" name="Rectangle 14">
             <a:extLst>
               <a:ext uri="{FF2B5EF4-FFF2-40B4-BE49-F238E27FC236}">
-                <a16:creationId xmlns="" xmlns:a16="http://schemas.microsoft.com/office/drawing/2014/main" id="{88C45C25-BF1B-4018-8A33-8F627F02D4A4}"/>
+                <a16:creationId xmlns:a16="http://schemas.microsoft.com/office/drawing/2014/main" xmlns="" id="{88C45C25-BF1B-4018-8A33-8F627F02D4A4}"/>
               </a:ext>
             </a:extLst>
           </p:cNvPr>
@@ -27897,7 +28883,7 @@
         </p:nvSpPr>
         <p:spPr>
           <a:xfrm>
-            <a:off x="478514" y="2728415"/>
+            <a:off x="414856" y="2787631"/>
             <a:ext cx="5705958" cy="416583"/>
           </a:xfrm>
           <a:prstGeom prst="rect">
@@ -27991,7 +28977,7 @@
         </p:blipFill>
         <p:spPr>
           <a:xfrm>
-            <a:off x="2956066" y="1228470"/>
+            <a:off x="2892410" y="1287686"/>
             <a:ext cx="3076575" cy="1400175"/>
           </a:xfrm>
           <a:prstGeom prst="rect">
@@ -28048,7 +29034,7 @@
           <p:cNvPr id="2" name="Rectangle 1">
             <a:extLst>
               <a:ext uri="{FF2B5EF4-FFF2-40B4-BE49-F238E27FC236}">
-                <a16:creationId xmlns="" xmlns:a16="http://schemas.microsoft.com/office/drawing/2014/main" id="{4F38584F-66B2-464F-9BA7-6F9A856D602F}"/>
+                <a16:creationId xmlns:a16="http://schemas.microsoft.com/office/drawing/2014/main" xmlns="" id="{4F38584F-66B2-464F-9BA7-6F9A856D602F}"/>
               </a:ext>
             </a:extLst>
           </p:cNvPr>
@@ -28057,7 +29043,7 @@
         </p:nvSpPr>
         <p:spPr>
           <a:xfrm>
-            <a:off x="405685" y="219675"/>
+            <a:off x="321707" y="238251"/>
             <a:ext cx="5705958" cy="909025"/>
           </a:xfrm>
           <a:prstGeom prst="rect">
@@ -28108,7 +29094,7 @@
           <p:cNvPr id="15" name="Rectangle 14">
             <a:extLst>
               <a:ext uri="{FF2B5EF4-FFF2-40B4-BE49-F238E27FC236}">
-                <a16:creationId xmlns="" xmlns:a16="http://schemas.microsoft.com/office/drawing/2014/main" id="{88C45C25-BF1B-4018-8A33-8F627F02D4A4}"/>
+                <a16:creationId xmlns:a16="http://schemas.microsoft.com/office/drawing/2014/main" xmlns="" id="{88C45C25-BF1B-4018-8A33-8F627F02D4A4}"/>
               </a:ext>
             </a:extLst>
           </p:cNvPr>
@@ -28117,7 +29103,7 @@
         </p:nvSpPr>
         <p:spPr>
           <a:xfrm>
-            <a:off x="478514" y="1478666"/>
+            <a:off x="394536" y="1497242"/>
             <a:ext cx="5705958" cy="416583"/>
           </a:xfrm>
           <a:prstGeom prst="rect">
@@ -28168,7 +29154,7 @@
           <p:cNvPr id="9" name="Rectangle 14">
             <a:extLst>
               <a:ext uri="{FF2B5EF4-FFF2-40B4-BE49-F238E27FC236}">
-                <a16:creationId xmlns="" xmlns:a16="http://schemas.microsoft.com/office/drawing/2014/main" id="{88C45C25-BF1B-4018-8A33-8F627F02D4A4}"/>
+                <a16:creationId xmlns:a16="http://schemas.microsoft.com/office/drawing/2014/main" xmlns="" id="{88C45C25-BF1B-4018-8A33-8F627F02D4A4}"/>
               </a:ext>
             </a:extLst>
           </p:cNvPr>
@@ -28177,7 +29163,7 @@
         </p:nvSpPr>
         <p:spPr>
           <a:xfrm>
-            <a:off x="478514" y="1895249"/>
+            <a:off x="394536" y="1913825"/>
             <a:ext cx="5705958" cy="416583"/>
           </a:xfrm>
           <a:prstGeom prst="rect">
@@ -28228,7 +29214,7 @@
           <p:cNvPr id="10" name="Rectangle 14">
             <a:extLst>
               <a:ext uri="{FF2B5EF4-FFF2-40B4-BE49-F238E27FC236}">
-                <a16:creationId xmlns="" xmlns:a16="http://schemas.microsoft.com/office/drawing/2014/main" id="{88C45C25-BF1B-4018-8A33-8F627F02D4A4}"/>
+                <a16:creationId xmlns:a16="http://schemas.microsoft.com/office/drawing/2014/main" xmlns="" id="{88C45C25-BF1B-4018-8A33-8F627F02D4A4}"/>
               </a:ext>
             </a:extLst>
           </p:cNvPr>
@@ -28237,7 +29223,7 @@
         </p:nvSpPr>
         <p:spPr>
           <a:xfrm>
-            <a:off x="478514" y="2311832"/>
+            <a:off x="394536" y="2330408"/>
             <a:ext cx="5705958" cy="416583"/>
           </a:xfrm>
           <a:prstGeom prst="rect">
@@ -28288,7 +29274,7 @@
           <p:cNvPr id="11" name="Rectangle 14">
             <a:extLst>
               <a:ext uri="{FF2B5EF4-FFF2-40B4-BE49-F238E27FC236}">
-                <a16:creationId xmlns="" xmlns:a16="http://schemas.microsoft.com/office/drawing/2014/main" id="{88C45C25-BF1B-4018-8A33-8F627F02D4A4}"/>
+                <a16:creationId xmlns:a16="http://schemas.microsoft.com/office/drawing/2014/main" xmlns="" id="{88C45C25-BF1B-4018-8A33-8F627F02D4A4}"/>
               </a:ext>
             </a:extLst>
           </p:cNvPr>
@@ -28297,7 +29283,7 @@
         </p:nvSpPr>
         <p:spPr>
           <a:xfrm>
-            <a:off x="478514" y="2728415"/>
+            <a:off x="394536" y="2746991"/>
             <a:ext cx="5705958" cy="416583"/>
           </a:xfrm>
           <a:prstGeom prst="rect">
@@ -28391,7 +29377,7 @@
         </p:blipFill>
         <p:spPr>
           <a:xfrm>
-            <a:off x="2922770" y="1328240"/>
+            <a:off x="2838794" y="1346816"/>
             <a:ext cx="2981325" cy="1400175"/>
           </a:xfrm>
           <a:prstGeom prst="rect">
@@ -28448,7 +29434,7 @@
           <p:cNvPr id="2" name="Rectangle 1">
             <a:extLst>
               <a:ext uri="{FF2B5EF4-FFF2-40B4-BE49-F238E27FC236}">
-                <a16:creationId xmlns="" xmlns:a16="http://schemas.microsoft.com/office/drawing/2014/main" id="{4F38584F-66B2-464F-9BA7-6F9A856D602F}"/>
+                <a16:creationId xmlns:a16="http://schemas.microsoft.com/office/drawing/2014/main" xmlns="" id="{4F38584F-66B2-464F-9BA7-6F9A856D602F}"/>
               </a:ext>
             </a:extLst>
           </p:cNvPr>
@@ -28457,7 +29443,7 @@
         </p:nvSpPr>
         <p:spPr>
           <a:xfrm>
-            <a:off x="405685" y="219675"/>
+            <a:off x="321707" y="268731"/>
             <a:ext cx="5705958" cy="909025"/>
           </a:xfrm>
           <a:prstGeom prst="rect">
@@ -28508,7 +29494,7 @@
           <p:cNvPr id="15" name="Rectangle 14">
             <a:extLst>
               <a:ext uri="{FF2B5EF4-FFF2-40B4-BE49-F238E27FC236}">
-                <a16:creationId xmlns="" xmlns:a16="http://schemas.microsoft.com/office/drawing/2014/main" id="{88C45C25-BF1B-4018-8A33-8F627F02D4A4}"/>
+                <a16:creationId xmlns:a16="http://schemas.microsoft.com/office/drawing/2014/main" xmlns="" id="{88C45C25-BF1B-4018-8A33-8F627F02D4A4}"/>
               </a:ext>
             </a:extLst>
           </p:cNvPr>
@@ -28517,7 +29503,7 @@
         </p:nvSpPr>
         <p:spPr>
           <a:xfrm>
-            <a:off x="478514" y="1478666"/>
+            <a:off x="394536" y="1527722"/>
             <a:ext cx="5705958" cy="416583"/>
           </a:xfrm>
           <a:prstGeom prst="rect">
@@ -28600,7 +29586,7 @@
           <p:cNvPr id="9" name="Rectangle 14">
             <a:extLst>
               <a:ext uri="{FF2B5EF4-FFF2-40B4-BE49-F238E27FC236}">
-                <a16:creationId xmlns="" xmlns:a16="http://schemas.microsoft.com/office/drawing/2014/main" id="{88C45C25-BF1B-4018-8A33-8F627F02D4A4}"/>
+                <a16:creationId xmlns:a16="http://schemas.microsoft.com/office/drawing/2014/main" xmlns="" id="{88C45C25-BF1B-4018-8A33-8F627F02D4A4}"/>
               </a:ext>
             </a:extLst>
           </p:cNvPr>
@@ -28609,7 +29595,7 @@
         </p:nvSpPr>
         <p:spPr>
           <a:xfrm>
-            <a:off x="478514" y="1895249"/>
+            <a:off x="394536" y="1944305"/>
             <a:ext cx="5705958" cy="416583"/>
           </a:xfrm>
           <a:prstGeom prst="rect">
@@ -28692,7 +29678,7 @@
           <p:cNvPr id="10" name="Rectangle 14">
             <a:extLst>
               <a:ext uri="{FF2B5EF4-FFF2-40B4-BE49-F238E27FC236}">
-                <a16:creationId xmlns="" xmlns:a16="http://schemas.microsoft.com/office/drawing/2014/main" id="{88C45C25-BF1B-4018-8A33-8F627F02D4A4}"/>
+                <a16:creationId xmlns:a16="http://schemas.microsoft.com/office/drawing/2014/main" xmlns="" id="{88C45C25-BF1B-4018-8A33-8F627F02D4A4}"/>
               </a:ext>
             </a:extLst>
           </p:cNvPr>
@@ -28701,7 +29687,7 @@
         </p:nvSpPr>
         <p:spPr>
           <a:xfrm>
-            <a:off x="478514" y="2311832"/>
+            <a:off x="394536" y="2360888"/>
             <a:ext cx="5705958" cy="416583"/>
           </a:xfrm>
           <a:prstGeom prst="rect">
@@ -28784,7 +29770,7 @@
           <p:cNvPr id="11" name="Rectangle 14">
             <a:extLst>
               <a:ext uri="{FF2B5EF4-FFF2-40B4-BE49-F238E27FC236}">
-                <a16:creationId xmlns="" xmlns:a16="http://schemas.microsoft.com/office/drawing/2014/main" id="{88C45C25-BF1B-4018-8A33-8F627F02D4A4}"/>
+                <a16:creationId xmlns:a16="http://schemas.microsoft.com/office/drawing/2014/main" xmlns="" id="{88C45C25-BF1B-4018-8A33-8F627F02D4A4}"/>
               </a:ext>
             </a:extLst>
           </p:cNvPr>
@@ -28793,7 +29779,7 @@
         </p:nvSpPr>
         <p:spPr>
           <a:xfrm>
-            <a:off x="478514" y="2728415"/>
+            <a:off x="394536" y="2777471"/>
             <a:ext cx="5705958" cy="416583"/>
           </a:xfrm>
           <a:prstGeom prst="rect">
@@ -28887,7 +29873,7 @@
         </p:blipFill>
         <p:spPr>
           <a:xfrm>
-            <a:off x="3028935" y="1309190"/>
+            <a:off x="2944957" y="1358246"/>
             <a:ext cx="2914650" cy="1419225"/>
           </a:xfrm>
           <a:prstGeom prst="rect">
@@ -28944,7 +29930,7 @@
           <p:cNvPr id="2" name="Rectangle 1">
             <a:extLst>
               <a:ext uri="{FF2B5EF4-FFF2-40B4-BE49-F238E27FC236}">
-                <a16:creationId xmlns="" xmlns:a16="http://schemas.microsoft.com/office/drawing/2014/main" id="{4F38584F-66B2-464F-9BA7-6F9A856D602F}"/>
+                <a16:creationId xmlns:a16="http://schemas.microsoft.com/office/drawing/2014/main" xmlns="" id="{4F38584F-66B2-464F-9BA7-6F9A856D602F}"/>
               </a:ext>
             </a:extLst>
           </p:cNvPr>
@@ -28953,7 +29939,7 @@
         </p:nvSpPr>
         <p:spPr>
           <a:xfrm>
-            <a:off x="405685" y="219675"/>
+            <a:off x="291227" y="187451"/>
             <a:ext cx="5705958" cy="909025"/>
           </a:xfrm>
           <a:prstGeom prst="rect">
@@ -29004,7 +29990,7 @@
           <p:cNvPr id="15" name="Rectangle 14">
             <a:extLst>
               <a:ext uri="{FF2B5EF4-FFF2-40B4-BE49-F238E27FC236}">
-                <a16:creationId xmlns="" xmlns:a16="http://schemas.microsoft.com/office/drawing/2014/main" id="{88C45C25-BF1B-4018-8A33-8F627F02D4A4}"/>
+                <a16:creationId xmlns:a16="http://schemas.microsoft.com/office/drawing/2014/main" xmlns="" id="{88C45C25-BF1B-4018-8A33-8F627F02D4A4}"/>
               </a:ext>
             </a:extLst>
           </p:cNvPr>
@@ -29013,7 +29999,7 @@
         </p:nvSpPr>
         <p:spPr>
           <a:xfrm>
-            <a:off x="478514" y="1478666"/>
+            <a:off x="364056" y="1446442"/>
             <a:ext cx="5705958" cy="416583"/>
           </a:xfrm>
           <a:prstGeom prst="rect">
@@ -29064,7 +30050,7 @@
           <p:cNvPr id="9" name="Rectangle 14">
             <a:extLst>
               <a:ext uri="{FF2B5EF4-FFF2-40B4-BE49-F238E27FC236}">
-                <a16:creationId xmlns="" xmlns:a16="http://schemas.microsoft.com/office/drawing/2014/main" id="{88C45C25-BF1B-4018-8A33-8F627F02D4A4}"/>
+                <a16:creationId xmlns:a16="http://schemas.microsoft.com/office/drawing/2014/main" xmlns="" id="{88C45C25-BF1B-4018-8A33-8F627F02D4A4}"/>
               </a:ext>
             </a:extLst>
           </p:cNvPr>
@@ -29073,7 +30059,7 @@
         </p:nvSpPr>
         <p:spPr>
           <a:xfrm>
-            <a:off x="478514" y="1895249"/>
+            <a:off x="364056" y="1863025"/>
             <a:ext cx="5705958" cy="416583"/>
           </a:xfrm>
           <a:prstGeom prst="rect">
@@ -29124,7 +30110,7 @@
           <p:cNvPr id="10" name="Rectangle 14">
             <a:extLst>
               <a:ext uri="{FF2B5EF4-FFF2-40B4-BE49-F238E27FC236}">
-                <a16:creationId xmlns="" xmlns:a16="http://schemas.microsoft.com/office/drawing/2014/main" id="{88C45C25-BF1B-4018-8A33-8F627F02D4A4}"/>
+                <a16:creationId xmlns:a16="http://schemas.microsoft.com/office/drawing/2014/main" xmlns="" id="{88C45C25-BF1B-4018-8A33-8F627F02D4A4}"/>
               </a:ext>
             </a:extLst>
           </p:cNvPr>
@@ -29133,7 +30119,7 @@
         </p:nvSpPr>
         <p:spPr>
           <a:xfrm>
-            <a:off x="478514" y="2311832"/>
+            <a:off x="364056" y="2279608"/>
             <a:ext cx="5705958" cy="416583"/>
           </a:xfrm>
           <a:prstGeom prst="rect">
@@ -29184,7 +30170,7 @@
           <p:cNvPr id="11" name="Rectangle 14">
             <a:extLst>
               <a:ext uri="{FF2B5EF4-FFF2-40B4-BE49-F238E27FC236}">
-                <a16:creationId xmlns="" xmlns:a16="http://schemas.microsoft.com/office/drawing/2014/main" id="{88C45C25-BF1B-4018-8A33-8F627F02D4A4}"/>
+                <a16:creationId xmlns:a16="http://schemas.microsoft.com/office/drawing/2014/main" xmlns="" id="{88C45C25-BF1B-4018-8A33-8F627F02D4A4}"/>
               </a:ext>
             </a:extLst>
           </p:cNvPr>
@@ -29193,7 +30179,7 @@
         </p:nvSpPr>
         <p:spPr>
           <a:xfrm>
-            <a:off x="478514" y="2728415"/>
+            <a:off x="364056" y="2696191"/>
             <a:ext cx="5705958" cy="416583"/>
           </a:xfrm>
           <a:prstGeom prst="rect">
@@ -29287,7 +30273,7 @@
         </p:blipFill>
         <p:spPr>
           <a:xfrm>
-            <a:off x="2903720" y="1276224"/>
+            <a:off x="2789264" y="1244000"/>
             <a:ext cx="3019425" cy="1533525"/>
           </a:xfrm>
           <a:prstGeom prst="rect">
